--- a/1-Environment/Lab/3.burger_lab.pptx
+++ b/1-Environment/Lab/3.burger_lab.pptx
@@ -5,7 +5,7 @@
     <p:sldMasterId id="2147483648" r:id="rId1"/>
   </p:sldMasterIdLst>
   <p:notesMasterIdLst>
-    <p:notesMasterId r:id="rId45"/>
+    <p:notesMasterId r:id="rId40"/>
   </p:notesMasterIdLst>
   <p:sldIdLst>
     <p:sldId id="486" r:id="rId2"/>
@@ -36,21 +36,16 @@
     <p:sldId id="531" r:id="rId27"/>
     <p:sldId id="532" r:id="rId28"/>
     <p:sldId id="471" r:id="rId29"/>
-    <p:sldId id="472" r:id="rId30"/>
-    <p:sldId id="473" r:id="rId31"/>
-    <p:sldId id="474" r:id="rId32"/>
-    <p:sldId id="479" r:id="rId33"/>
-    <p:sldId id="480" r:id="rId34"/>
-    <p:sldId id="481" r:id="rId35"/>
-    <p:sldId id="517" r:id="rId36"/>
-    <p:sldId id="462" r:id="rId37"/>
-    <p:sldId id="463" r:id="rId38"/>
-    <p:sldId id="482" r:id="rId39"/>
-    <p:sldId id="483" r:id="rId40"/>
-    <p:sldId id="484" r:id="rId41"/>
-    <p:sldId id="505" r:id="rId42"/>
-    <p:sldId id="485" r:id="rId43"/>
-    <p:sldId id="499" r:id="rId44"/>
+    <p:sldId id="479" r:id="rId30"/>
+    <p:sldId id="480" r:id="rId31"/>
+    <p:sldId id="481" r:id="rId32"/>
+    <p:sldId id="517" r:id="rId33"/>
+    <p:sldId id="462" r:id="rId34"/>
+    <p:sldId id="463" r:id="rId35"/>
+    <p:sldId id="482" r:id="rId36"/>
+    <p:sldId id="483" r:id="rId37"/>
+    <p:sldId id="484" r:id="rId38"/>
+    <p:sldId id="505" r:id="rId39"/>
   </p:sldIdLst>
   <p:sldSz cx="9144000" cy="6858000" type="screen4x3"/>
   <p:notesSz cx="6858000" cy="9144000"/>
@@ -250,7 +245,7 @@
           <a:p>
             <a:fld id="{231E3541-AE05-1940-A652-77C7B468644B}" type="datetimeFigureOut">
               <a:rPr lang="fr-FR" smtClean="0"/>
-              <a:t>23/09/2020</a:t>
+              <a:t>04/10/2020</a:t>
             </a:fld>
             <a:endParaRPr lang="fr-FR"/>
           </a:p>
@@ -518,8 +513,13 @@
 </file>
 
 <file path=ppt/slideLayouts/slideLayout1.xml><?xml version="1.0" encoding="utf-8"?>
-<p:sldLayout xmlns:a="http://schemas.openxmlformats.org/drawingml/2006/main" xmlns:r="http://schemas.openxmlformats.org/officeDocument/2006/relationships" xmlns:p="http://schemas.openxmlformats.org/presentationml/2006/main" type="title" preserve="1">
+<p:sldLayout xmlns:a="http://schemas.openxmlformats.org/drawingml/2006/main" xmlns:r="http://schemas.openxmlformats.org/officeDocument/2006/relationships" xmlns:p="http://schemas.openxmlformats.org/presentationml/2006/main" showMasterSp="0" type="title" preserve="1">
   <p:cSld name="Diapositive de titre">
+    <p:bg>
+      <p:bgRef idx="1001">
+        <a:schemeClr val="bg1"/>
+      </p:bgRef>
+    </p:bg>
     <p:spTree>
       <p:nvGrpSpPr>
         <p:cNvPr id="1" name=""/>
@@ -696,7 +696,7 @@
           <a:p>
             <a:fld id="{CE19F529-B12D-AD41-9729-6C759477EC1F}" type="datetimeFigureOut">
               <a:rPr lang="fr-FR" smtClean="0"/>
-              <a:t>23/09/2020</a:t>
+              <a:t>04/10/2020</a:t>
             </a:fld>
             <a:endParaRPr lang="fr-FR"/>
           </a:p>
@@ -752,14 +752,19 @@
     </p:extLst>
   </p:cSld>
   <p:clrMapOvr>
-    <a:masterClrMapping/>
+    <a:overrideClrMapping bg1="lt1" tx1="dk1" bg2="lt2" tx2="dk2" accent1="accent1" accent2="accent2" accent3="accent3" accent4="accent4" accent5="accent5" accent6="accent6" hlink="hlink" folHlink="folHlink"/>
   </p:clrMapOvr>
 </p:sldLayout>
 </file>
 
 <file path=ppt/slideLayouts/slideLayout10.xml><?xml version="1.0" encoding="utf-8"?>
-<p:sldLayout xmlns:a="http://schemas.openxmlformats.org/drawingml/2006/main" xmlns:r="http://schemas.openxmlformats.org/officeDocument/2006/relationships" xmlns:p="http://schemas.openxmlformats.org/presentationml/2006/main" type="vertTx" preserve="1">
+<p:sldLayout xmlns:a="http://schemas.openxmlformats.org/drawingml/2006/main" xmlns:r="http://schemas.openxmlformats.org/officeDocument/2006/relationships" xmlns:p="http://schemas.openxmlformats.org/presentationml/2006/main" showMasterSp="0" type="vertTx" preserve="1">
   <p:cSld name="Titre et texte vertical">
+    <p:bg>
+      <p:bgRef idx="1001">
+        <a:schemeClr val="bg1"/>
+      </p:bgRef>
+    </p:bg>
     <p:spTree>
       <p:nvGrpSpPr>
         <p:cNvPr id="1" name=""/>
@@ -864,7 +869,7 @@
           <a:p>
             <a:fld id="{CE19F529-B12D-AD41-9729-6C759477EC1F}" type="datetimeFigureOut">
               <a:rPr lang="fr-FR" smtClean="0"/>
-              <a:t>23/09/2020</a:t>
+              <a:t>04/10/2020</a:t>
             </a:fld>
             <a:endParaRPr lang="fr-FR"/>
           </a:p>
@@ -920,14 +925,19 @@
     </p:extLst>
   </p:cSld>
   <p:clrMapOvr>
-    <a:masterClrMapping/>
+    <a:overrideClrMapping bg1="lt1" tx1="dk1" bg2="lt2" tx2="dk2" accent1="accent1" accent2="accent2" accent3="accent3" accent4="accent4" accent5="accent5" accent6="accent6" hlink="hlink" folHlink="folHlink"/>
   </p:clrMapOvr>
 </p:sldLayout>
 </file>
 
 <file path=ppt/slideLayouts/slideLayout11.xml><?xml version="1.0" encoding="utf-8"?>
-<p:sldLayout xmlns:a="http://schemas.openxmlformats.org/drawingml/2006/main" xmlns:r="http://schemas.openxmlformats.org/officeDocument/2006/relationships" xmlns:p="http://schemas.openxmlformats.org/presentationml/2006/main" type="vertTitleAndTx" preserve="1">
+<p:sldLayout xmlns:a="http://schemas.openxmlformats.org/drawingml/2006/main" xmlns:r="http://schemas.openxmlformats.org/officeDocument/2006/relationships" xmlns:p="http://schemas.openxmlformats.org/presentationml/2006/main" showMasterSp="0" type="vertTitleAndTx" preserve="1">
   <p:cSld name="Titre vertical et texte">
+    <p:bg>
+      <p:bgRef idx="1001">
+        <a:schemeClr val="bg1"/>
+      </p:bgRef>
+    </p:bg>
     <p:spTree>
       <p:nvGrpSpPr>
         <p:cNvPr id="1" name=""/>
@@ -1042,7 +1052,7 @@
           <a:p>
             <a:fld id="{CE19F529-B12D-AD41-9729-6C759477EC1F}" type="datetimeFigureOut">
               <a:rPr lang="fr-FR" smtClean="0"/>
-              <a:t>23/09/2020</a:t>
+              <a:t>04/10/2020</a:t>
             </a:fld>
             <a:endParaRPr lang="fr-FR"/>
           </a:p>
@@ -1098,14 +1108,19 @@
     </p:extLst>
   </p:cSld>
   <p:clrMapOvr>
-    <a:masterClrMapping/>
+    <a:overrideClrMapping bg1="lt1" tx1="dk1" bg2="lt2" tx2="dk2" accent1="accent1" accent2="accent2" accent3="accent3" accent4="accent4" accent5="accent5" accent6="accent6" hlink="hlink" folHlink="folHlink"/>
   </p:clrMapOvr>
 </p:sldLayout>
 </file>
 
 <file path=ppt/slideLayouts/slideLayout2.xml><?xml version="1.0" encoding="utf-8"?>
-<p:sldLayout xmlns:a="http://schemas.openxmlformats.org/drawingml/2006/main" xmlns:r="http://schemas.openxmlformats.org/officeDocument/2006/relationships" xmlns:p="http://schemas.openxmlformats.org/presentationml/2006/main" type="obj" preserve="1">
+<p:sldLayout xmlns:a="http://schemas.openxmlformats.org/drawingml/2006/main" xmlns:r="http://schemas.openxmlformats.org/officeDocument/2006/relationships" xmlns:p="http://schemas.openxmlformats.org/presentationml/2006/main" showMasterSp="0" type="obj" preserve="1">
   <p:cSld name="Titre et contenu">
+    <p:bg>
+      <p:bgRef idx="1001">
+        <a:schemeClr val="bg1"/>
+      </p:bgRef>
+    </p:bg>
     <p:spTree>
       <p:nvGrpSpPr>
         <p:cNvPr id="1" name=""/>
@@ -1210,7 +1225,7 @@
           <a:p>
             <a:fld id="{CE19F529-B12D-AD41-9729-6C759477EC1F}" type="datetimeFigureOut">
               <a:rPr lang="fr-FR" smtClean="0"/>
-              <a:t>23/09/2020</a:t>
+              <a:t>04/10/2020</a:t>
             </a:fld>
             <a:endParaRPr lang="fr-FR"/>
           </a:p>
@@ -1266,14 +1281,19 @@
     </p:extLst>
   </p:cSld>
   <p:clrMapOvr>
-    <a:masterClrMapping/>
+    <a:overrideClrMapping bg1="lt1" tx1="dk1" bg2="lt2" tx2="dk2" accent1="accent1" accent2="accent2" accent3="accent3" accent4="accent4" accent5="accent5" accent6="accent6" hlink="hlink" folHlink="folHlink"/>
   </p:clrMapOvr>
 </p:sldLayout>
 </file>
 
 <file path=ppt/slideLayouts/slideLayout3.xml><?xml version="1.0" encoding="utf-8"?>
-<p:sldLayout xmlns:a="http://schemas.openxmlformats.org/drawingml/2006/main" xmlns:r="http://schemas.openxmlformats.org/officeDocument/2006/relationships" xmlns:p="http://schemas.openxmlformats.org/presentationml/2006/main" type="secHead" preserve="1">
+<p:sldLayout xmlns:a="http://schemas.openxmlformats.org/drawingml/2006/main" xmlns:r="http://schemas.openxmlformats.org/officeDocument/2006/relationships" xmlns:p="http://schemas.openxmlformats.org/presentationml/2006/main" showMasterSp="0" type="secHead" preserve="1">
   <p:cSld name="En-tête de section">
+    <p:bg>
+      <p:bgRef idx="1001">
+        <a:schemeClr val="bg1"/>
+      </p:bgRef>
+    </p:bg>
     <p:spTree>
       <p:nvGrpSpPr>
         <p:cNvPr id="1" name=""/>
@@ -1455,7 +1475,7 @@
           <a:p>
             <a:fld id="{CE19F529-B12D-AD41-9729-6C759477EC1F}" type="datetimeFigureOut">
               <a:rPr lang="fr-FR" smtClean="0"/>
-              <a:t>23/09/2020</a:t>
+              <a:t>04/10/2020</a:t>
             </a:fld>
             <a:endParaRPr lang="fr-FR"/>
           </a:p>
@@ -1511,14 +1531,19 @@
     </p:extLst>
   </p:cSld>
   <p:clrMapOvr>
-    <a:masterClrMapping/>
+    <a:overrideClrMapping bg1="lt1" tx1="dk1" bg2="lt2" tx2="dk2" accent1="accent1" accent2="accent2" accent3="accent3" accent4="accent4" accent5="accent5" accent6="accent6" hlink="hlink" folHlink="folHlink"/>
   </p:clrMapOvr>
 </p:sldLayout>
 </file>
 
 <file path=ppt/slideLayouts/slideLayout4.xml><?xml version="1.0" encoding="utf-8"?>
-<p:sldLayout xmlns:a="http://schemas.openxmlformats.org/drawingml/2006/main" xmlns:r="http://schemas.openxmlformats.org/officeDocument/2006/relationships" xmlns:p="http://schemas.openxmlformats.org/presentationml/2006/main" type="twoObj" preserve="1">
+<p:sldLayout xmlns:a="http://schemas.openxmlformats.org/drawingml/2006/main" xmlns:r="http://schemas.openxmlformats.org/officeDocument/2006/relationships" xmlns:p="http://schemas.openxmlformats.org/presentationml/2006/main" showMasterSp="0" type="twoObj" preserve="1">
   <p:cSld name="Deux contenus">
+    <p:bg>
+      <p:bgRef idx="1001">
+        <a:schemeClr val="bg1"/>
+      </p:bgRef>
+    </p:bg>
     <p:spTree>
       <p:nvGrpSpPr>
         <p:cNvPr id="1" name=""/>
@@ -1740,7 +1765,7 @@
           <a:p>
             <a:fld id="{CE19F529-B12D-AD41-9729-6C759477EC1F}" type="datetimeFigureOut">
               <a:rPr lang="fr-FR" smtClean="0"/>
-              <a:t>23/09/2020</a:t>
+              <a:t>04/10/2020</a:t>
             </a:fld>
             <a:endParaRPr lang="fr-FR"/>
           </a:p>
@@ -1796,14 +1821,19 @@
     </p:extLst>
   </p:cSld>
   <p:clrMapOvr>
-    <a:masterClrMapping/>
+    <a:overrideClrMapping bg1="lt1" tx1="dk1" bg2="lt2" tx2="dk2" accent1="accent1" accent2="accent2" accent3="accent3" accent4="accent4" accent5="accent5" accent6="accent6" hlink="hlink" folHlink="folHlink"/>
   </p:clrMapOvr>
 </p:sldLayout>
 </file>
 
 <file path=ppt/slideLayouts/slideLayout5.xml><?xml version="1.0" encoding="utf-8"?>
-<p:sldLayout xmlns:a="http://schemas.openxmlformats.org/drawingml/2006/main" xmlns:r="http://schemas.openxmlformats.org/officeDocument/2006/relationships" xmlns:p="http://schemas.openxmlformats.org/presentationml/2006/main" type="twoTxTwoObj" preserve="1">
+<p:sldLayout xmlns:a="http://schemas.openxmlformats.org/drawingml/2006/main" xmlns:r="http://schemas.openxmlformats.org/officeDocument/2006/relationships" xmlns:p="http://schemas.openxmlformats.org/presentationml/2006/main" showMasterSp="0" type="twoTxTwoObj" preserve="1">
   <p:cSld name="Comparaison">
+    <p:bg>
+      <p:bgRef idx="1001">
+        <a:schemeClr val="bg1"/>
+      </p:bgRef>
+    </p:bg>
     <p:spTree>
       <p:nvGrpSpPr>
         <p:cNvPr id="1" name=""/>
@@ -2159,7 +2189,7 @@
           <a:p>
             <a:fld id="{CE19F529-B12D-AD41-9729-6C759477EC1F}" type="datetimeFigureOut">
               <a:rPr lang="fr-FR" smtClean="0"/>
-              <a:t>23/09/2020</a:t>
+              <a:t>04/10/2020</a:t>
             </a:fld>
             <a:endParaRPr lang="fr-FR"/>
           </a:p>
@@ -2215,14 +2245,19 @@
     </p:extLst>
   </p:cSld>
   <p:clrMapOvr>
-    <a:masterClrMapping/>
+    <a:overrideClrMapping bg1="lt1" tx1="dk1" bg2="lt2" tx2="dk2" accent1="accent1" accent2="accent2" accent3="accent3" accent4="accent4" accent5="accent5" accent6="accent6" hlink="hlink" folHlink="folHlink"/>
   </p:clrMapOvr>
 </p:sldLayout>
 </file>
 
 <file path=ppt/slideLayouts/slideLayout6.xml><?xml version="1.0" encoding="utf-8"?>
-<p:sldLayout xmlns:a="http://schemas.openxmlformats.org/drawingml/2006/main" xmlns:r="http://schemas.openxmlformats.org/officeDocument/2006/relationships" xmlns:p="http://schemas.openxmlformats.org/presentationml/2006/main" type="titleOnly" preserve="1">
+<p:sldLayout xmlns:a="http://schemas.openxmlformats.org/drawingml/2006/main" xmlns:r="http://schemas.openxmlformats.org/officeDocument/2006/relationships" xmlns:p="http://schemas.openxmlformats.org/presentationml/2006/main" showMasterSp="0" type="titleOnly" preserve="1">
   <p:cSld name="Titre seul">
+    <p:bg>
+      <p:bgRef idx="1001">
+        <a:schemeClr val="bg1"/>
+      </p:bgRef>
+    </p:bg>
     <p:spTree>
       <p:nvGrpSpPr>
         <p:cNvPr id="1" name=""/>
@@ -2276,7 +2311,7 @@
           <a:p>
             <a:fld id="{CE19F529-B12D-AD41-9729-6C759477EC1F}" type="datetimeFigureOut">
               <a:rPr lang="fr-FR" smtClean="0"/>
-              <a:t>23/09/2020</a:t>
+              <a:t>04/10/2020</a:t>
             </a:fld>
             <a:endParaRPr lang="fr-FR"/>
           </a:p>
@@ -2332,14 +2367,19 @@
     </p:extLst>
   </p:cSld>
   <p:clrMapOvr>
-    <a:masterClrMapping/>
+    <a:overrideClrMapping bg1="lt1" tx1="dk1" bg2="lt2" tx2="dk2" accent1="accent1" accent2="accent2" accent3="accent3" accent4="accent4" accent5="accent5" accent6="accent6" hlink="hlink" folHlink="folHlink"/>
   </p:clrMapOvr>
 </p:sldLayout>
 </file>
 
 <file path=ppt/slideLayouts/slideLayout7.xml><?xml version="1.0" encoding="utf-8"?>
-<p:sldLayout xmlns:a="http://schemas.openxmlformats.org/drawingml/2006/main" xmlns:r="http://schemas.openxmlformats.org/officeDocument/2006/relationships" xmlns:p="http://schemas.openxmlformats.org/presentationml/2006/main" type="blank" preserve="1">
+<p:sldLayout xmlns:a="http://schemas.openxmlformats.org/drawingml/2006/main" xmlns:r="http://schemas.openxmlformats.org/officeDocument/2006/relationships" xmlns:p="http://schemas.openxmlformats.org/presentationml/2006/main" showMasterSp="0" type="blank" preserve="1">
   <p:cSld name="Vide">
+    <p:bg>
+      <p:bgRef idx="1001">
+        <a:schemeClr val="bg1"/>
+      </p:bgRef>
+    </p:bg>
     <p:spTree>
       <p:nvGrpSpPr>
         <p:cNvPr id="1" name=""/>
@@ -2371,7 +2411,7 @@
           <a:p>
             <a:fld id="{CE19F529-B12D-AD41-9729-6C759477EC1F}" type="datetimeFigureOut">
               <a:rPr lang="fr-FR" smtClean="0"/>
-              <a:t>23/09/2020</a:t>
+              <a:t>04/10/2020</a:t>
             </a:fld>
             <a:endParaRPr lang="fr-FR"/>
           </a:p>
@@ -2427,14 +2467,19 @@
     </p:extLst>
   </p:cSld>
   <p:clrMapOvr>
-    <a:masterClrMapping/>
+    <a:overrideClrMapping bg1="lt1" tx1="dk1" bg2="lt2" tx2="dk2" accent1="accent1" accent2="accent2" accent3="accent3" accent4="accent4" accent5="accent5" accent6="accent6" hlink="hlink" folHlink="folHlink"/>
   </p:clrMapOvr>
 </p:sldLayout>
 </file>
 
 <file path=ppt/slideLayouts/slideLayout8.xml><?xml version="1.0" encoding="utf-8"?>
-<p:sldLayout xmlns:a="http://schemas.openxmlformats.org/drawingml/2006/main" xmlns:r="http://schemas.openxmlformats.org/officeDocument/2006/relationships" xmlns:p="http://schemas.openxmlformats.org/presentationml/2006/main" type="objTx" preserve="1">
+<p:sldLayout xmlns:a="http://schemas.openxmlformats.org/drawingml/2006/main" xmlns:r="http://schemas.openxmlformats.org/officeDocument/2006/relationships" xmlns:p="http://schemas.openxmlformats.org/presentationml/2006/main" showMasterSp="0" type="objTx" preserve="1">
   <p:cSld name="Contenu avec légende">
+    <p:bg>
+      <p:bgRef idx="1001">
+        <a:schemeClr val="bg1"/>
+      </p:bgRef>
+    </p:bg>
     <p:spTree>
       <p:nvGrpSpPr>
         <p:cNvPr id="1" name=""/>
@@ -2646,7 +2691,7 @@
           <a:p>
             <a:fld id="{CE19F529-B12D-AD41-9729-6C759477EC1F}" type="datetimeFigureOut">
               <a:rPr lang="fr-FR" smtClean="0"/>
-              <a:t>23/09/2020</a:t>
+              <a:t>04/10/2020</a:t>
             </a:fld>
             <a:endParaRPr lang="fr-FR"/>
           </a:p>
@@ -2702,14 +2747,19 @@
     </p:extLst>
   </p:cSld>
   <p:clrMapOvr>
-    <a:masterClrMapping/>
+    <a:overrideClrMapping bg1="lt1" tx1="dk1" bg2="lt2" tx2="dk2" accent1="accent1" accent2="accent2" accent3="accent3" accent4="accent4" accent5="accent5" accent6="accent6" hlink="hlink" folHlink="folHlink"/>
   </p:clrMapOvr>
 </p:sldLayout>
 </file>
 
 <file path=ppt/slideLayouts/slideLayout9.xml><?xml version="1.0" encoding="utf-8"?>
-<p:sldLayout xmlns:a="http://schemas.openxmlformats.org/drawingml/2006/main" xmlns:r="http://schemas.openxmlformats.org/officeDocument/2006/relationships" xmlns:p="http://schemas.openxmlformats.org/presentationml/2006/main" type="picTx" preserve="1">
+<p:sldLayout xmlns:a="http://schemas.openxmlformats.org/drawingml/2006/main" xmlns:r="http://schemas.openxmlformats.org/officeDocument/2006/relationships" xmlns:p="http://schemas.openxmlformats.org/presentationml/2006/main" showMasterSp="0" type="picTx" preserve="1">
   <p:cSld name="Image avec légende">
+    <p:bg>
+      <p:bgRef idx="1001">
+        <a:schemeClr val="bg1"/>
+      </p:bgRef>
+    </p:bg>
     <p:spTree>
       <p:nvGrpSpPr>
         <p:cNvPr id="1" name=""/>
@@ -2898,7 +2948,7 @@
           <a:p>
             <a:fld id="{CE19F529-B12D-AD41-9729-6C759477EC1F}" type="datetimeFigureOut">
               <a:rPr lang="fr-FR" smtClean="0"/>
-              <a:t>23/09/2020</a:t>
+              <a:t>04/10/2020</a:t>
             </a:fld>
             <a:endParaRPr lang="fr-FR"/>
           </a:p>
@@ -2954,7 +3004,7 @@
     </p:extLst>
   </p:cSld>
   <p:clrMapOvr>
-    <a:masterClrMapping/>
+    <a:overrideClrMapping bg1="lt1" tx1="dk1" bg2="lt2" tx2="dk2" accent1="accent1" accent2="accent2" accent3="accent3" accent4="accent4" accent5="accent5" accent6="accent6" hlink="hlink" folHlink="folHlink"/>
   </p:clrMapOvr>
 </p:sldLayout>
 </file>
@@ -3123,7 +3173,7 @@
           <a:p>
             <a:fld id="{CE19F529-B12D-AD41-9729-6C759477EC1F}" type="datetimeFigureOut">
               <a:rPr lang="fr-FR" smtClean="0"/>
-              <a:t>23/09/2020</a:t>
+              <a:t>04/10/2020</a:t>
             </a:fld>
             <a:endParaRPr lang="fr-FR"/>
           </a:p>
@@ -4610,80 +4660,6 @@
           </a:p>
         </p:txBody>
       </p:sp>
-      <p:sp>
-        <p:nvSpPr>
-          <p:cNvPr id="6" name="ZoneTexte 5"/>
-          <p:cNvSpPr txBox="1"/>
-          <p:nvPr/>
-        </p:nvSpPr>
-        <p:spPr>
-          <a:xfrm>
-            <a:off x="457200" y="3537523"/>
-            <a:ext cx="8229600" cy="2293558"/>
-          </a:xfrm>
-          <a:prstGeom prst="rect">
-            <a:avLst/>
-          </a:prstGeom>
-          <a:solidFill>
-            <a:schemeClr val="tx1"/>
-          </a:solidFill>
-        </p:spPr>
-        <p:txBody>
-          <a:bodyPr wrap="square" rtlCol="0">
-            <a:noAutofit/>
-          </a:bodyPr>
-          <a:lstStyle/>
-          <a:p>
-            <a:r>
-              <a:rPr lang="fr-FR" sz="2400" dirty="0">
-                <a:solidFill>
-                  <a:srgbClr val="FFFFFF"/>
-                </a:solidFill>
-                <a:latin typeface="Lucida Console"/>
-                <a:cs typeface="Lucida Console"/>
-              </a:rPr>
-              <a:t>$ git </a:t>
-            </a:r>
-            <a:r>
-              <a:rPr lang="fr-FR" sz="2400" dirty="0" err="1">
-                <a:solidFill>
-                  <a:srgbClr val="FFFFFF"/>
-                </a:solidFill>
-                <a:latin typeface="Lucida Console"/>
-                <a:cs typeface="Lucida Console"/>
-              </a:rPr>
-              <a:t>add</a:t>
-            </a:r>
-            <a:r>
-              <a:rPr lang="fr-FR" sz="2400" dirty="0">
-                <a:solidFill>
-                  <a:srgbClr val="FFFFFF"/>
-                </a:solidFill>
-                <a:latin typeface="Lucida Console"/>
-                <a:cs typeface="Lucida Console"/>
-              </a:rPr>
-              <a:t> </a:t>
-            </a:r>
-            <a:r>
-              <a:rPr lang="fr-FR" sz="2400" dirty="0" err="1">
-                <a:solidFill>
-                  <a:srgbClr val="FFFFFF"/>
-                </a:solidFill>
-                <a:latin typeface="Lucida Console"/>
-                <a:cs typeface="Lucida Console"/>
-              </a:rPr>
-              <a:t>bigmac.txt</a:t>
-            </a:r>
-            <a:endParaRPr lang="fr-FR" sz="2400" dirty="0">
-              <a:solidFill>
-                <a:srgbClr val="FFFFFF"/>
-              </a:solidFill>
-              <a:latin typeface="Lucida Console"/>
-              <a:cs typeface="Lucida Console"/>
-            </a:endParaRPr>
-          </a:p>
-        </p:txBody>
-      </p:sp>
     </p:spTree>
     <p:extLst>
       <p:ext uri="{BB962C8B-B14F-4D97-AF65-F5344CB8AC3E}">
@@ -5416,233 +5392,6 @@
           </a:p>
         </p:txBody>
       </p:sp>
-      <p:sp>
-        <p:nvSpPr>
-          <p:cNvPr id="6" name="ZoneTexte 5"/>
-          <p:cNvSpPr txBox="1"/>
-          <p:nvPr/>
-        </p:nvSpPr>
-        <p:spPr>
-          <a:xfrm>
-            <a:off x="457200" y="2390744"/>
-            <a:ext cx="8229600" cy="3368886"/>
-          </a:xfrm>
-          <a:prstGeom prst="rect">
-            <a:avLst/>
-          </a:prstGeom>
-          <a:solidFill>
-            <a:schemeClr val="tx1"/>
-          </a:solidFill>
-        </p:spPr>
-        <p:txBody>
-          <a:bodyPr wrap="square" rtlCol="0">
-            <a:noAutofit/>
-          </a:bodyPr>
-          <a:lstStyle/>
-          <a:p>
-            <a:r>
-              <a:rPr lang="fr-FR" sz="2400" dirty="0">
-                <a:solidFill>
-                  <a:schemeClr val="bg1"/>
-                </a:solidFill>
-                <a:latin typeface="Lucida Console"/>
-                <a:cs typeface="Lucida Console"/>
-              </a:rPr>
-              <a:t>$ git commit –m “Ajout du </a:t>
-            </a:r>
-            <a:r>
-              <a:rPr lang="fr-FR" sz="2400" dirty="0" err="1">
-                <a:solidFill>
-                  <a:schemeClr val="bg1"/>
-                </a:solidFill>
-                <a:latin typeface="Lucida Console"/>
-                <a:cs typeface="Lucida Console"/>
-              </a:rPr>
-              <a:t>bigmac</a:t>
-            </a:r>
-            <a:r>
-              <a:rPr lang="fr-FR" sz="2400" dirty="0">
-                <a:solidFill>
-                  <a:schemeClr val="bg1"/>
-                </a:solidFill>
-                <a:latin typeface="Lucida Console"/>
-                <a:cs typeface="Lucida Console"/>
-              </a:rPr>
-              <a:t> et correction du double </a:t>
-            </a:r>
-            <a:r>
-              <a:rPr lang="fr-FR" sz="2400" dirty="0" err="1">
-                <a:solidFill>
-                  <a:schemeClr val="bg1"/>
-                </a:solidFill>
-                <a:latin typeface="Lucida Console"/>
-                <a:cs typeface="Lucida Console"/>
-              </a:rPr>
-              <a:t>cheese</a:t>
-            </a:r>
-            <a:r>
-              <a:rPr lang="fr-FR" sz="2400" dirty="0">
-                <a:solidFill>
-                  <a:schemeClr val="bg1"/>
-                </a:solidFill>
-                <a:latin typeface="Lucida Console"/>
-                <a:cs typeface="Lucida Console"/>
-              </a:rPr>
-              <a:t>“</a:t>
-            </a:r>
-          </a:p>
-          <a:p>
-            <a:r>
-              <a:rPr lang="fr-FR" sz="2400" dirty="0">
-                <a:solidFill>
-                  <a:schemeClr val="bg1"/>
-                </a:solidFill>
-                <a:latin typeface="Lucida Console"/>
-                <a:cs typeface="Lucida Console"/>
-              </a:rPr>
-              <a:t>[master afb67b0] Ajout du </a:t>
-            </a:r>
-            <a:r>
-              <a:rPr lang="fr-FR" sz="2400" dirty="0" err="1">
-                <a:solidFill>
-                  <a:schemeClr val="bg1"/>
-                </a:solidFill>
-                <a:latin typeface="Lucida Console"/>
-                <a:cs typeface="Lucida Console"/>
-              </a:rPr>
-              <a:t>bigmac</a:t>
-            </a:r>
-            <a:r>
-              <a:rPr lang="fr-FR" sz="2400" dirty="0">
-                <a:solidFill>
-                  <a:schemeClr val="bg1"/>
-                </a:solidFill>
-                <a:latin typeface="Lucida Console"/>
-                <a:cs typeface="Lucida Console"/>
-              </a:rPr>
-              <a:t> et correction du double </a:t>
-            </a:r>
-            <a:r>
-              <a:rPr lang="fr-FR" sz="2400" dirty="0" err="1">
-                <a:solidFill>
-                  <a:schemeClr val="bg1"/>
-                </a:solidFill>
-                <a:latin typeface="Lucida Console"/>
-                <a:cs typeface="Lucida Console"/>
-              </a:rPr>
-              <a:t>cheese</a:t>
-            </a:r>
-            <a:endParaRPr lang="fr-FR" sz="2400" dirty="0">
-              <a:solidFill>
-                <a:schemeClr val="bg1"/>
-              </a:solidFill>
-              <a:latin typeface="Lucida Console"/>
-              <a:cs typeface="Lucida Console"/>
-            </a:endParaRPr>
-          </a:p>
-          <a:p>
-            <a:r>
-              <a:rPr lang="fr-FR" sz="2400" dirty="0">
-                <a:solidFill>
-                  <a:schemeClr val="bg1"/>
-                </a:solidFill>
-                <a:latin typeface="Lucida Console"/>
-                <a:cs typeface="Lucida Console"/>
-              </a:rPr>
-              <a:t> 2 files </a:t>
-            </a:r>
-            <a:r>
-              <a:rPr lang="fr-FR" sz="2400" dirty="0" err="1">
-                <a:solidFill>
-                  <a:schemeClr val="bg1"/>
-                </a:solidFill>
-                <a:latin typeface="Lucida Console"/>
-                <a:cs typeface="Lucida Console"/>
-              </a:rPr>
-              <a:t>changed</a:t>
-            </a:r>
-            <a:r>
-              <a:rPr lang="fr-FR" sz="2400" dirty="0">
-                <a:solidFill>
-                  <a:schemeClr val="bg1"/>
-                </a:solidFill>
-                <a:latin typeface="Lucida Console"/>
-                <a:cs typeface="Lucida Console"/>
-              </a:rPr>
-              <a:t>, 7 insertions(+), 1 </a:t>
-            </a:r>
-            <a:r>
-              <a:rPr lang="fr-FR" sz="2400" dirty="0" err="1">
-                <a:solidFill>
-                  <a:schemeClr val="bg1"/>
-                </a:solidFill>
-                <a:latin typeface="Lucida Console"/>
-                <a:cs typeface="Lucida Console"/>
-              </a:rPr>
-              <a:t>deletion</a:t>
-            </a:r>
-            <a:r>
-              <a:rPr lang="fr-FR" sz="2400" dirty="0">
-                <a:solidFill>
-                  <a:schemeClr val="bg1"/>
-                </a:solidFill>
-                <a:latin typeface="Lucida Console"/>
-                <a:cs typeface="Lucida Console"/>
-              </a:rPr>
-              <a:t>(-)</a:t>
-            </a:r>
-          </a:p>
-          <a:p>
-            <a:r>
-              <a:rPr lang="fr-FR" sz="2400" dirty="0">
-                <a:solidFill>
-                  <a:schemeClr val="bg1"/>
-                </a:solidFill>
-                <a:latin typeface="Lucida Console"/>
-                <a:cs typeface="Lucida Console"/>
-              </a:rPr>
-              <a:t> </a:t>
-            </a:r>
-            <a:r>
-              <a:rPr lang="fr-FR" sz="2400" dirty="0" err="1">
-                <a:solidFill>
-                  <a:schemeClr val="bg1"/>
-                </a:solidFill>
-                <a:latin typeface="Lucida Console"/>
-                <a:cs typeface="Lucida Console"/>
-              </a:rPr>
-              <a:t>create</a:t>
-            </a:r>
-            <a:r>
-              <a:rPr lang="fr-FR" sz="2400" dirty="0">
-                <a:solidFill>
-                  <a:schemeClr val="bg1"/>
-                </a:solidFill>
-                <a:latin typeface="Lucida Console"/>
-                <a:cs typeface="Lucida Console"/>
-              </a:rPr>
-              <a:t> mode 100644 </a:t>
-            </a:r>
-            <a:r>
-              <a:rPr lang="fr-FR" sz="2400" dirty="0" err="1">
-                <a:solidFill>
-                  <a:schemeClr val="bg1"/>
-                </a:solidFill>
-                <a:latin typeface="Lucida Console"/>
-                <a:cs typeface="Lucida Console"/>
-              </a:rPr>
-              <a:t>bigmac.txt</a:t>
-            </a:r>
-            <a:endParaRPr lang="fr-FR" sz="2400" dirty="0">
-              <a:solidFill>
-                <a:schemeClr val="bg1"/>
-              </a:solidFill>
-              <a:latin typeface="Lucida Console"/>
-              <a:cs typeface="Lucida Console"/>
-            </a:endParaRPr>
-          </a:p>
-        </p:txBody>
-      </p:sp>
     </p:spTree>
     <p:extLst>
       <p:ext uri="{BB962C8B-B14F-4D97-AF65-F5344CB8AC3E}">
@@ -6979,158 +6728,6 @@
           </a:p>
         </p:txBody>
       </p:sp>
-      <p:sp>
-        <p:nvSpPr>
-          <p:cNvPr id="6" name="ZoneTexte 5"/>
-          <p:cNvSpPr txBox="1"/>
-          <p:nvPr/>
-        </p:nvSpPr>
-        <p:spPr>
-          <a:xfrm>
-            <a:off x="457200" y="3537523"/>
-            <a:ext cx="8229600" cy="2293558"/>
-          </a:xfrm>
-          <a:prstGeom prst="rect">
-            <a:avLst/>
-          </a:prstGeom>
-          <a:solidFill>
-            <a:schemeClr val="tx1"/>
-          </a:solidFill>
-        </p:spPr>
-        <p:txBody>
-          <a:bodyPr wrap="square" rtlCol="0">
-            <a:noAutofit/>
-          </a:bodyPr>
-          <a:lstStyle/>
-          <a:p>
-            <a:r>
-              <a:rPr lang="fr-FR" dirty="0">
-                <a:solidFill>
-                  <a:srgbClr val="FFFFFF"/>
-                </a:solidFill>
-                <a:latin typeface="Lucida Console"/>
-                <a:cs typeface="Lucida Console"/>
-              </a:rPr>
-              <a:t>$ git </a:t>
-            </a:r>
-            <a:r>
-              <a:rPr lang="fr-FR" dirty="0" err="1">
-                <a:solidFill>
-                  <a:srgbClr val="FFFFFF"/>
-                </a:solidFill>
-                <a:latin typeface="Lucida Console"/>
-                <a:cs typeface="Lucida Console"/>
-              </a:rPr>
-              <a:t>checkout</a:t>
-            </a:r>
-            <a:r>
-              <a:rPr lang="fr-FR" dirty="0">
-                <a:solidFill>
-                  <a:srgbClr val="FFFFFF"/>
-                </a:solidFill>
-                <a:latin typeface="Lucida Console"/>
-                <a:cs typeface="Lucida Console"/>
-              </a:rPr>
-              <a:t> </a:t>
-            </a:r>
-            <a:r>
-              <a:rPr lang="ro-RO" dirty="0">
-                <a:solidFill>
-                  <a:srgbClr val="FFFFFF"/>
-                </a:solidFill>
-                <a:latin typeface="Lucida Console"/>
-                <a:cs typeface="Lucida Console"/>
-              </a:rPr>
-              <a:t>c17b1418035b6ae2ad2d38b3b089df27130eea9c</a:t>
-            </a:r>
-            <a:endParaRPr lang="fr-FR" dirty="0">
-              <a:solidFill>
-                <a:srgbClr val="FFFFFF"/>
-              </a:solidFill>
-              <a:latin typeface="Lucida Console"/>
-              <a:cs typeface="Lucida Console"/>
-            </a:endParaRPr>
-          </a:p>
-          <a:p>
-            <a:r>
-              <a:rPr lang="fr-FR" dirty="0">
-                <a:solidFill>
-                  <a:srgbClr val="FFFFFF"/>
-                </a:solidFill>
-                <a:latin typeface="Lucida Console"/>
-                <a:cs typeface="Lucida Console"/>
-              </a:rPr>
-              <a:t>$ </a:t>
-            </a:r>
-            <a:r>
-              <a:rPr lang="fr-FR" dirty="0" err="1">
-                <a:solidFill>
-                  <a:srgbClr val="FFFFFF"/>
-                </a:solidFill>
-                <a:latin typeface="Lucida Console"/>
-                <a:cs typeface="Lucida Console"/>
-              </a:rPr>
-              <a:t>ls</a:t>
-            </a:r>
-            <a:endParaRPr lang="fr-FR" dirty="0">
-              <a:solidFill>
-                <a:srgbClr val="FFFFFF"/>
-              </a:solidFill>
-              <a:latin typeface="Lucida Console"/>
-              <a:cs typeface="Lucida Console"/>
-            </a:endParaRPr>
-          </a:p>
-          <a:p>
-            <a:r>
-              <a:rPr lang="fr-FR" dirty="0" err="1">
-                <a:solidFill>
-                  <a:srgbClr val="FFFFFF"/>
-                </a:solidFill>
-                <a:latin typeface="Lucida Console"/>
-                <a:cs typeface="Lucida Console"/>
-              </a:rPr>
-              <a:t>doublecheese.txt</a:t>
-            </a:r>
-            <a:endParaRPr lang="fr-FR" dirty="0">
-              <a:solidFill>
-                <a:srgbClr val="FFFFFF"/>
-              </a:solidFill>
-              <a:latin typeface="Lucida Console"/>
-              <a:cs typeface="Lucida Console"/>
-            </a:endParaRPr>
-          </a:p>
-        </p:txBody>
-      </p:sp>
-      <p:pic>
-        <p:nvPicPr>
-          <p:cNvPr id="7" name="Image 6" descr="igbmc.png"/>
-          <p:cNvPicPr>
-            <a:picLocks noChangeAspect="1"/>
-          </p:cNvPicPr>
-          <p:nvPr/>
-        </p:nvPicPr>
-        <p:blipFill>
-          <a:blip r:embed="rId2">
-            <a:extLst>
-              <a:ext uri="{28A0092B-C50C-407E-A947-70E740481C1C}">
-                <a14:useLocalDpi xmlns:a14="http://schemas.microsoft.com/office/drawing/2010/main" val="0"/>
-              </a:ext>
-            </a:extLst>
-          </a:blip>
-          <a:stretch>
-            <a:fillRect/>
-          </a:stretch>
-        </p:blipFill>
-        <p:spPr>
-          <a:xfrm>
-            <a:off x="7673453" y="5956347"/>
-            <a:ext cx="1358900" cy="825500"/>
-          </a:xfrm>
-          <a:prstGeom prst="rect">
-            <a:avLst/>
-          </a:prstGeom>
-        </p:spPr>
-      </p:pic>
     </p:spTree>
     <p:extLst>
       <p:ext uri="{BB962C8B-B14F-4D97-AF65-F5344CB8AC3E}">
@@ -7220,131 +6817,6 @@
               <a:t>Revenez à la version initiale de votre projet</a:t>
             </a:r>
             <a:endParaRPr lang="fr-FR" dirty="0">
-              <a:cs typeface="Lucida Console"/>
-            </a:endParaRPr>
-          </a:p>
-        </p:txBody>
-      </p:sp>
-      <p:sp>
-        <p:nvSpPr>
-          <p:cNvPr id="6" name="ZoneTexte 5"/>
-          <p:cNvSpPr txBox="1"/>
-          <p:nvPr/>
-        </p:nvSpPr>
-        <p:spPr>
-          <a:xfrm>
-            <a:off x="457200" y="3537523"/>
-            <a:ext cx="8229600" cy="2293558"/>
-          </a:xfrm>
-          <a:prstGeom prst="rect">
-            <a:avLst/>
-          </a:prstGeom>
-          <a:solidFill>
-            <a:schemeClr val="tx1"/>
-          </a:solidFill>
-        </p:spPr>
-        <p:txBody>
-          <a:bodyPr wrap="square" rtlCol="0">
-            <a:noAutofit/>
-          </a:bodyPr>
-          <a:lstStyle/>
-          <a:p>
-            <a:r>
-              <a:rPr lang="fr-FR" sz="3200" dirty="0">
-                <a:solidFill>
-                  <a:srgbClr val="FFFFFF"/>
-                </a:solidFill>
-                <a:latin typeface="Lucida Console"/>
-                <a:cs typeface="Lucida Console"/>
-              </a:rPr>
-              <a:t>$ git </a:t>
-            </a:r>
-            <a:r>
-              <a:rPr lang="fr-FR" sz="3200" dirty="0" err="1">
-                <a:solidFill>
-                  <a:srgbClr val="FFFFFF"/>
-                </a:solidFill>
-                <a:latin typeface="Lucida Console"/>
-                <a:cs typeface="Lucida Console"/>
-              </a:rPr>
-              <a:t>checkout</a:t>
-            </a:r>
-            <a:r>
-              <a:rPr lang="fr-FR" sz="3200" dirty="0">
-                <a:solidFill>
-                  <a:srgbClr val="FFFFFF"/>
-                </a:solidFill>
-                <a:latin typeface="Lucida Console"/>
-                <a:cs typeface="Lucida Console"/>
-              </a:rPr>
-              <a:t> master</a:t>
-            </a:r>
-          </a:p>
-          <a:p>
-            <a:r>
-              <a:rPr lang="fr-FR" sz="3200" dirty="0">
-                <a:solidFill>
-                  <a:srgbClr val="FFFFFF"/>
-                </a:solidFill>
-                <a:latin typeface="Lucida Console"/>
-                <a:cs typeface="Lucida Console"/>
-              </a:rPr>
-              <a:t>$ </a:t>
-            </a:r>
-            <a:r>
-              <a:rPr lang="fr-FR" sz="3200" dirty="0" err="1">
-                <a:solidFill>
-                  <a:srgbClr val="FFFFFF"/>
-                </a:solidFill>
-                <a:latin typeface="Lucida Console"/>
-                <a:cs typeface="Lucida Console"/>
-              </a:rPr>
-              <a:t>ls</a:t>
-            </a:r>
-            <a:endParaRPr lang="fr-FR" sz="3200" dirty="0">
-              <a:solidFill>
-                <a:srgbClr val="FFFFFF"/>
-              </a:solidFill>
-              <a:latin typeface="Lucida Console"/>
-              <a:cs typeface="Lucida Console"/>
-            </a:endParaRPr>
-          </a:p>
-          <a:p>
-            <a:r>
-              <a:rPr lang="fr-FR" sz="3200" dirty="0" err="1">
-                <a:solidFill>
-                  <a:srgbClr val="FFFFFF"/>
-                </a:solidFill>
-                <a:latin typeface="Lucida Console"/>
-                <a:cs typeface="Lucida Console"/>
-              </a:rPr>
-              <a:t>bigmac.txt</a:t>
-            </a:r>
-            <a:r>
-              <a:rPr lang="fr-FR" sz="3200" dirty="0">
-                <a:solidFill>
-                  <a:srgbClr val="FFFFFF"/>
-                </a:solidFill>
-                <a:latin typeface="Lucida Console"/>
-                <a:cs typeface="Lucida Console"/>
-              </a:rPr>
-              <a:t>	</a:t>
-            </a:r>
-            <a:r>
-              <a:rPr lang="fr-FR" sz="3200" dirty="0" err="1">
-                <a:solidFill>
-                  <a:srgbClr val="FFFFFF"/>
-                </a:solidFill>
-                <a:latin typeface="Lucida Console"/>
-                <a:cs typeface="Lucida Console"/>
-              </a:rPr>
-              <a:t>doublecheese.txt</a:t>
-            </a:r>
-            <a:endParaRPr lang="fr-FR" sz="3200" dirty="0">
-              <a:solidFill>
-                <a:srgbClr val="FFFFFF"/>
-              </a:solidFill>
-              <a:latin typeface="Lucida Console"/>
               <a:cs typeface="Lucida Console"/>
             </a:endParaRPr>
           </a:p>
@@ -7727,63 +7199,6 @@
           </a:p>
         </p:txBody>
       </p:sp>
-      <p:sp>
-        <p:nvSpPr>
-          <p:cNvPr id="6" name="ZoneTexte 5"/>
-          <p:cNvSpPr txBox="1"/>
-          <p:nvPr/>
-        </p:nvSpPr>
-        <p:spPr>
-          <a:xfrm>
-            <a:off x="457200" y="3537523"/>
-            <a:ext cx="8229600" cy="2293558"/>
-          </a:xfrm>
-          <a:prstGeom prst="rect">
-            <a:avLst/>
-          </a:prstGeom>
-          <a:solidFill>
-            <a:schemeClr val="tx1"/>
-          </a:solidFill>
-        </p:spPr>
-        <p:txBody>
-          <a:bodyPr wrap="square" rtlCol="0">
-            <a:noAutofit/>
-          </a:bodyPr>
-          <a:lstStyle/>
-          <a:p>
-            <a:r>
-              <a:rPr lang="fr-FR" sz="3200" dirty="0">
-                <a:solidFill>
-                  <a:srgbClr val="FFFFFF"/>
-                </a:solidFill>
-                <a:latin typeface="Lucida Console"/>
-                <a:cs typeface="Lucida Console"/>
-              </a:rPr>
-              <a:t>$ git </a:t>
-            </a:r>
-            <a:r>
-              <a:rPr lang="fr-FR" sz="3200" dirty="0" err="1">
-                <a:solidFill>
-                  <a:srgbClr val="FFFFFF"/>
-                </a:solidFill>
-                <a:latin typeface="Lucida Console"/>
-                <a:cs typeface="Lucida Console"/>
-              </a:rPr>
-              <a:t>branch</a:t>
-            </a:r>
-            <a:r>
-              <a:rPr lang="fr-FR" sz="3200" dirty="0">
-                <a:solidFill>
-                  <a:srgbClr val="FFFFFF"/>
-                </a:solidFill>
-                <a:latin typeface="Lucida Console"/>
-                <a:cs typeface="Lucida Console"/>
-              </a:rPr>
-              <a:t> bio</a:t>
-            </a:r>
-          </a:p>
-        </p:txBody>
-      </p:sp>
     </p:spTree>
     <p:extLst>
       <p:ext uri="{BB962C8B-B14F-4D97-AF65-F5344CB8AC3E}">
@@ -8086,105 +7501,6 @@
           </a:p>
         </p:txBody>
       </p:sp>
-      <p:sp>
-        <p:nvSpPr>
-          <p:cNvPr id="6" name="ZoneTexte 5"/>
-          <p:cNvSpPr txBox="1"/>
-          <p:nvPr/>
-        </p:nvSpPr>
-        <p:spPr>
-          <a:xfrm>
-            <a:off x="457200" y="3537523"/>
-            <a:ext cx="8229600" cy="2293558"/>
-          </a:xfrm>
-          <a:prstGeom prst="rect">
-            <a:avLst/>
-          </a:prstGeom>
-          <a:solidFill>
-            <a:schemeClr val="tx1"/>
-          </a:solidFill>
-        </p:spPr>
-        <p:txBody>
-          <a:bodyPr wrap="square" rtlCol="0">
-            <a:noAutofit/>
-          </a:bodyPr>
-          <a:lstStyle/>
-          <a:p>
-            <a:r>
-              <a:rPr lang="fr-FR" sz="3200" dirty="0">
-                <a:solidFill>
-                  <a:srgbClr val="FFFFFF"/>
-                </a:solidFill>
-                <a:latin typeface="Lucida Console"/>
-                <a:cs typeface="Lucida Console"/>
-              </a:rPr>
-              <a:t>$ git </a:t>
-            </a:r>
-            <a:r>
-              <a:rPr lang="fr-FR" sz="3200" dirty="0" err="1">
-                <a:solidFill>
-                  <a:srgbClr val="FFFFFF"/>
-                </a:solidFill>
-                <a:latin typeface="Lucida Console"/>
-                <a:cs typeface="Lucida Console"/>
-              </a:rPr>
-              <a:t>checkout</a:t>
-            </a:r>
-            <a:r>
-              <a:rPr lang="fr-FR" sz="3200" dirty="0">
-                <a:solidFill>
-                  <a:srgbClr val="FFFFFF"/>
-                </a:solidFill>
-                <a:latin typeface="Lucida Console"/>
-                <a:cs typeface="Lucida Console"/>
-              </a:rPr>
-              <a:t> bio</a:t>
-            </a:r>
-          </a:p>
-          <a:p>
-            <a:r>
-              <a:rPr lang="fr-FR" sz="3200" dirty="0" err="1">
-                <a:solidFill>
-                  <a:srgbClr val="FFFFFF"/>
-                </a:solidFill>
-                <a:latin typeface="Lucida Console"/>
-                <a:cs typeface="Lucida Console"/>
-              </a:rPr>
-              <a:t>Switched</a:t>
-            </a:r>
-            <a:r>
-              <a:rPr lang="fr-FR" sz="3200" dirty="0">
-                <a:solidFill>
-                  <a:srgbClr val="FFFFFF"/>
-                </a:solidFill>
-                <a:latin typeface="Lucida Console"/>
-                <a:cs typeface="Lucida Console"/>
-              </a:rPr>
-              <a:t> to </a:t>
-            </a:r>
-            <a:r>
-              <a:rPr lang="fr-FR" sz="3200" dirty="0" err="1">
-                <a:solidFill>
-                  <a:srgbClr val="FFFFFF"/>
-                </a:solidFill>
-                <a:latin typeface="Lucida Console"/>
-                <a:cs typeface="Lucida Console"/>
-              </a:rPr>
-              <a:t>branch</a:t>
-            </a:r>
-            <a:r>
-              <a:rPr lang="fr-FR" sz="3200" dirty="0">
-                <a:solidFill>
-                  <a:srgbClr val="FFFFFF"/>
-                </a:solidFill>
-                <a:latin typeface="Lucida Console"/>
-                <a:cs typeface="Lucida Console"/>
-              </a:rPr>
-              <a:t> 'bio'</a:t>
-            </a:r>
-          </a:p>
-        </p:txBody>
-      </p:sp>
     </p:spTree>
     <p:extLst>
       <p:ext uri="{BB962C8B-B14F-4D97-AF65-F5344CB8AC3E}">
@@ -8298,43 +7614,6 @@
       </p:sp>
       <p:sp>
         <p:nvSpPr>
-          <p:cNvPr id="6" name="ZoneTexte 5"/>
-          <p:cNvSpPr txBox="1"/>
-          <p:nvPr/>
-        </p:nvSpPr>
-        <p:spPr>
-          <a:xfrm>
-            <a:off x="457200" y="4464037"/>
-            <a:ext cx="8229600" cy="1495324"/>
-          </a:xfrm>
-          <a:prstGeom prst="rect">
-            <a:avLst/>
-          </a:prstGeom>
-          <a:solidFill>
-            <a:schemeClr val="tx1"/>
-          </a:solidFill>
-        </p:spPr>
-        <p:txBody>
-          <a:bodyPr wrap="square" rtlCol="0">
-            <a:noAutofit/>
-          </a:bodyPr>
-          <a:lstStyle/>
-          <a:p>
-            <a:r>
-              <a:rPr lang="fr-FR" sz="3200" dirty="0">
-                <a:solidFill>
-                  <a:srgbClr val="FFFFFF"/>
-                </a:solidFill>
-                <a:latin typeface="Lucida Console"/>
-                <a:cs typeface="Lucida Console"/>
-              </a:rPr>
-              <a:t>$ git commit –a –m "Bio Mac"</a:t>
-            </a:r>
-          </a:p>
-        </p:txBody>
-      </p:sp>
-      <p:sp>
-        <p:nvSpPr>
           <p:cNvPr id="8" name="ZoneTexte 7"/>
           <p:cNvSpPr txBox="1"/>
           <p:nvPr/>
@@ -8515,83 +7794,6 @@
             <a:endParaRPr lang="fr-FR" dirty="0">
               <a:cs typeface="Lucida Console"/>
             </a:endParaRPr>
-          </a:p>
-        </p:txBody>
-      </p:sp>
-      <p:sp>
-        <p:nvSpPr>
-          <p:cNvPr id="6" name="ZoneTexte 5"/>
-          <p:cNvSpPr txBox="1"/>
-          <p:nvPr/>
-        </p:nvSpPr>
-        <p:spPr>
-          <a:xfrm>
-            <a:off x="457200" y="4464037"/>
-            <a:ext cx="8229600" cy="1495324"/>
-          </a:xfrm>
-          <a:prstGeom prst="rect">
-            <a:avLst/>
-          </a:prstGeom>
-          <a:solidFill>
-            <a:schemeClr val="tx1"/>
-          </a:solidFill>
-        </p:spPr>
-        <p:txBody>
-          <a:bodyPr wrap="square" rtlCol="0">
-            <a:noAutofit/>
-          </a:bodyPr>
-          <a:lstStyle/>
-          <a:p>
-            <a:r>
-              <a:rPr lang="fr-FR" sz="3200" dirty="0">
-                <a:solidFill>
-                  <a:srgbClr val="FFFFFF"/>
-                </a:solidFill>
-                <a:latin typeface="Lucida Console"/>
-                <a:cs typeface="Lucida Console"/>
-              </a:rPr>
-              <a:t>$ git commit –a –m « </a:t>
-            </a:r>
-            <a:r>
-              <a:rPr lang="fr-FR" sz="3200" dirty="0" err="1">
-                <a:solidFill>
-                  <a:srgbClr val="FFFFFF"/>
-                </a:solidFill>
-                <a:latin typeface="Lucida Console"/>
-                <a:cs typeface="Lucida Console"/>
-              </a:rPr>
-              <a:t>Doubio</a:t>
-            </a:r>
-            <a:r>
-              <a:rPr lang="fr-FR" sz="3200" dirty="0">
-                <a:solidFill>
-                  <a:srgbClr val="FFFFFF"/>
-                </a:solidFill>
-                <a:latin typeface="Lucida Console"/>
-                <a:cs typeface="Lucida Console"/>
-              </a:rPr>
-              <a:t> </a:t>
-            </a:r>
-            <a:r>
-              <a:rPr lang="fr-FR" sz="3200" dirty="0" err="1">
-                <a:solidFill>
-                  <a:srgbClr val="FFFFFF"/>
-                </a:solidFill>
-                <a:latin typeface="Lucida Console"/>
-                <a:cs typeface="Lucida Console"/>
-              </a:rPr>
-              <a:t>Cheese</a:t>
-            </a:r>
-            <a:r>
-              <a:rPr lang="fr-FR" sz="3200" dirty="0">
-                <a:solidFill>
-                  <a:srgbClr val="FFFFFF"/>
-                </a:solidFill>
-                <a:latin typeface="Lucida Console"/>
-                <a:cs typeface="Lucida Console"/>
-              </a:rPr>
-              <a:t>"</a:t>
-            </a:r>
           </a:p>
         </p:txBody>
       </p:sp>
@@ -10005,908 +9207,6 @@
           <a:lstStyle/>
           <a:p>
             <a:r>
-              <a:rPr lang="fr-FR" b="1" dirty="0"/>
-              <a:t>Exercice</a:t>
-            </a:r>
-          </a:p>
-        </p:txBody>
-      </p:sp>
-      <p:sp>
-        <p:nvSpPr>
-          <p:cNvPr id="3" name="Espace réservé du contenu 2"/>
-          <p:cNvSpPr>
-            <a:spLocks noGrp="1"/>
-          </p:cNvSpPr>
-          <p:nvPr>
-            <p:ph idx="1"/>
-          </p:nvPr>
-        </p:nvSpPr>
-        <p:spPr>
-          <a:xfrm>
-            <a:off x="457200" y="1600200"/>
-            <a:ext cx="8229600" cy="4813641"/>
-          </a:xfrm>
-        </p:spPr>
-        <p:txBody>
-          <a:bodyPr>
-            <a:normAutofit/>
-          </a:bodyPr>
-          <a:lstStyle/>
-          <a:p>
-            <a:pPr marL="514350" indent="-514350">
-              <a:buFont typeface="+mj-lt"/>
-              <a:buAutoNum type="arabicPeriod"/>
-            </a:pPr>
-            <a:r>
-              <a:rPr lang="fr-FR" dirty="0"/>
-              <a:t>Supprimer le </a:t>
-            </a:r>
-            <a:r>
-              <a:rPr lang="fr-FR" dirty="0" err="1"/>
-              <a:t>bigmac</a:t>
-            </a:r>
-            <a:r>
-              <a:rPr lang="fr-FR" dirty="0"/>
-              <a:t> de votre dépôt</a:t>
-            </a:r>
-          </a:p>
-        </p:txBody>
-      </p:sp>
-      <p:sp>
-        <p:nvSpPr>
-          <p:cNvPr id="4" name="ZoneTexte 3"/>
-          <p:cNvSpPr txBox="1"/>
-          <p:nvPr/>
-        </p:nvSpPr>
-        <p:spPr>
-          <a:xfrm>
-            <a:off x="457200" y="2832001"/>
-            <a:ext cx="8229600" cy="2293558"/>
-          </a:xfrm>
-          <a:prstGeom prst="rect">
-            <a:avLst/>
-          </a:prstGeom>
-          <a:solidFill>
-            <a:schemeClr val="tx1"/>
-          </a:solidFill>
-        </p:spPr>
-        <p:txBody>
-          <a:bodyPr wrap="square" rtlCol="0">
-            <a:noAutofit/>
-          </a:bodyPr>
-          <a:lstStyle/>
-          <a:p>
-            <a:r>
-              <a:rPr lang="fr-FR" sz="2800" dirty="0">
-                <a:solidFill>
-                  <a:srgbClr val="FFFFFF"/>
-                </a:solidFill>
-                <a:latin typeface="Lucida Console"/>
-                <a:cs typeface="Lucida Console"/>
-              </a:rPr>
-              <a:t>$ git </a:t>
-            </a:r>
-            <a:r>
-              <a:rPr lang="fr-FR" sz="2800" dirty="0" err="1">
-                <a:solidFill>
-                  <a:srgbClr val="FFFFFF"/>
-                </a:solidFill>
-                <a:latin typeface="Lucida Console"/>
-                <a:cs typeface="Lucida Console"/>
-              </a:rPr>
-              <a:t>rm</a:t>
-            </a:r>
-            <a:r>
-              <a:rPr lang="fr-FR" sz="2800" dirty="0">
-                <a:solidFill>
-                  <a:srgbClr val="FFFFFF"/>
-                </a:solidFill>
-                <a:latin typeface="Lucida Console"/>
-                <a:cs typeface="Lucida Console"/>
-              </a:rPr>
-              <a:t> </a:t>
-            </a:r>
-            <a:r>
-              <a:rPr lang="fr-FR" sz="2800" dirty="0" err="1">
-                <a:solidFill>
-                  <a:srgbClr val="FFFFFF"/>
-                </a:solidFill>
-                <a:latin typeface="Lucida Console"/>
-                <a:cs typeface="Lucida Console"/>
-              </a:rPr>
-              <a:t>bigmac.txt</a:t>
-            </a:r>
-            <a:endParaRPr lang="fr-FR" sz="2800" dirty="0">
-              <a:solidFill>
-                <a:srgbClr val="FFFFFF"/>
-              </a:solidFill>
-              <a:latin typeface="Lucida Console"/>
-              <a:cs typeface="Lucida Console"/>
-            </a:endParaRPr>
-          </a:p>
-          <a:p>
-            <a:r>
-              <a:rPr lang="fr-FR" sz="2800" dirty="0">
-                <a:solidFill>
-                  <a:srgbClr val="FFFFFF"/>
-                </a:solidFill>
-                <a:latin typeface="Lucida Console"/>
-                <a:cs typeface="Lucida Console"/>
-              </a:rPr>
-              <a:t>$ git commit –m “Bye bye </a:t>
-            </a:r>
-            <a:r>
-              <a:rPr lang="fr-FR" sz="2800" dirty="0" err="1">
-                <a:solidFill>
-                  <a:srgbClr val="FFFFFF"/>
-                </a:solidFill>
-                <a:latin typeface="Lucida Console"/>
-                <a:cs typeface="Lucida Console"/>
-              </a:rPr>
-              <a:t>Big</a:t>
-            </a:r>
-            <a:r>
-              <a:rPr lang="fr-FR" sz="2800" dirty="0">
-                <a:solidFill>
-                  <a:srgbClr val="FFFFFF"/>
-                </a:solidFill>
-                <a:latin typeface="Lucida Console"/>
-                <a:cs typeface="Lucida Console"/>
-              </a:rPr>
-              <a:t> Mac“</a:t>
-            </a:r>
-          </a:p>
-        </p:txBody>
-      </p:sp>
-    </p:spTree>
-    <p:extLst>
-      <p:ext uri="{BB962C8B-B14F-4D97-AF65-F5344CB8AC3E}">
-        <p14:creationId xmlns:p14="http://schemas.microsoft.com/office/powerpoint/2010/main" val="75646171"/>
-      </p:ext>
-    </p:extLst>
-  </p:cSld>
-  <p:clrMapOvr>
-    <a:masterClrMapping/>
-  </p:clrMapOvr>
-</p:sld>
-</file>
-
-<file path=ppt/slides/slide3.xml><?xml version="1.0" encoding="utf-8"?>
-<p:sld xmlns:a="http://schemas.openxmlformats.org/drawingml/2006/main" xmlns:r="http://schemas.openxmlformats.org/officeDocument/2006/relationships" xmlns:p="http://schemas.openxmlformats.org/presentationml/2006/main">
-  <p:cSld>
-    <p:spTree>
-      <p:nvGrpSpPr>
-        <p:cNvPr id="1" name=""/>
-        <p:cNvGrpSpPr/>
-        <p:nvPr/>
-      </p:nvGrpSpPr>
-      <p:grpSpPr>
-        <a:xfrm>
-          <a:off x="0" y="0"/>
-          <a:ext cx="0" cy="0"/>
-          <a:chOff x="0" y="0"/>
-          <a:chExt cx="0" cy="0"/>
-        </a:xfrm>
-      </p:grpSpPr>
-      <p:sp>
-        <p:nvSpPr>
-          <p:cNvPr id="3" name="Espace réservé du contenu 2"/>
-          <p:cNvSpPr>
-            <a:spLocks noGrp="1"/>
-          </p:cNvSpPr>
-          <p:nvPr>
-            <p:ph idx="1"/>
-          </p:nvPr>
-        </p:nvSpPr>
-        <p:spPr>
-          <a:xfrm>
-            <a:off x="457200" y="1417638"/>
-            <a:ext cx="8229600" cy="2003263"/>
-          </a:xfrm>
-        </p:spPr>
-        <p:txBody>
-          <a:bodyPr>
-            <a:normAutofit fontScale="62500" lnSpcReduction="20000"/>
-          </a:bodyPr>
-          <a:lstStyle/>
-          <a:p>
-            <a:pPr marL="0" indent="0" algn="ctr">
-              <a:buNone/>
-            </a:pPr>
-            <a:r>
-              <a:rPr lang="fr-FR" sz="6400" dirty="0">
-                <a:solidFill>
-                  <a:srgbClr val="125AF1"/>
-                </a:solidFill>
-                <a:latin typeface="Journal"/>
-                <a:cs typeface="Journal"/>
-              </a:rPr>
-              <a:t>Indexer un fichier dans votre </a:t>
-            </a:r>
-            <a:r>
-              <a:rPr lang="fr-FR" sz="5700" dirty="0">
-                <a:solidFill>
-                  <a:srgbClr val="125AF1"/>
-                </a:solidFill>
-                <a:latin typeface="Journal"/>
-                <a:cs typeface="Journal"/>
-              </a:rPr>
-              <a:t>dépôt git</a:t>
-            </a:r>
-          </a:p>
-          <a:p>
-            <a:pPr marL="0" indent="0">
-              <a:buNone/>
-            </a:pPr>
-            <a:r>
-              <a:rPr lang="fr-FR" dirty="0"/>
-              <a:t>Placez vous dans votre dossier </a:t>
-            </a:r>
-            <a:r>
-              <a:rPr lang="fr-FR" dirty="0">
-                <a:latin typeface="Lucida Console"/>
-                <a:cs typeface="Lucida Console"/>
-              </a:rPr>
-              <a:t>burgers</a:t>
-            </a:r>
-          </a:p>
-          <a:p>
-            <a:pPr marL="0" indent="0">
-              <a:buNone/>
-            </a:pPr>
-            <a:r>
-              <a:rPr lang="fr-FR" dirty="0"/>
-              <a:t>Indexez le fichier </a:t>
-            </a:r>
-            <a:r>
-              <a:rPr lang="fr-FR" dirty="0" err="1"/>
-              <a:t>doublecheese.txt</a:t>
-            </a:r>
-            <a:r>
-              <a:rPr lang="fr-FR" dirty="0"/>
-              <a:t> dans votre dépôt  avec la commande </a:t>
-            </a:r>
-            <a:r>
-              <a:rPr lang="fr-FR" b="1" dirty="0">
-                <a:latin typeface="Lucida Console"/>
-                <a:cs typeface="Lucida Console"/>
-              </a:rPr>
-              <a:t>git </a:t>
-            </a:r>
-            <a:r>
-              <a:rPr lang="fr-FR" b="1" dirty="0" err="1">
-                <a:latin typeface="Lucida Console"/>
-                <a:cs typeface="Lucida Console"/>
-              </a:rPr>
-              <a:t>add</a:t>
-            </a:r>
-            <a:r>
-              <a:rPr lang="fr-FR" b="1" dirty="0">
-                <a:latin typeface="Lucida Console"/>
-                <a:cs typeface="Lucida Console"/>
-              </a:rPr>
-              <a:t> </a:t>
-            </a:r>
-            <a:r>
-              <a:rPr lang="fr-FR" b="1" dirty="0" err="1">
-                <a:latin typeface="Lucida Console"/>
-                <a:cs typeface="Lucida Console"/>
-              </a:rPr>
-              <a:t>doublecheese.txt</a:t>
-            </a:r>
-            <a:endParaRPr lang="fr-FR" b="1" dirty="0">
-              <a:latin typeface="Lucida Console"/>
-              <a:cs typeface="Lucida Console"/>
-            </a:endParaRPr>
-          </a:p>
-        </p:txBody>
-      </p:sp>
-      <p:sp>
-        <p:nvSpPr>
-          <p:cNvPr id="6" name="ZoneTexte 5"/>
-          <p:cNvSpPr txBox="1"/>
-          <p:nvPr/>
-        </p:nvSpPr>
-        <p:spPr>
-          <a:xfrm>
-            <a:off x="457200" y="4167443"/>
-            <a:ext cx="8229600" cy="2293558"/>
-          </a:xfrm>
-          <a:prstGeom prst="rect">
-            <a:avLst/>
-          </a:prstGeom>
-          <a:solidFill>
-            <a:schemeClr val="tx1"/>
-          </a:solidFill>
-        </p:spPr>
-        <p:txBody>
-          <a:bodyPr wrap="square" rtlCol="0">
-            <a:noAutofit/>
-          </a:bodyPr>
-          <a:lstStyle/>
-          <a:p>
-            <a:r>
-              <a:rPr lang="fr-FR" sz="2400" dirty="0">
-                <a:solidFill>
-                  <a:srgbClr val="FFFFFF"/>
-                </a:solidFill>
-                <a:latin typeface="Lucida Console"/>
-                <a:cs typeface="Lucida Console"/>
-              </a:rPr>
-              <a:t>$ cd burgers</a:t>
-            </a:r>
-          </a:p>
-          <a:p>
-            <a:r>
-              <a:rPr lang="fr-FR" sz="2400" dirty="0">
-                <a:solidFill>
-                  <a:srgbClr val="FFFFFF"/>
-                </a:solidFill>
-                <a:latin typeface="Lucida Console"/>
-                <a:cs typeface="Lucida Console"/>
-              </a:rPr>
-              <a:t>$ git </a:t>
-            </a:r>
-            <a:r>
-              <a:rPr lang="fr-FR" sz="2400" dirty="0" err="1">
-                <a:solidFill>
-                  <a:srgbClr val="FFFFFF"/>
-                </a:solidFill>
-                <a:latin typeface="Lucida Console"/>
-                <a:cs typeface="Lucida Console"/>
-              </a:rPr>
-              <a:t>add</a:t>
-            </a:r>
-            <a:r>
-              <a:rPr lang="fr-FR" sz="2400" dirty="0">
-                <a:solidFill>
-                  <a:srgbClr val="FFFFFF"/>
-                </a:solidFill>
-                <a:latin typeface="Lucida Console"/>
-                <a:cs typeface="Lucida Console"/>
-              </a:rPr>
-              <a:t> </a:t>
-            </a:r>
-            <a:r>
-              <a:rPr lang="fr-FR" sz="2400" dirty="0" err="1">
-                <a:solidFill>
-                  <a:srgbClr val="FFFFFF"/>
-                </a:solidFill>
-                <a:latin typeface="Lucida Console"/>
-                <a:cs typeface="Lucida Console"/>
-              </a:rPr>
-              <a:t>doublecheese.txt</a:t>
-            </a:r>
-            <a:endParaRPr lang="fr-FR" sz="2400" dirty="0">
-              <a:solidFill>
-                <a:srgbClr val="FFFFFF"/>
-              </a:solidFill>
-              <a:latin typeface="Lucida Console"/>
-              <a:cs typeface="Lucida Console"/>
-            </a:endParaRPr>
-          </a:p>
-        </p:txBody>
-      </p:sp>
-      <p:sp>
-        <p:nvSpPr>
-          <p:cNvPr id="8" name="Titre 1"/>
-          <p:cNvSpPr>
-            <a:spLocks noGrp="1"/>
-          </p:cNvSpPr>
-          <p:nvPr>
-            <p:ph type="title"/>
-          </p:nvPr>
-        </p:nvSpPr>
-        <p:spPr>
-          <a:xfrm>
-            <a:off x="457200" y="274638"/>
-            <a:ext cx="8229600" cy="1143000"/>
-          </a:xfrm>
-        </p:spPr>
-        <p:txBody>
-          <a:bodyPr>
-            <a:normAutofit/>
-          </a:bodyPr>
-          <a:lstStyle/>
-          <a:p>
-            <a:r>
-              <a:rPr lang="fr-FR" b="1" dirty="0"/>
-              <a:t>Ajouter un fichier </a:t>
-            </a:r>
-            <a:r>
-              <a:rPr lang="fr-FR" dirty="0"/>
-              <a:t>à son dépôt</a:t>
-            </a:r>
-          </a:p>
-        </p:txBody>
-      </p:sp>
-    </p:spTree>
-    <p:extLst>
-      <p:ext uri="{BB962C8B-B14F-4D97-AF65-F5344CB8AC3E}">
-        <p14:creationId xmlns:p14="http://schemas.microsoft.com/office/powerpoint/2010/main" val="883305494"/>
-      </p:ext>
-    </p:extLst>
-  </p:cSld>
-  <p:clrMapOvr>
-    <a:masterClrMapping/>
-  </p:clrMapOvr>
-</p:sld>
-</file>
-
-<file path=ppt/slides/slide30.xml><?xml version="1.0" encoding="utf-8"?>
-<p:sld xmlns:a="http://schemas.openxmlformats.org/drawingml/2006/main" xmlns:r="http://schemas.openxmlformats.org/officeDocument/2006/relationships" xmlns:p="http://schemas.openxmlformats.org/presentationml/2006/main">
-  <p:cSld>
-    <p:spTree>
-      <p:nvGrpSpPr>
-        <p:cNvPr id="1" name=""/>
-        <p:cNvGrpSpPr/>
-        <p:nvPr/>
-      </p:nvGrpSpPr>
-      <p:grpSpPr>
-        <a:xfrm>
-          <a:off x="0" y="0"/>
-          <a:ext cx="0" cy="0"/>
-          <a:chOff x="0" y="0"/>
-          <a:chExt cx="0" cy="0"/>
-        </a:xfrm>
-      </p:grpSpPr>
-      <p:sp>
-        <p:nvSpPr>
-          <p:cNvPr id="2" name="Titre 1"/>
-          <p:cNvSpPr>
-            <a:spLocks noGrp="1"/>
-          </p:cNvSpPr>
-          <p:nvPr>
-            <p:ph type="title"/>
-          </p:nvPr>
-        </p:nvSpPr>
-        <p:spPr/>
-        <p:txBody>
-          <a:bodyPr>
-            <a:normAutofit/>
-          </a:bodyPr>
-          <a:lstStyle/>
-          <a:p>
-            <a:r>
-              <a:rPr lang="fr-FR" b="1" dirty="0"/>
-              <a:t>Exercice</a:t>
-            </a:r>
-          </a:p>
-        </p:txBody>
-      </p:sp>
-      <p:sp>
-        <p:nvSpPr>
-          <p:cNvPr id="3" name="Espace réservé du contenu 2"/>
-          <p:cNvSpPr>
-            <a:spLocks noGrp="1"/>
-          </p:cNvSpPr>
-          <p:nvPr>
-            <p:ph idx="1"/>
-          </p:nvPr>
-        </p:nvSpPr>
-        <p:spPr>
-          <a:xfrm>
-            <a:off x="457200" y="1600200"/>
-            <a:ext cx="8229600" cy="4813641"/>
-          </a:xfrm>
-        </p:spPr>
-        <p:txBody>
-          <a:bodyPr>
-            <a:normAutofit/>
-          </a:bodyPr>
-          <a:lstStyle/>
-          <a:p>
-            <a:pPr marL="514350" indent="-514350">
-              <a:buFont typeface="+mj-lt"/>
-              <a:buAutoNum type="arabicPeriod" startAt="2"/>
-            </a:pPr>
-            <a:r>
-              <a:rPr lang="fr-FR" dirty="0"/>
-              <a:t>Ajouter un burger à votre dépôt</a:t>
-            </a:r>
-          </a:p>
-        </p:txBody>
-      </p:sp>
-      <p:sp>
-        <p:nvSpPr>
-          <p:cNvPr id="4" name="ZoneTexte 3"/>
-          <p:cNvSpPr txBox="1"/>
-          <p:nvPr/>
-        </p:nvSpPr>
-        <p:spPr>
-          <a:xfrm>
-            <a:off x="457200" y="2832001"/>
-            <a:ext cx="8229600" cy="2293558"/>
-          </a:xfrm>
-          <a:prstGeom prst="rect">
-            <a:avLst/>
-          </a:prstGeom>
-          <a:solidFill>
-            <a:schemeClr val="tx1"/>
-          </a:solidFill>
-        </p:spPr>
-        <p:txBody>
-          <a:bodyPr wrap="square" rtlCol="0">
-            <a:noAutofit/>
-          </a:bodyPr>
-          <a:lstStyle/>
-          <a:p>
-            <a:r>
-              <a:rPr lang="fr-FR" sz="2400" dirty="0">
-                <a:solidFill>
-                  <a:srgbClr val="FFFFFF"/>
-                </a:solidFill>
-                <a:latin typeface="Lucida Console"/>
-                <a:cs typeface="Lucida Console"/>
-              </a:rPr>
-              <a:t>$ git </a:t>
-            </a:r>
-            <a:r>
-              <a:rPr lang="fr-FR" sz="2400" dirty="0" err="1">
-                <a:solidFill>
-                  <a:srgbClr val="FFFFFF"/>
-                </a:solidFill>
-                <a:latin typeface="Lucida Console"/>
-                <a:cs typeface="Lucida Console"/>
-              </a:rPr>
-              <a:t>add</a:t>
-            </a:r>
-            <a:r>
-              <a:rPr lang="fr-FR" sz="2400" dirty="0">
-                <a:solidFill>
-                  <a:srgbClr val="FFFFFF"/>
-                </a:solidFill>
-                <a:latin typeface="Lucida Console"/>
-                <a:cs typeface="Lucida Console"/>
-              </a:rPr>
-              <a:t> </a:t>
-            </a:r>
-            <a:r>
-              <a:rPr lang="fr-FR" sz="2400" dirty="0" err="1">
-                <a:solidFill>
-                  <a:srgbClr val="FFFFFF"/>
-                </a:solidFill>
-                <a:latin typeface="Lucida Console"/>
-                <a:cs typeface="Lucida Console"/>
-              </a:rPr>
-              <a:t>newburger.txt</a:t>
-            </a:r>
-            <a:endParaRPr lang="fr-FR" sz="2400" dirty="0">
-              <a:solidFill>
-                <a:srgbClr val="FFFFFF"/>
-              </a:solidFill>
-              <a:latin typeface="Lucida Console"/>
-              <a:cs typeface="Lucida Console"/>
-            </a:endParaRPr>
-          </a:p>
-          <a:p>
-            <a:r>
-              <a:rPr lang="fr-FR" sz="2400" dirty="0">
-                <a:solidFill>
-                  <a:srgbClr val="FFFFFF"/>
-                </a:solidFill>
-                <a:latin typeface="Lucida Console"/>
-                <a:cs typeface="Lucida Console"/>
-              </a:rPr>
-              <a:t>$ git commit –m “Ajout d’un nouveau burger“</a:t>
-            </a:r>
-          </a:p>
-        </p:txBody>
-      </p:sp>
-    </p:spTree>
-    <p:extLst>
-      <p:ext uri="{BB962C8B-B14F-4D97-AF65-F5344CB8AC3E}">
-        <p14:creationId xmlns:p14="http://schemas.microsoft.com/office/powerpoint/2010/main" val="3604505501"/>
-      </p:ext>
-    </p:extLst>
-  </p:cSld>
-  <p:clrMapOvr>
-    <a:masterClrMapping/>
-  </p:clrMapOvr>
-</p:sld>
-</file>
-
-<file path=ppt/slides/slide31.xml><?xml version="1.0" encoding="utf-8"?>
-<p:sld xmlns:a="http://schemas.openxmlformats.org/drawingml/2006/main" xmlns:r="http://schemas.openxmlformats.org/officeDocument/2006/relationships" xmlns:p="http://schemas.openxmlformats.org/presentationml/2006/main">
-  <p:cSld>
-    <p:spTree>
-      <p:nvGrpSpPr>
-        <p:cNvPr id="1" name=""/>
-        <p:cNvGrpSpPr/>
-        <p:nvPr/>
-      </p:nvGrpSpPr>
-      <p:grpSpPr>
-        <a:xfrm>
-          <a:off x="0" y="0"/>
-          <a:ext cx="0" cy="0"/>
-          <a:chOff x="0" y="0"/>
-          <a:chExt cx="0" cy="0"/>
-        </a:xfrm>
-      </p:grpSpPr>
-      <p:sp>
-        <p:nvSpPr>
-          <p:cNvPr id="2" name="Titre 1"/>
-          <p:cNvSpPr>
-            <a:spLocks noGrp="1"/>
-          </p:cNvSpPr>
-          <p:nvPr>
-            <p:ph type="title"/>
-          </p:nvPr>
-        </p:nvSpPr>
-        <p:spPr/>
-        <p:txBody>
-          <a:bodyPr>
-            <a:normAutofit/>
-          </a:bodyPr>
-          <a:lstStyle/>
-          <a:p>
-            <a:r>
-              <a:rPr lang="fr-FR" b="1" dirty="0"/>
-              <a:t>Exercice</a:t>
-            </a:r>
-          </a:p>
-        </p:txBody>
-      </p:sp>
-      <p:sp>
-        <p:nvSpPr>
-          <p:cNvPr id="3" name="Espace réservé du contenu 2"/>
-          <p:cNvSpPr>
-            <a:spLocks noGrp="1"/>
-          </p:cNvSpPr>
-          <p:nvPr>
-            <p:ph idx="1"/>
-          </p:nvPr>
-        </p:nvSpPr>
-        <p:spPr>
-          <a:xfrm>
-            <a:off x="457200" y="1600201"/>
-            <a:ext cx="8229600" cy="1311684"/>
-          </a:xfrm>
-        </p:spPr>
-        <p:txBody>
-          <a:bodyPr>
-            <a:normAutofit/>
-          </a:bodyPr>
-          <a:lstStyle/>
-          <a:p>
-            <a:pPr marL="514350" indent="-514350">
-              <a:buFont typeface="+mj-lt"/>
-              <a:buAutoNum type="arabicPeriod" startAt="3"/>
-            </a:pPr>
-            <a:r>
-              <a:rPr lang="fr-FR" dirty="0"/>
-              <a:t>Restaurer le </a:t>
-            </a:r>
-            <a:r>
-              <a:rPr lang="fr-FR" dirty="0" err="1"/>
-              <a:t>bigmac</a:t>
-            </a:r>
-            <a:r>
-              <a:rPr lang="fr-FR" dirty="0"/>
-              <a:t> dans votre copie de travail</a:t>
-            </a:r>
-          </a:p>
-        </p:txBody>
-      </p:sp>
-      <p:sp>
-        <p:nvSpPr>
-          <p:cNvPr id="4" name="ZoneTexte 3"/>
-          <p:cNvSpPr txBox="1"/>
-          <p:nvPr/>
-        </p:nvSpPr>
-        <p:spPr>
-          <a:xfrm>
-            <a:off x="457200" y="3374637"/>
-            <a:ext cx="8229600" cy="2293558"/>
-          </a:xfrm>
-          <a:prstGeom prst="rect">
-            <a:avLst/>
-          </a:prstGeom>
-          <a:solidFill>
-            <a:schemeClr val="tx1"/>
-          </a:solidFill>
-        </p:spPr>
-        <p:txBody>
-          <a:bodyPr wrap="square" rtlCol="0">
-            <a:noAutofit/>
-          </a:bodyPr>
-          <a:lstStyle/>
-          <a:p>
-            <a:r>
-              <a:rPr lang="fr-FR" sz="2800" dirty="0">
-                <a:solidFill>
-                  <a:srgbClr val="FFFFFF"/>
-                </a:solidFill>
-                <a:latin typeface="Lucida Console"/>
-                <a:cs typeface="Lucida Console"/>
-              </a:rPr>
-              <a:t>$ git </a:t>
-            </a:r>
-            <a:r>
-              <a:rPr lang="fr-FR" sz="2800" dirty="0" err="1">
-                <a:solidFill>
-                  <a:srgbClr val="FFFFFF"/>
-                </a:solidFill>
-                <a:latin typeface="Lucida Console"/>
-                <a:cs typeface="Lucida Console"/>
-              </a:rPr>
-              <a:t>checkout</a:t>
-            </a:r>
-            <a:r>
-              <a:rPr lang="fr-FR" sz="2800" dirty="0">
-                <a:solidFill>
-                  <a:srgbClr val="FFFFFF"/>
-                </a:solidFill>
-                <a:latin typeface="Lucida Console"/>
-                <a:cs typeface="Lucida Console"/>
-              </a:rPr>
-              <a:t> &lt;</a:t>
-            </a:r>
-            <a:r>
-              <a:rPr lang="fr-FR" sz="2800" dirty="0" err="1">
-                <a:solidFill>
-                  <a:srgbClr val="FFFFFF"/>
-                </a:solidFill>
-                <a:latin typeface="Lucida Console"/>
-                <a:cs typeface="Lucida Console"/>
-              </a:rPr>
-              <a:t>rev</a:t>
-            </a:r>
-            <a:r>
-              <a:rPr lang="fr-FR" sz="2800" dirty="0">
-                <a:solidFill>
-                  <a:srgbClr val="FFFFFF"/>
-                </a:solidFill>
-                <a:latin typeface="Lucida Console"/>
-                <a:cs typeface="Lucida Console"/>
-              </a:rPr>
-              <a:t>&gt; </a:t>
-            </a:r>
-            <a:r>
-              <a:rPr lang="fr-FR" sz="2800" dirty="0" err="1">
-                <a:solidFill>
-                  <a:srgbClr val="FFFFFF"/>
-                </a:solidFill>
-                <a:latin typeface="Lucida Console"/>
-                <a:cs typeface="Lucida Console"/>
-              </a:rPr>
-              <a:t>bigmac.txt</a:t>
-            </a:r>
-            <a:endParaRPr lang="fr-FR" sz="2800" dirty="0">
-              <a:solidFill>
-                <a:srgbClr val="FFFFFF"/>
-              </a:solidFill>
-              <a:latin typeface="Lucida Console"/>
-              <a:cs typeface="Lucida Console"/>
-            </a:endParaRPr>
-          </a:p>
-          <a:p>
-            <a:r>
-              <a:rPr lang="fr-FR" sz="2800" dirty="0">
-                <a:solidFill>
-                  <a:srgbClr val="FFFFFF"/>
-                </a:solidFill>
-                <a:latin typeface="Lucida Console"/>
-                <a:cs typeface="Lucida Console"/>
-              </a:rPr>
-              <a:t>$ git commit –a –m "Retour du </a:t>
-            </a:r>
-            <a:r>
-              <a:rPr lang="fr-FR" sz="2800" dirty="0" err="1">
-                <a:solidFill>
-                  <a:srgbClr val="FFFFFF"/>
-                </a:solidFill>
-                <a:latin typeface="Lucida Console"/>
-                <a:cs typeface="Lucida Console"/>
-              </a:rPr>
-              <a:t>Big</a:t>
-            </a:r>
-            <a:r>
-              <a:rPr lang="fr-FR" sz="2800" dirty="0">
-                <a:solidFill>
-                  <a:srgbClr val="FFFFFF"/>
-                </a:solidFill>
-                <a:latin typeface="Lucida Console"/>
-                <a:cs typeface="Lucida Console"/>
-              </a:rPr>
-              <a:t> Mac"</a:t>
-            </a:r>
-          </a:p>
-        </p:txBody>
-      </p:sp>
-      <p:sp>
-        <p:nvSpPr>
-          <p:cNvPr id="6" name="ZoneTexte 5"/>
-          <p:cNvSpPr txBox="1"/>
-          <p:nvPr/>
-        </p:nvSpPr>
-        <p:spPr>
-          <a:xfrm>
-            <a:off x="457200" y="5693850"/>
-            <a:ext cx="6383779" cy="369332"/>
-          </a:xfrm>
-          <a:prstGeom prst="rect">
-            <a:avLst/>
-          </a:prstGeom>
-          <a:noFill/>
-        </p:spPr>
-        <p:txBody>
-          <a:bodyPr wrap="none" rtlCol="0">
-            <a:spAutoFit/>
-          </a:bodyPr>
-          <a:lstStyle/>
-          <a:p>
-            <a:r>
-              <a:rPr lang="fr-FR" dirty="0"/>
-              <a:t>&lt;</a:t>
-            </a:r>
-            <a:r>
-              <a:rPr lang="fr-FR" dirty="0" err="1"/>
-              <a:t>rev</a:t>
-            </a:r>
-            <a:r>
-              <a:rPr lang="fr-FR" dirty="0"/>
-              <a:t>&gt; est la dernière révision à laquelle le </a:t>
-            </a:r>
-            <a:r>
-              <a:rPr lang="fr-FR" dirty="0" err="1"/>
-              <a:t>bigmac.txt</a:t>
-            </a:r>
-            <a:r>
-              <a:rPr lang="fr-FR" dirty="0"/>
-              <a:t> était présent</a:t>
-            </a:r>
-          </a:p>
-        </p:txBody>
-      </p:sp>
-    </p:spTree>
-    <p:extLst>
-      <p:ext uri="{BB962C8B-B14F-4D97-AF65-F5344CB8AC3E}">
-        <p14:creationId xmlns:p14="http://schemas.microsoft.com/office/powerpoint/2010/main" val="2212720658"/>
-      </p:ext>
-    </p:extLst>
-  </p:cSld>
-  <p:clrMapOvr>
-    <a:masterClrMapping/>
-  </p:clrMapOvr>
-</p:sld>
-</file>
-
-<file path=ppt/slides/slide32.xml><?xml version="1.0" encoding="utf-8"?>
-<p:sld xmlns:a="http://schemas.openxmlformats.org/drawingml/2006/main" xmlns:r="http://schemas.openxmlformats.org/officeDocument/2006/relationships" xmlns:p="http://schemas.openxmlformats.org/presentationml/2006/main">
-  <p:cSld>
-    <p:spTree>
-      <p:nvGrpSpPr>
-        <p:cNvPr id="1" name=""/>
-        <p:cNvGrpSpPr/>
-        <p:nvPr/>
-      </p:nvGrpSpPr>
-      <p:grpSpPr>
-        <a:xfrm>
-          <a:off x="0" y="0"/>
-          <a:ext cx="0" cy="0"/>
-          <a:chOff x="0" y="0"/>
-          <a:chExt cx="0" cy="0"/>
-        </a:xfrm>
-      </p:grpSpPr>
-      <p:sp>
-        <p:nvSpPr>
-          <p:cNvPr id="2" name="Titre 1"/>
-          <p:cNvSpPr>
-            <a:spLocks noGrp="1"/>
-          </p:cNvSpPr>
-          <p:nvPr>
-            <p:ph type="title"/>
-          </p:nvPr>
-        </p:nvSpPr>
-        <p:spPr/>
-        <p:txBody>
-          <a:bodyPr>
-            <a:normAutofit/>
-          </a:bodyPr>
-          <a:lstStyle/>
-          <a:p>
-            <a:r>
               <a:rPr lang="fr-FR" sz="3600" dirty="0"/>
               <a:t>Se connecter au </a:t>
             </a:r>
@@ -11108,7 +9408,7 @@
 </p:sld>
 </file>
 
-<file path=ppt/slides/slide33.xml><?xml version="1.0" encoding="utf-8"?>
+<file path=ppt/slides/slide3.xml><?xml version="1.0" encoding="utf-8"?>
 <p:sld xmlns:a="http://schemas.openxmlformats.org/drawingml/2006/main" xmlns:r="http://schemas.openxmlformats.org/officeDocument/2006/relationships" xmlns:p="http://schemas.openxmlformats.org/presentationml/2006/main">
   <p:cSld>
     <p:spTree>
@@ -11127,6 +9427,268 @@
       </p:grpSpPr>
       <p:sp>
         <p:nvSpPr>
+          <p:cNvPr id="3" name="Espace réservé du contenu 2"/>
+          <p:cNvSpPr>
+            <a:spLocks noGrp="1"/>
+          </p:cNvSpPr>
+          <p:nvPr>
+            <p:ph idx="1"/>
+          </p:nvPr>
+        </p:nvSpPr>
+        <p:spPr>
+          <a:xfrm>
+            <a:off x="457200" y="1417638"/>
+            <a:ext cx="8229600" cy="2003263"/>
+          </a:xfrm>
+        </p:spPr>
+        <p:txBody>
+          <a:bodyPr>
+            <a:normAutofit fontScale="62500" lnSpcReduction="20000"/>
+          </a:bodyPr>
+          <a:lstStyle/>
+          <a:p>
+            <a:pPr marL="0" indent="0" algn="ctr">
+              <a:buNone/>
+            </a:pPr>
+            <a:r>
+              <a:rPr lang="fr-FR" sz="6400" dirty="0">
+                <a:solidFill>
+                  <a:srgbClr val="125AF1"/>
+                </a:solidFill>
+                <a:latin typeface="Journal"/>
+                <a:cs typeface="Journal"/>
+              </a:rPr>
+              <a:t>Indexer un fichier dans votre </a:t>
+            </a:r>
+            <a:r>
+              <a:rPr lang="fr-FR" sz="5700" dirty="0">
+                <a:solidFill>
+                  <a:srgbClr val="125AF1"/>
+                </a:solidFill>
+                <a:latin typeface="Journal"/>
+                <a:cs typeface="Journal"/>
+              </a:rPr>
+              <a:t>dépôt git</a:t>
+            </a:r>
+          </a:p>
+          <a:p>
+            <a:pPr marL="0" indent="0">
+              <a:buNone/>
+            </a:pPr>
+            <a:r>
+              <a:rPr lang="fr-FR" dirty="0"/>
+              <a:t>Placez vous dans votre dossier </a:t>
+            </a:r>
+            <a:r>
+              <a:rPr lang="fr-FR" dirty="0">
+                <a:latin typeface="Lucida Console"/>
+                <a:cs typeface="Lucida Console"/>
+              </a:rPr>
+              <a:t>burgers</a:t>
+            </a:r>
+          </a:p>
+          <a:p>
+            <a:pPr marL="0" indent="0">
+              <a:buNone/>
+            </a:pPr>
+            <a:r>
+              <a:rPr lang="fr-FR" dirty="0"/>
+              <a:t>Indexez le fichier </a:t>
+            </a:r>
+            <a:r>
+              <a:rPr lang="fr-FR" dirty="0" err="1"/>
+              <a:t>doublecheese.txt</a:t>
+            </a:r>
+            <a:r>
+              <a:rPr lang="fr-FR" dirty="0"/>
+              <a:t> dans votre dépôt  avec la commande </a:t>
+            </a:r>
+            <a:r>
+              <a:rPr lang="fr-FR" b="1" dirty="0">
+                <a:latin typeface="Lucida Console"/>
+                <a:cs typeface="Lucida Console"/>
+              </a:rPr>
+              <a:t>git </a:t>
+            </a:r>
+            <a:r>
+              <a:rPr lang="fr-FR" b="1" dirty="0" err="1">
+                <a:latin typeface="Lucida Console"/>
+                <a:cs typeface="Lucida Console"/>
+              </a:rPr>
+              <a:t>add</a:t>
+            </a:r>
+            <a:r>
+              <a:rPr lang="fr-FR" b="1" dirty="0">
+                <a:latin typeface="Lucida Console"/>
+                <a:cs typeface="Lucida Console"/>
+              </a:rPr>
+              <a:t> </a:t>
+            </a:r>
+            <a:r>
+              <a:rPr lang="fr-FR" b="1" dirty="0" err="1">
+                <a:latin typeface="Lucida Console"/>
+                <a:cs typeface="Lucida Console"/>
+              </a:rPr>
+              <a:t>doublecheese.txt</a:t>
+            </a:r>
+            <a:endParaRPr lang="fr-FR" b="1" dirty="0">
+              <a:latin typeface="Lucida Console"/>
+              <a:cs typeface="Lucida Console"/>
+            </a:endParaRPr>
+          </a:p>
+        </p:txBody>
+      </p:sp>
+      <p:sp>
+        <p:nvSpPr>
+          <p:cNvPr id="6" name="ZoneTexte 5"/>
+          <p:cNvSpPr txBox="1"/>
+          <p:nvPr/>
+        </p:nvSpPr>
+        <p:spPr>
+          <a:xfrm>
+            <a:off x="457200" y="4167443"/>
+            <a:ext cx="8229600" cy="2293558"/>
+          </a:xfrm>
+          <a:prstGeom prst="rect">
+            <a:avLst/>
+          </a:prstGeom>
+          <a:solidFill>
+            <a:schemeClr val="tx1"/>
+          </a:solidFill>
+        </p:spPr>
+        <p:txBody>
+          <a:bodyPr wrap="square" rtlCol="0">
+            <a:noAutofit/>
+          </a:bodyPr>
+          <a:lstStyle/>
+          <a:p>
+            <a:r>
+              <a:rPr lang="fr-FR" sz="2400" dirty="0">
+                <a:solidFill>
+                  <a:srgbClr val="FFFFFF"/>
+                </a:solidFill>
+                <a:latin typeface="Lucida Console"/>
+                <a:cs typeface="Lucida Console"/>
+              </a:rPr>
+              <a:t>$ cd burgers</a:t>
+            </a:r>
+          </a:p>
+          <a:p>
+            <a:r>
+              <a:rPr lang="fr-FR" sz="2400" dirty="0">
+                <a:solidFill>
+                  <a:srgbClr val="FFFFFF"/>
+                </a:solidFill>
+                <a:latin typeface="Lucida Console"/>
+                <a:cs typeface="Lucida Console"/>
+              </a:rPr>
+              <a:t>$ git </a:t>
+            </a:r>
+            <a:r>
+              <a:rPr lang="fr-FR" sz="2400" dirty="0" err="1">
+                <a:solidFill>
+                  <a:srgbClr val="FFFFFF"/>
+                </a:solidFill>
+                <a:latin typeface="Lucida Console"/>
+                <a:cs typeface="Lucida Console"/>
+              </a:rPr>
+              <a:t>add</a:t>
+            </a:r>
+            <a:r>
+              <a:rPr lang="fr-FR" sz="2400" dirty="0">
+                <a:solidFill>
+                  <a:srgbClr val="FFFFFF"/>
+                </a:solidFill>
+                <a:latin typeface="Lucida Console"/>
+                <a:cs typeface="Lucida Console"/>
+              </a:rPr>
+              <a:t> </a:t>
+            </a:r>
+            <a:r>
+              <a:rPr lang="fr-FR" sz="2400" dirty="0" err="1">
+                <a:solidFill>
+                  <a:srgbClr val="FFFFFF"/>
+                </a:solidFill>
+                <a:latin typeface="Lucida Console"/>
+                <a:cs typeface="Lucida Console"/>
+              </a:rPr>
+              <a:t>doublecheese.txt</a:t>
+            </a:r>
+            <a:endParaRPr lang="fr-FR" sz="2400" dirty="0">
+              <a:solidFill>
+                <a:srgbClr val="FFFFFF"/>
+              </a:solidFill>
+              <a:latin typeface="Lucida Console"/>
+              <a:cs typeface="Lucida Console"/>
+            </a:endParaRPr>
+          </a:p>
+        </p:txBody>
+      </p:sp>
+      <p:sp>
+        <p:nvSpPr>
+          <p:cNvPr id="8" name="Titre 1"/>
+          <p:cNvSpPr>
+            <a:spLocks noGrp="1"/>
+          </p:cNvSpPr>
+          <p:nvPr>
+            <p:ph type="title"/>
+          </p:nvPr>
+        </p:nvSpPr>
+        <p:spPr>
+          <a:xfrm>
+            <a:off x="457200" y="274638"/>
+            <a:ext cx="8229600" cy="1143000"/>
+          </a:xfrm>
+        </p:spPr>
+        <p:txBody>
+          <a:bodyPr>
+            <a:normAutofit/>
+          </a:bodyPr>
+          <a:lstStyle/>
+          <a:p>
+            <a:r>
+              <a:rPr lang="fr-FR" b="1" dirty="0"/>
+              <a:t>Ajouter un fichier </a:t>
+            </a:r>
+            <a:r>
+              <a:rPr lang="fr-FR" dirty="0"/>
+              <a:t>à son dépôt</a:t>
+            </a:r>
+          </a:p>
+        </p:txBody>
+      </p:sp>
+    </p:spTree>
+    <p:extLst>
+      <p:ext uri="{BB962C8B-B14F-4D97-AF65-F5344CB8AC3E}">
+        <p14:creationId xmlns:p14="http://schemas.microsoft.com/office/powerpoint/2010/main" val="883305494"/>
+      </p:ext>
+    </p:extLst>
+  </p:cSld>
+  <p:clrMapOvr>
+    <a:masterClrMapping/>
+  </p:clrMapOvr>
+</p:sld>
+</file>
+
+<file path=ppt/slides/slide30.xml><?xml version="1.0" encoding="utf-8"?>
+<p:sld xmlns:a="http://schemas.openxmlformats.org/drawingml/2006/main" xmlns:r="http://schemas.openxmlformats.org/officeDocument/2006/relationships" xmlns:p="http://schemas.openxmlformats.org/presentationml/2006/main">
+  <p:cSld>
+    <p:spTree>
+      <p:nvGrpSpPr>
+        <p:cNvPr id="1" name=""/>
+        <p:cNvGrpSpPr/>
+        <p:nvPr/>
+      </p:nvGrpSpPr>
+      <p:grpSpPr>
+        <a:xfrm>
+          <a:off x="0" y="0"/>
+          <a:ext cx="0" cy="0"/>
+          <a:chOff x="0" y="0"/>
+          <a:chExt cx="0" cy="0"/>
+        </a:xfrm>
+      </p:grpSpPr>
+      <p:sp>
+        <p:nvSpPr>
           <p:cNvPr id="2" name="Titre 1"/>
           <p:cNvSpPr>
             <a:spLocks noGrp="1"/>
@@ -11194,8 +9756,8 @@
         </p:nvSpPr>
         <p:spPr>
           <a:xfrm>
-            <a:off x="5718330" y="4606737"/>
-            <a:ext cx="3273270" cy="2062103"/>
+            <a:off x="5577840" y="4819952"/>
+            <a:ext cx="3566160" cy="1569660"/>
           </a:xfrm>
           <a:prstGeom prst="rect">
             <a:avLst/>
@@ -11210,7 +9772,7 @@
             <a:r>
               <a:rPr lang="fr-FR" sz="3200" dirty="0">
                 <a:solidFill>
-                  <a:srgbClr val="1C6FFA"/>
+                  <a:srgbClr val="FF0000"/>
                 </a:solidFill>
                 <a:latin typeface="Journal"/>
                 <a:cs typeface="Journal"/>
@@ -11222,7 +9784,7 @@
             <a:r>
               <a:rPr lang="fr-FR" sz="3200" dirty="0">
                 <a:solidFill>
-                  <a:srgbClr val="1C6FFA"/>
+                  <a:srgbClr val="FF0000"/>
                 </a:solidFill>
                 <a:latin typeface="Journal"/>
                 <a:cs typeface="Journal"/>
@@ -11234,7 +9796,7 @@
             <a:r>
               <a:rPr lang="fr-FR" sz="3200" dirty="0">
                 <a:solidFill>
-                  <a:srgbClr val="1C6FFA"/>
+                  <a:srgbClr val="FF0000"/>
                 </a:solidFill>
                 <a:latin typeface="Journal"/>
                 <a:cs typeface="Journal"/>
@@ -11244,7 +9806,7 @@
             <a:r>
               <a:rPr lang="fr-FR" sz="3200" dirty="0" err="1">
                 <a:solidFill>
-                  <a:srgbClr val="1C6FFA"/>
+                  <a:srgbClr val="FF0000"/>
                 </a:solidFill>
                 <a:latin typeface="Journal"/>
                 <a:cs typeface="Journal"/>
@@ -11254,7 +9816,7 @@
             <a:r>
               <a:rPr lang="fr-FR" sz="3200" dirty="0">
                 <a:solidFill>
-                  <a:srgbClr val="1C6FFA"/>
+                  <a:srgbClr val="FF0000"/>
                 </a:solidFill>
                 <a:latin typeface="Journal"/>
                 <a:cs typeface="Journal"/>
@@ -11316,7 +9878,7 @@
         </p:blipFill>
         <p:spPr>
           <a:xfrm>
-            <a:off x="313131" y="4299366"/>
+            <a:off x="0" y="4299366"/>
             <a:ext cx="5317173" cy="2461971"/>
           </a:xfrm>
           <a:prstGeom prst="rect">
@@ -11337,7 +9899,7 @@
 </p:sld>
 </file>
 
-<file path=ppt/slides/slide34.xml><?xml version="1.0" encoding="utf-8"?>
+<file path=ppt/slides/slide31.xml><?xml version="1.0" encoding="utf-8"?>
 <p:sld xmlns:a="http://schemas.openxmlformats.org/drawingml/2006/main" xmlns:r="http://schemas.openxmlformats.org/officeDocument/2006/relationships" xmlns:p="http://schemas.openxmlformats.org/presentationml/2006/main">
   <p:cSld>
     <p:spTree>
@@ -11604,6 +10166,1011 @@
 </p:sld>
 </file>
 
+<file path=ppt/slides/slide32.xml><?xml version="1.0" encoding="utf-8"?>
+<p:sld xmlns:a="http://schemas.openxmlformats.org/drawingml/2006/main" xmlns:r="http://schemas.openxmlformats.org/officeDocument/2006/relationships" xmlns:p="http://schemas.openxmlformats.org/presentationml/2006/main">
+  <p:cSld>
+    <p:spTree>
+      <p:nvGrpSpPr>
+        <p:cNvPr id="1" name=""/>
+        <p:cNvGrpSpPr/>
+        <p:nvPr/>
+      </p:nvGrpSpPr>
+      <p:grpSpPr>
+        <a:xfrm>
+          <a:off x="0" y="0"/>
+          <a:ext cx="0" cy="0"/>
+          <a:chOff x="0" y="0"/>
+          <a:chExt cx="0" cy="0"/>
+        </a:xfrm>
+      </p:grpSpPr>
+      <p:sp>
+        <p:nvSpPr>
+          <p:cNvPr id="2" name="Titre 1"/>
+          <p:cNvSpPr>
+            <a:spLocks noGrp="1"/>
+          </p:cNvSpPr>
+          <p:nvPr>
+            <p:ph type="title"/>
+          </p:nvPr>
+        </p:nvSpPr>
+        <p:spPr/>
+        <p:txBody>
+          <a:bodyPr>
+            <a:normAutofit/>
+          </a:bodyPr>
+          <a:lstStyle/>
+          <a:p>
+            <a:r>
+              <a:rPr lang="fr-FR" dirty="0"/>
+              <a:t>Travailler à </a:t>
+            </a:r>
+            <a:r>
+              <a:rPr lang="fr-FR" b="1" dirty="0"/>
+              <a:t>plusieurs</a:t>
+            </a:r>
+          </a:p>
+        </p:txBody>
+      </p:sp>
+      <p:sp>
+        <p:nvSpPr>
+          <p:cNvPr id="3" name="Espace réservé du contenu 2"/>
+          <p:cNvSpPr>
+            <a:spLocks noGrp="1"/>
+          </p:cNvSpPr>
+          <p:nvPr>
+            <p:ph idx="1"/>
+          </p:nvPr>
+        </p:nvSpPr>
+        <p:spPr>
+          <a:xfrm>
+            <a:off x="457200" y="1600200"/>
+            <a:ext cx="8229600" cy="1820701"/>
+          </a:xfrm>
+        </p:spPr>
+        <p:txBody>
+          <a:bodyPr>
+            <a:normAutofit/>
+          </a:bodyPr>
+          <a:lstStyle/>
+          <a:p>
+            <a:pPr marL="0" indent="0">
+              <a:buNone/>
+            </a:pPr>
+            <a:r>
+              <a:rPr lang="fr-FR" b="1" dirty="0"/>
+              <a:t>Déclarer serveur distant</a:t>
+            </a:r>
+          </a:p>
+          <a:p>
+            <a:pPr marL="0" indent="0">
+              <a:buNone/>
+            </a:pPr>
+            <a:r>
+              <a:rPr lang="fr-FR" dirty="0"/>
+              <a:t>Déclarez le serveur </a:t>
+            </a:r>
+            <a:r>
+              <a:rPr lang="fr-FR" dirty="0" err="1"/>
+              <a:t>github</a:t>
+            </a:r>
+            <a:r>
+              <a:rPr lang="fr-FR" dirty="0"/>
+              <a:t> dans votre dépôt local avec la commande </a:t>
+            </a:r>
+            <a:r>
+              <a:rPr lang="fr-FR" b="1" dirty="0">
+                <a:latin typeface="Lucida Console"/>
+                <a:cs typeface="Lucida Console"/>
+              </a:rPr>
+              <a:t>git </a:t>
+            </a:r>
+            <a:r>
+              <a:rPr lang="fr-FR" b="1" dirty="0" err="1">
+                <a:latin typeface="Lucida Console"/>
+                <a:cs typeface="Lucida Console"/>
+              </a:rPr>
+              <a:t>remote</a:t>
+            </a:r>
+            <a:r>
+              <a:rPr lang="fr-FR" b="1" dirty="0">
+                <a:latin typeface="Lucida Console"/>
+                <a:cs typeface="Lucida Console"/>
+              </a:rPr>
+              <a:t> </a:t>
+            </a:r>
+            <a:r>
+              <a:rPr lang="fr-FR" b="1" dirty="0" err="1">
+                <a:latin typeface="Lucida Console"/>
+                <a:cs typeface="Lucida Console"/>
+              </a:rPr>
+              <a:t>add</a:t>
+            </a:r>
+            <a:endParaRPr lang="fr-FR" b="1" dirty="0">
+              <a:latin typeface="Lucida Console"/>
+              <a:cs typeface="Lucida Console"/>
+            </a:endParaRPr>
+          </a:p>
+        </p:txBody>
+      </p:sp>
+      <p:sp>
+        <p:nvSpPr>
+          <p:cNvPr id="6" name="ZoneTexte 5"/>
+          <p:cNvSpPr txBox="1"/>
+          <p:nvPr/>
+        </p:nvSpPr>
+        <p:spPr>
+          <a:xfrm>
+            <a:off x="457200" y="3537523"/>
+            <a:ext cx="8229600" cy="2293558"/>
+          </a:xfrm>
+          <a:prstGeom prst="rect">
+            <a:avLst/>
+          </a:prstGeom>
+          <a:solidFill>
+            <a:schemeClr val="tx1"/>
+          </a:solidFill>
+        </p:spPr>
+        <p:txBody>
+          <a:bodyPr wrap="square" rtlCol="0">
+            <a:noAutofit/>
+          </a:bodyPr>
+          <a:lstStyle/>
+          <a:p>
+            <a:r>
+              <a:rPr lang="fr-FR" sz="1400" dirty="0">
+                <a:solidFill>
+                  <a:schemeClr val="bg1"/>
+                </a:solidFill>
+                <a:latin typeface="Lucida Console"/>
+                <a:cs typeface="Lucida Console"/>
+              </a:rPr>
+              <a:t>$ git </a:t>
+            </a:r>
+            <a:r>
+              <a:rPr lang="fr-FR" sz="1400" dirty="0" err="1">
+                <a:solidFill>
+                  <a:schemeClr val="bg1"/>
+                </a:solidFill>
+                <a:latin typeface="Lucida Console"/>
+                <a:cs typeface="Lucida Console"/>
+              </a:rPr>
+              <a:t>remote</a:t>
+            </a:r>
+            <a:r>
+              <a:rPr lang="fr-FR" sz="1400" dirty="0">
+                <a:solidFill>
+                  <a:schemeClr val="bg1"/>
+                </a:solidFill>
+                <a:latin typeface="Lucida Console"/>
+                <a:cs typeface="Lucida Console"/>
+              </a:rPr>
+              <a:t> </a:t>
+            </a:r>
+            <a:r>
+              <a:rPr lang="fr-FR" sz="1400" dirty="0" err="1">
+                <a:solidFill>
+                  <a:schemeClr val="bg1"/>
+                </a:solidFill>
+                <a:latin typeface="Lucida Console"/>
+                <a:cs typeface="Lucida Console"/>
+              </a:rPr>
+              <a:t>add</a:t>
+            </a:r>
+            <a:r>
+              <a:rPr lang="fr-FR" sz="1400" dirty="0">
+                <a:solidFill>
+                  <a:schemeClr val="bg1"/>
+                </a:solidFill>
+                <a:latin typeface="Lucida Console"/>
+                <a:cs typeface="Lucida Console"/>
+              </a:rPr>
+              <a:t> </a:t>
+            </a:r>
+            <a:r>
+              <a:rPr lang="fr-FR" sz="1400" dirty="0" err="1">
+                <a:solidFill>
+                  <a:schemeClr val="bg1"/>
+                </a:solidFill>
+                <a:latin typeface="Lucida Console"/>
+                <a:cs typeface="Lucida Console"/>
+              </a:rPr>
+              <a:t>origin</a:t>
+            </a:r>
+            <a:r>
+              <a:rPr lang="fr-FR" sz="1400" dirty="0">
+                <a:solidFill>
+                  <a:schemeClr val="bg1"/>
+                </a:solidFill>
+                <a:latin typeface="Lucida Console"/>
+                <a:cs typeface="Lucida Console"/>
+              </a:rPr>
+              <a:t> http://github.com/your_login/burgers-berrada.git</a:t>
+            </a:r>
+          </a:p>
+        </p:txBody>
+      </p:sp>
+    </p:spTree>
+    <p:extLst>
+      <p:ext uri="{BB962C8B-B14F-4D97-AF65-F5344CB8AC3E}">
+        <p14:creationId xmlns:p14="http://schemas.microsoft.com/office/powerpoint/2010/main" val="4161535953"/>
+      </p:ext>
+    </p:extLst>
+  </p:cSld>
+  <p:clrMapOvr>
+    <a:masterClrMapping/>
+  </p:clrMapOvr>
+</p:sld>
+</file>
+
+<file path=ppt/slides/slide33.xml><?xml version="1.0" encoding="utf-8"?>
+<p:sld xmlns:a="http://schemas.openxmlformats.org/drawingml/2006/main" xmlns:r="http://schemas.openxmlformats.org/officeDocument/2006/relationships" xmlns:p="http://schemas.openxmlformats.org/presentationml/2006/main">
+  <p:cSld>
+    <p:spTree>
+      <p:nvGrpSpPr>
+        <p:cNvPr id="1" name=""/>
+        <p:cNvGrpSpPr/>
+        <p:nvPr/>
+      </p:nvGrpSpPr>
+      <p:grpSpPr>
+        <a:xfrm>
+          <a:off x="0" y="0"/>
+          <a:ext cx="0" cy="0"/>
+          <a:chOff x="0" y="0"/>
+          <a:chExt cx="0" cy="0"/>
+        </a:xfrm>
+      </p:grpSpPr>
+      <p:sp>
+        <p:nvSpPr>
+          <p:cNvPr id="2" name="Titre 1"/>
+          <p:cNvSpPr>
+            <a:spLocks noGrp="1"/>
+          </p:cNvSpPr>
+          <p:nvPr>
+            <p:ph type="title"/>
+          </p:nvPr>
+        </p:nvSpPr>
+        <p:spPr/>
+        <p:txBody>
+          <a:bodyPr>
+            <a:noAutofit/>
+          </a:bodyPr>
+          <a:lstStyle/>
+          <a:p>
+            <a:pPr marL="0" indent="0"/>
+            <a:r>
+              <a:rPr lang="fr-FR" sz="2800" b="1" dirty="0"/>
+              <a:t>Envoyer les révisions </a:t>
+            </a:r>
+            <a:r>
+              <a:rPr lang="fr-FR" sz="2800" dirty="0"/>
+              <a:t>de votre dépôt sur le serveur</a:t>
+            </a:r>
+          </a:p>
+        </p:txBody>
+      </p:sp>
+      <p:sp>
+        <p:nvSpPr>
+          <p:cNvPr id="3" name="Espace réservé du contenu 2"/>
+          <p:cNvSpPr>
+            <a:spLocks noGrp="1"/>
+          </p:cNvSpPr>
+          <p:nvPr>
+            <p:ph idx="1"/>
+          </p:nvPr>
+        </p:nvSpPr>
+        <p:spPr>
+          <a:xfrm>
+            <a:off x="457200" y="1600200"/>
+            <a:ext cx="8229600" cy="1820701"/>
+          </a:xfrm>
+        </p:spPr>
+        <p:txBody>
+          <a:bodyPr>
+            <a:normAutofit/>
+          </a:bodyPr>
+          <a:lstStyle/>
+          <a:p>
+            <a:pPr marL="0" indent="0">
+              <a:buNone/>
+            </a:pPr>
+            <a:r>
+              <a:rPr lang="fr-FR" sz="2800" b="1" dirty="0">
+                <a:latin typeface="Lucida Console"/>
+                <a:cs typeface="Lucida Console"/>
+              </a:rPr>
+              <a:t>git push –u </a:t>
+            </a:r>
+            <a:r>
+              <a:rPr lang="fr-FR" sz="2800" b="1" dirty="0" err="1">
+                <a:latin typeface="Lucida Console"/>
+                <a:cs typeface="Lucida Console"/>
+              </a:rPr>
+              <a:t>origin</a:t>
+            </a:r>
+            <a:r>
+              <a:rPr lang="fr-FR" sz="2800" b="1" dirty="0">
+                <a:latin typeface="Lucida Console"/>
+                <a:cs typeface="Lucida Console"/>
+              </a:rPr>
+              <a:t> master</a:t>
+            </a:r>
+          </a:p>
+        </p:txBody>
+      </p:sp>
+      <p:sp>
+        <p:nvSpPr>
+          <p:cNvPr id="6" name="ZoneTexte 5"/>
+          <p:cNvSpPr txBox="1"/>
+          <p:nvPr/>
+        </p:nvSpPr>
+        <p:spPr>
+          <a:xfrm>
+            <a:off x="457200" y="2720157"/>
+            <a:ext cx="8229600" cy="3089415"/>
+          </a:xfrm>
+          <a:prstGeom prst="rect">
+            <a:avLst/>
+          </a:prstGeom>
+          <a:solidFill>
+            <a:schemeClr val="tx1"/>
+          </a:solidFill>
+        </p:spPr>
+        <p:txBody>
+          <a:bodyPr wrap="square" rtlCol="0">
+            <a:noAutofit/>
+          </a:bodyPr>
+          <a:lstStyle/>
+          <a:p>
+            <a:r>
+              <a:rPr lang="fr-FR" sz="1600" dirty="0">
+                <a:solidFill>
+                  <a:srgbClr val="FFFFFF"/>
+                </a:solidFill>
+                <a:latin typeface="Lucida Console"/>
+                <a:cs typeface="Lucida Console"/>
+              </a:rPr>
+              <a:t>$ git push –u </a:t>
+            </a:r>
+            <a:r>
+              <a:rPr lang="fr-FR" sz="1600" dirty="0" err="1">
+                <a:solidFill>
+                  <a:srgbClr val="FFFFFF"/>
+                </a:solidFill>
+                <a:latin typeface="Lucida Console"/>
+                <a:cs typeface="Lucida Console"/>
+              </a:rPr>
+              <a:t>origin</a:t>
+            </a:r>
+            <a:r>
+              <a:rPr lang="fr-FR" sz="1600" dirty="0">
+                <a:solidFill>
+                  <a:srgbClr val="FFFFFF"/>
+                </a:solidFill>
+                <a:latin typeface="Lucida Console"/>
+                <a:cs typeface="Lucida Console"/>
+              </a:rPr>
+              <a:t> master</a:t>
+            </a:r>
+          </a:p>
+          <a:p>
+            <a:r>
+              <a:rPr lang="fr-FR" sz="1600" dirty="0" err="1">
+                <a:solidFill>
+                  <a:srgbClr val="FFFFFF"/>
+                </a:solidFill>
+                <a:latin typeface="Lucida Console"/>
+                <a:cs typeface="Lucida Console"/>
+              </a:rPr>
+              <a:t>Counting</a:t>
+            </a:r>
+            <a:r>
+              <a:rPr lang="fr-FR" sz="1600" dirty="0">
+                <a:solidFill>
+                  <a:srgbClr val="FFFFFF"/>
+                </a:solidFill>
+                <a:latin typeface="Lucida Console"/>
+                <a:cs typeface="Lucida Console"/>
+              </a:rPr>
+              <a:t> </a:t>
+            </a:r>
+            <a:r>
+              <a:rPr lang="fr-FR" sz="1600" dirty="0" err="1">
+                <a:solidFill>
+                  <a:srgbClr val="FFFFFF"/>
+                </a:solidFill>
+                <a:latin typeface="Lucida Console"/>
+                <a:cs typeface="Lucida Console"/>
+              </a:rPr>
+              <a:t>objects</a:t>
+            </a:r>
+            <a:r>
+              <a:rPr lang="fr-FR" sz="1600" dirty="0">
+                <a:solidFill>
+                  <a:srgbClr val="FFFFFF"/>
+                </a:solidFill>
+                <a:latin typeface="Lucida Console"/>
+                <a:cs typeface="Lucida Console"/>
+              </a:rPr>
+              <a:t>: 12, </a:t>
+            </a:r>
+            <a:r>
+              <a:rPr lang="fr-FR" sz="1600" dirty="0" err="1">
+                <a:solidFill>
+                  <a:srgbClr val="FFFFFF"/>
+                </a:solidFill>
+                <a:latin typeface="Lucida Console"/>
+                <a:cs typeface="Lucida Console"/>
+              </a:rPr>
+              <a:t>done</a:t>
+            </a:r>
+            <a:r>
+              <a:rPr lang="fr-FR" sz="1600" dirty="0">
+                <a:solidFill>
+                  <a:srgbClr val="FFFFFF"/>
+                </a:solidFill>
+                <a:latin typeface="Lucida Console"/>
+                <a:cs typeface="Lucida Console"/>
+              </a:rPr>
+              <a:t>.</a:t>
+            </a:r>
+          </a:p>
+          <a:p>
+            <a:r>
+              <a:rPr lang="fr-FR" sz="1600" dirty="0">
+                <a:solidFill>
+                  <a:srgbClr val="FFFFFF"/>
+                </a:solidFill>
+                <a:latin typeface="Lucida Console"/>
+                <a:cs typeface="Lucida Console"/>
+              </a:rPr>
+              <a:t>Delta compression </a:t>
+            </a:r>
+            <a:r>
+              <a:rPr lang="fr-FR" sz="1600" dirty="0" err="1">
+                <a:solidFill>
+                  <a:srgbClr val="FFFFFF"/>
+                </a:solidFill>
+                <a:latin typeface="Lucida Console"/>
+                <a:cs typeface="Lucida Console"/>
+              </a:rPr>
+              <a:t>using</a:t>
+            </a:r>
+            <a:r>
+              <a:rPr lang="fr-FR" sz="1600" dirty="0">
+                <a:solidFill>
+                  <a:srgbClr val="FFFFFF"/>
+                </a:solidFill>
+                <a:latin typeface="Lucida Console"/>
+                <a:cs typeface="Lucida Console"/>
+              </a:rPr>
+              <a:t> up to 4 threads.</a:t>
+            </a:r>
+          </a:p>
+          <a:p>
+            <a:r>
+              <a:rPr lang="fr-FR" sz="1600" dirty="0" err="1">
+                <a:solidFill>
+                  <a:srgbClr val="FFFFFF"/>
+                </a:solidFill>
+                <a:latin typeface="Lucida Console"/>
+                <a:cs typeface="Lucida Console"/>
+              </a:rPr>
+              <a:t>Compressing</a:t>
+            </a:r>
+            <a:r>
+              <a:rPr lang="fr-FR" sz="1600" dirty="0">
+                <a:solidFill>
+                  <a:srgbClr val="FFFFFF"/>
+                </a:solidFill>
+                <a:latin typeface="Lucida Console"/>
+                <a:cs typeface="Lucida Console"/>
+              </a:rPr>
+              <a:t> </a:t>
+            </a:r>
+            <a:r>
+              <a:rPr lang="fr-FR" sz="1600" dirty="0" err="1">
+                <a:solidFill>
+                  <a:srgbClr val="FFFFFF"/>
+                </a:solidFill>
+                <a:latin typeface="Lucida Console"/>
+                <a:cs typeface="Lucida Console"/>
+              </a:rPr>
+              <a:t>objects</a:t>
+            </a:r>
+            <a:r>
+              <a:rPr lang="fr-FR" sz="1600" dirty="0">
+                <a:solidFill>
+                  <a:srgbClr val="FFFFFF"/>
+                </a:solidFill>
+                <a:latin typeface="Lucida Console"/>
+                <a:cs typeface="Lucida Console"/>
+              </a:rPr>
+              <a:t>: 100% (9/9), </a:t>
+            </a:r>
+            <a:r>
+              <a:rPr lang="fr-FR" sz="1600" dirty="0" err="1">
+                <a:solidFill>
+                  <a:srgbClr val="FFFFFF"/>
+                </a:solidFill>
+                <a:latin typeface="Lucida Console"/>
+                <a:cs typeface="Lucida Console"/>
+              </a:rPr>
+              <a:t>done</a:t>
+            </a:r>
+            <a:r>
+              <a:rPr lang="fr-FR" sz="1600" dirty="0">
+                <a:solidFill>
+                  <a:srgbClr val="FFFFFF"/>
+                </a:solidFill>
+                <a:latin typeface="Lucida Console"/>
+                <a:cs typeface="Lucida Console"/>
+              </a:rPr>
+              <a:t>.</a:t>
+            </a:r>
+          </a:p>
+          <a:p>
+            <a:r>
+              <a:rPr lang="fr-FR" sz="1600" dirty="0" err="1">
+                <a:solidFill>
+                  <a:srgbClr val="FFFFFF"/>
+                </a:solidFill>
+                <a:latin typeface="Lucida Console"/>
+                <a:cs typeface="Lucida Console"/>
+              </a:rPr>
+              <a:t>Writing</a:t>
+            </a:r>
+            <a:r>
+              <a:rPr lang="fr-FR" sz="1600" dirty="0">
+                <a:solidFill>
+                  <a:srgbClr val="FFFFFF"/>
+                </a:solidFill>
+                <a:latin typeface="Lucida Console"/>
+                <a:cs typeface="Lucida Console"/>
+              </a:rPr>
+              <a:t> </a:t>
+            </a:r>
+            <a:r>
+              <a:rPr lang="fr-FR" sz="1600" dirty="0" err="1">
+                <a:solidFill>
+                  <a:srgbClr val="FFFFFF"/>
+                </a:solidFill>
+                <a:latin typeface="Lucida Console"/>
+                <a:cs typeface="Lucida Console"/>
+              </a:rPr>
+              <a:t>objects</a:t>
+            </a:r>
+            <a:r>
+              <a:rPr lang="fr-FR" sz="1600" dirty="0">
+                <a:solidFill>
+                  <a:srgbClr val="FFFFFF"/>
+                </a:solidFill>
+                <a:latin typeface="Lucida Console"/>
+                <a:cs typeface="Lucida Console"/>
+              </a:rPr>
+              <a:t>: 100% (12/12), 1.14 </a:t>
+            </a:r>
+            <a:r>
+              <a:rPr lang="fr-FR" sz="1600" dirty="0" err="1">
+                <a:solidFill>
+                  <a:srgbClr val="FFFFFF"/>
+                </a:solidFill>
+                <a:latin typeface="Lucida Console"/>
+                <a:cs typeface="Lucida Console"/>
+              </a:rPr>
+              <a:t>KiB</a:t>
+            </a:r>
+            <a:r>
+              <a:rPr lang="fr-FR" sz="1600" dirty="0">
+                <a:solidFill>
+                  <a:srgbClr val="FFFFFF"/>
+                </a:solidFill>
+                <a:latin typeface="Lucida Console"/>
+                <a:cs typeface="Lucida Console"/>
+              </a:rPr>
+              <a:t> | 0 bytes/s, </a:t>
+            </a:r>
+            <a:r>
+              <a:rPr lang="fr-FR" sz="1600" dirty="0" err="1">
+                <a:solidFill>
+                  <a:srgbClr val="FFFFFF"/>
+                </a:solidFill>
+                <a:latin typeface="Lucida Console"/>
+                <a:cs typeface="Lucida Console"/>
+              </a:rPr>
+              <a:t>done</a:t>
+            </a:r>
+            <a:r>
+              <a:rPr lang="fr-FR" sz="1600" dirty="0">
+                <a:solidFill>
+                  <a:srgbClr val="FFFFFF"/>
+                </a:solidFill>
+                <a:latin typeface="Lucida Console"/>
+                <a:cs typeface="Lucida Console"/>
+              </a:rPr>
+              <a:t>.</a:t>
+            </a:r>
+          </a:p>
+          <a:p>
+            <a:r>
+              <a:rPr lang="fr-FR" sz="1600" dirty="0">
+                <a:solidFill>
+                  <a:srgbClr val="FFFFFF"/>
+                </a:solidFill>
+                <a:latin typeface="Lucida Console"/>
+                <a:cs typeface="Lucida Console"/>
+              </a:rPr>
+              <a:t>Total 12 (delta 0), </a:t>
+            </a:r>
+            <a:r>
+              <a:rPr lang="fr-FR" sz="1600" dirty="0" err="1">
+                <a:solidFill>
+                  <a:srgbClr val="FFFFFF"/>
+                </a:solidFill>
+                <a:latin typeface="Lucida Console"/>
+                <a:cs typeface="Lucida Console"/>
+              </a:rPr>
+              <a:t>reused</a:t>
+            </a:r>
+            <a:r>
+              <a:rPr lang="fr-FR" sz="1600" dirty="0">
+                <a:solidFill>
+                  <a:srgbClr val="FFFFFF"/>
+                </a:solidFill>
+                <a:latin typeface="Lucida Console"/>
+                <a:cs typeface="Lucida Console"/>
+              </a:rPr>
+              <a:t> 0 (delta 0)</a:t>
+            </a:r>
+          </a:p>
+          <a:p>
+            <a:r>
+              <a:rPr lang="fr-FR" sz="1600" dirty="0">
+                <a:solidFill>
+                  <a:srgbClr val="FFFFFF"/>
+                </a:solidFill>
+                <a:latin typeface="Lucida Console"/>
+                <a:cs typeface="Lucida Console"/>
+              </a:rPr>
+              <a:t>To http://</a:t>
+            </a:r>
+            <a:r>
+              <a:rPr lang="fr-FR" sz="1600" dirty="0" err="1">
+                <a:solidFill>
+                  <a:srgbClr val="FFFFFF"/>
+                </a:solidFill>
+                <a:latin typeface="Lucida Console"/>
+                <a:cs typeface="Lucida Console"/>
+              </a:rPr>
+              <a:t>serv-gitlab.igbmc.u-strasbg.fr</a:t>
+            </a:r>
+            <a:r>
+              <a:rPr lang="fr-FR" sz="1600" dirty="0">
+                <a:solidFill>
+                  <a:srgbClr val="FFFFFF"/>
+                </a:solidFill>
+                <a:latin typeface="Lucida Console"/>
+                <a:cs typeface="Lucida Console"/>
+              </a:rPr>
+              <a:t>/training/burgers-</a:t>
+            </a:r>
+            <a:r>
+              <a:rPr lang="fr-FR" sz="1600" dirty="0" err="1">
+                <a:solidFill>
+                  <a:srgbClr val="FFFFFF"/>
+                </a:solidFill>
+                <a:latin typeface="Lucida Console"/>
+                <a:cs typeface="Lucida Console"/>
+              </a:rPr>
+              <a:t>seilerj.git</a:t>
+            </a:r>
+            <a:endParaRPr lang="fr-FR" sz="1600" dirty="0">
+              <a:solidFill>
+                <a:srgbClr val="FFFFFF"/>
+              </a:solidFill>
+              <a:latin typeface="Lucida Console"/>
+              <a:cs typeface="Lucida Console"/>
+            </a:endParaRPr>
+          </a:p>
+          <a:p>
+            <a:r>
+              <a:rPr lang="fr-FR" sz="1600" dirty="0">
+                <a:solidFill>
+                  <a:srgbClr val="FFFFFF"/>
+                </a:solidFill>
+                <a:latin typeface="Lucida Console"/>
+                <a:cs typeface="Lucida Console"/>
+              </a:rPr>
+              <a:t> * [new </a:t>
+            </a:r>
+            <a:r>
+              <a:rPr lang="fr-FR" sz="1600" dirty="0" err="1">
+                <a:solidFill>
+                  <a:srgbClr val="FFFFFF"/>
+                </a:solidFill>
+                <a:latin typeface="Lucida Console"/>
+                <a:cs typeface="Lucida Console"/>
+              </a:rPr>
+              <a:t>branch</a:t>
+            </a:r>
+            <a:r>
+              <a:rPr lang="fr-FR" sz="1600" dirty="0">
+                <a:solidFill>
+                  <a:srgbClr val="FFFFFF"/>
+                </a:solidFill>
+                <a:latin typeface="Lucida Console"/>
+                <a:cs typeface="Lucida Console"/>
+              </a:rPr>
+              <a:t>]      master -&gt; master</a:t>
+            </a:r>
+          </a:p>
+          <a:p>
+            <a:r>
+              <a:rPr lang="fr-FR" sz="1600" dirty="0" err="1">
+                <a:solidFill>
+                  <a:srgbClr val="FFFFFF"/>
+                </a:solidFill>
+                <a:latin typeface="Lucida Console"/>
+                <a:cs typeface="Lucida Console"/>
+              </a:rPr>
+              <a:t>Branch</a:t>
+            </a:r>
+            <a:r>
+              <a:rPr lang="fr-FR" sz="1600" dirty="0">
+                <a:solidFill>
+                  <a:srgbClr val="FFFFFF"/>
+                </a:solidFill>
+                <a:latin typeface="Lucida Console"/>
+                <a:cs typeface="Lucida Console"/>
+              </a:rPr>
+              <a:t> master set up to </a:t>
+            </a:r>
+            <a:r>
+              <a:rPr lang="fr-FR" sz="1600" dirty="0" err="1">
+                <a:solidFill>
+                  <a:srgbClr val="FFFFFF"/>
+                </a:solidFill>
+                <a:latin typeface="Lucida Console"/>
+                <a:cs typeface="Lucida Console"/>
+              </a:rPr>
+              <a:t>track</a:t>
+            </a:r>
+            <a:r>
+              <a:rPr lang="fr-FR" sz="1600" dirty="0">
+                <a:solidFill>
+                  <a:srgbClr val="FFFFFF"/>
+                </a:solidFill>
+                <a:latin typeface="Lucida Console"/>
+                <a:cs typeface="Lucida Console"/>
+              </a:rPr>
+              <a:t> </a:t>
+            </a:r>
+            <a:r>
+              <a:rPr lang="fr-FR" sz="1600" dirty="0" err="1">
+                <a:solidFill>
+                  <a:srgbClr val="FFFFFF"/>
+                </a:solidFill>
+                <a:latin typeface="Lucida Console"/>
+                <a:cs typeface="Lucida Console"/>
+              </a:rPr>
+              <a:t>remote</a:t>
+            </a:r>
+            <a:r>
+              <a:rPr lang="fr-FR" sz="1600" dirty="0">
+                <a:solidFill>
+                  <a:srgbClr val="FFFFFF"/>
+                </a:solidFill>
+                <a:latin typeface="Lucida Console"/>
+                <a:cs typeface="Lucida Console"/>
+              </a:rPr>
+              <a:t> </a:t>
+            </a:r>
+            <a:r>
+              <a:rPr lang="fr-FR" sz="1600" dirty="0" err="1">
+                <a:solidFill>
+                  <a:srgbClr val="FFFFFF"/>
+                </a:solidFill>
+                <a:latin typeface="Lucida Console"/>
+                <a:cs typeface="Lucida Console"/>
+              </a:rPr>
+              <a:t>branch</a:t>
+            </a:r>
+            <a:r>
+              <a:rPr lang="fr-FR" sz="1600" dirty="0">
+                <a:solidFill>
+                  <a:srgbClr val="FFFFFF"/>
+                </a:solidFill>
+                <a:latin typeface="Lucida Console"/>
+                <a:cs typeface="Lucida Console"/>
+              </a:rPr>
+              <a:t> master </a:t>
+            </a:r>
+            <a:r>
+              <a:rPr lang="fr-FR" sz="1600" dirty="0" err="1">
+                <a:solidFill>
+                  <a:srgbClr val="FFFFFF"/>
+                </a:solidFill>
+                <a:latin typeface="Lucida Console"/>
+                <a:cs typeface="Lucida Console"/>
+              </a:rPr>
+              <a:t>from</a:t>
+            </a:r>
+            <a:r>
+              <a:rPr lang="fr-FR" sz="1600" dirty="0">
+                <a:solidFill>
+                  <a:srgbClr val="FFFFFF"/>
+                </a:solidFill>
+                <a:latin typeface="Lucida Console"/>
+                <a:cs typeface="Lucida Console"/>
+              </a:rPr>
+              <a:t> </a:t>
+            </a:r>
+            <a:r>
+              <a:rPr lang="fr-FR" sz="1600" dirty="0" err="1">
+                <a:solidFill>
+                  <a:srgbClr val="FFFFFF"/>
+                </a:solidFill>
+                <a:latin typeface="Lucida Console"/>
+                <a:cs typeface="Lucida Console"/>
+              </a:rPr>
+              <a:t>origin</a:t>
+            </a:r>
+            <a:r>
+              <a:rPr lang="fr-FR" sz="1600" dirty="0">
+                <a:solidFill>
+                  <a:srgbClr val="FFFFFF"/>
+                </a:solidFill>
+                <a:latin typeface="Lucida Console"/>
+                <a:cs typeface="Lucida Console"/>
+              </a:rPr>
+              <a:t>.</a:t>
+            </a:r>
+          </a:p>
+        </p:txBody>
+      </p:sp>
+      <p:sp>
+        <p:nvSpPr>
+          <p:cNvPr id="4" name="ZoneTexte 3"/>
+          <p:cNvSpPr txBox="1"/>
+          <p:nvPr/>
+        </p:nvSpPr>
+        <p:spPr>
+          <a:xfrm>
+            <a:off x="457200" y="5916233"/>
+            <a:ext cx="5363405" cy="369332"/>
+          </a:xfrm>
+          <a:prstGeom prst="rect">
+            <a:avLst/>
+          </a:prstGeom>
+          <a:noFill/>
+        </p:spPr>
+        <p:txBody>
+          <a:bodyPr wrap="none" rtlCol="0">
+            <a:spAutoFit/>
+          </a:bodyPr>
+          <a:lstStyle/>
+          <a:p>
+            <a:r>
+              <a:rPr lang="fr-FR" dirty="0"/>
+              <a:t>Vous pouvez également « </a:t>
+            </a:r>
+            <a:r>
+              <a:rPr lang="fr-FR" dirty="0" err="1"/>
+              <a:t>pusher</a:t>
+            </a:r>
+            <a:r>
+              <a:rPr lang="fr-FR" dirty="0"/>
+              <a:t> » votre branche bio…</a:t>
+            </a:r>
+          </a:p>
+        </p:txBody>
+      </p:sp>
+    </p:spTree>
+    <p:extLst>
+      <p:ext uri="{BB962C8B-B14F-4D97-AF65-F5344CB8AC3E}">
+        <p14:creationId xmlns:p14="http://schemas.microsoft.com/office/powerpoint/2010/main" val="2163629262"/>
+      </p:ext>
+    </p:extLst>
+  </p:cSld>
+  <p:clrMapOvr>
+    <a:masterClrMapping/>
+  </p:clrMapOvr>
+</p:sld>
+</file>
+
+<file path=ppt/slides/slide34.xml><?xml version="1.0" encoding="utf-8"?>
+<p:sld xmlns:a="http://schemas.openxmlformats.org/drawingml/2006/main" xmlns:r="http://schemas.openxmlformats.org/officeDocument/2006/relationships" xmlns:p="http://schemas.openxmlformats.org/presentationml/2006/main">
+  <p:cSld>
+    <p:spTree>
+      <p:nvGrpSpPr>
+        <p:cNvPr id="1" name=""/>
+        <p:cNvGrpSpPr/>
+        <p:nvPr/>
+      </p:nvGrpSpPr>
+      <p:grpSpPr>
+        <a:xfrm>
+          <a:off x="0" y="0"/>
+          <a:ext cx="0" cy="0"/>
+          <a:chOff x="0" y="0"/>
+          <a:chExt cx="0" cy="0"/>
+        </a:xfrm>
+      </p:grpSpPr>
+      <p:sp>
+        <p:nvSpPr>
+          <p:cNvPr id="2" name="Titre 1"/>
+          <p:cNvSpPr>
+            <a:spLocks noGrp="1"/>
+          </p:cNvSpPr>
+          <p:nvPr>
+            <p:ph type="title"/>
+          </p:nvPr>
+        </p:nvSpPr>
+        <p:spPr/>
+        <p:txBody>
+          <a:bodyPr>
+            <a:normAutofit/>
+          </a:bodyPr>
+          <a:lstStyle/>
+          <a:p>
+            <a:pPr marL="0" indent="0"/>
+            <a:r>
+              <a:rPr lang="fr-FR" b="1" dirty="0"/>
+              <a:t>Consultez votre dépôt </a:t>
+            </a:r>
+            <a:r>
+              <a:rPr lang="fr-FR" dirty="0"/>
+              <a:t>via </a:t>
+            </a:r>
+            <a:r>
+              <a:rPr lang="fr-FR" dirty="0" err="1"/>
+              <a:t>github</a:t>
+            </a:r>
+            <a:endParaRPr lang="fr-FR" dirty="0"/>
+          </a:p>
+        </p:txBody>
+      </p:sp>
+      <p:pic>
+        <p:nvPicPr>
+          <p:cNvPr id="4" name="Image 3">
+            <a:extLst>
+              <a:ext uri="{FF2B5EF4-FFF2-40B4-BE49-F238E27FC236}">
+                <a16:creationId xmlns:a16="http://schemas.microsoft.com/office/drawing/2014/main" id="{E76A3814-EED4-409A-9111-A846C1BE303F}"/>
+              </a:ext>
+            </a:extLst>
+          </p:cNvPr>
+          <p:cNvPicPr>
+            <a:picLocks noChangeAspect="1"/>
+          </p:cNvPicPr>
+          <p:nvPr/>
+        </p:nvPicPr>
+        <p:blipFill>
+          <a:blip r:embed="rId2"/>
+          <a:stretch>
+            <a:fillRect/>
+          </a:stretch>
+        </p:blipFill>
+        <p:spPr>
+          <a:xfrm>
+            <a:off x="701040" y="1828800"/>
+            <a:ext cx="7741920" cy="4354830"/>
+          </a:xfrm>
+          <a:prstGeom prst="rect">
+            <a:avLst/>
+          </a:prstGeom>
+        </p:spPr>
+      </p:pic>
+    </p:spTree>
+    <p:extLst>
+      <p:ext uri="{BB962C8B-B14F-4D97-AF65-F5344CB8AC3E}">
+        <p14:creationId xmlns:p14="http://schemas.microsoft.com/office/powerpoint/2010/main" val="401370431"/>
+      </p:ext>
+    </p:extLst>
+  </p:cSld>
+  <p:clrMapOvr>
+    <a:masterClrMapping/>
+  </p:clrMapOvr>
+</p:sld>
+</file>
+
 <file path=ppt/slides/slide35.xml><?xml version="1.0" encoding="utf-8"?>
 <p:sld xmlns:a="http://schemas.openxmlformats.org/drawingml/2006/main" xmlns:r="http://schemas.openxmlformats.org/officeDocument/2006/relationships" xmlns:p="http://schemas.openxmlformats.org/presentationml/2006/main">
   <p:cSld>
@@ -11639,56 +11206,17 @@
           <a:lstStyle/>
           <a:p>
             <a:r>
+              <a:rPr lang="fr-FR" b="1" dirty="0"/>
+              <a:t>Cloner </a:t>
+            </a:r>
+            <a:r>
               <a:rPr lang="fr-FR" dirty="0"/>
-              <a:t>Travailler à </a:t>
-            </a:r>
-            <a:r>
-              <a:rPr lang="fr-FR" b="1" dirty="0"/>
-              <a:t>plusieurs</a:t>
-            </a:r>
-          </a:p>
-        </p:txBody>
-      </p:sp>
-      <p:pic>
-        <p:nvPicPr>
-          <p:cNvPr id="5" name="Image 4" descr="logo_iut.gif"/>
-          <p:cNvPicPr>
-            <a:picLocks noChangeAspect="1"/>
-          </p:cNvPicPr>
-          <p:nvPr/>
-        </p:nvPicPr>
-        <p:blipFill>
-          <a:blip r:embed="rId2">
-            <a:clrChange>
-              <a:clrFrom>
-                <a:srgbClr val="FFFFFF"/>
-              </a:clrFrom>
-              <a:clrTo>
-                <a:srgbClr val="FFFFFF">
-                  <a:alpha val="0"/>
-                </a:srgbClr>
-              </a:clrTo>
-            </a:clrChange>
-            <a:extLst>
-              <a:ext uri="{28A0092B-C50C-407E-A947-70E740481C1C}">
-                <a14:useLocalDpi xmlns:a14="http://schemas.microsoft.com/office/drawing/2010/main" val="0"/>
-              </a:ext>
-            </a:extLst>
-          </a:blip>
-          <a:stretch>
-            <a:fillRect/>
-          </a:stretch>
-        </p:blipFill>
-        <p:spPr>
-          <a:xfrm>
-            <a:off x="7749317" y="6052674"/>
-            <a:ext cx="1119928" cy="609581"/>
-          </a:xfrm>
-          <a:prstGeom prst="rect">
-            <a:avLst/>
-          </a:prstGeom>
-        </p:spPr>
-      </p:pic>
+              <a:t>un dépôt</a:t>
+            </a:r>
+            <a:endParaRPr lang="fr-FR" b="1" dirty="0"/>
+          </a:p>
+        </p:txBody>
+      </p:sp>
       <p:sp>
         <p:nvSpPr>
           <p:cNvPr id="3" name="Espace réservé du contenu 2"/>
@@ -11707,7 +11235,7 @@
         </p:spPr>
         <p:txBody>
           <a:bodyPr>
-            <a:normAutofit/>
+            <a:normAutofit fontScale="77500" lnSpcReduction="20000"/>
           </a:bodyPr>
           <a:lstStyle/>
           <a:p>
@@ -11716,7 +11244,7 @@
             </a:pPr>
             <a:r>
               <a:rPr lang="fr-FR" b="1" dirty="0"/>
-              <a:t>Déclarer serveur distant</a:t>
+              <a:t>Créer une copie locale du dépôt de votre voisin</a:t>
             </a:r>
           </a:p>
           <a:p>
@@ -11725,48 +11253,34 @@
             </a:pPr>
             <a:r>
               <a:rPr lang="fr-FR" dirty="0"/>
-              <a:t>Déclarez le serveur </a:t>
-            </a:r>
-            <a:r>
-              <a:rPr lang="fr-FR" dirty="0" err="1"/>
-              <a:t>github</a:t>
-            </a:r>
-            <a:r>
-              <a:rPr lang="fr-FR" dirty="0"/>
-              <a:t> dans votre dépôt local avec la commande </a:t>
-            </a:r>
+              <a:t>Placez-vous dans un dossier en dehors de votre dépôt et utilisez la commande</a:t>
+            </a:r>
+          </a:p>
+          <a:p>
+            <a:pPr marL="0" indent="0">
+              <a:buNone/>
+            </a:pPr>
             <a:r>
               <a:rPr lang="fr-FR" b="1" dirty="0">
                 <a:latin typeface="Lucida Console"/>
                 <a:cs typeface="Lucida Console"/>
               </a:rPr>
-              <a:t>git </a:t>
+              <a:t>git clone &lt;</a:t>
             </a:r>
             <a:r>
               <a:rPr lang="fr-FR" b="1" dirty="0" err="1">
                 <a:latin typeface="Lucida Console"/>
                 <a:cs typeface="Lucida Console"/>
               </a:rPr>
-              <a:t>remote</a:t>
+              <a:t>addresse</a:t>
             </a:r>
             <a:r>
               <a:rPr lang="fr-FR" b="1" dirty="0">
                 <a:latin typeface="Lucida Console"/>
                 <a:cs typeface="Lucida Console"/>
               </a:rPr>
-              <a:t> </a:t>
-            </a:r>
-            <a:r>
-              <a:rPr lang="fr-FR" b="1" dirty="0" err="1">
-                <a:latin typeface="Lucida Console"/>
-                <a:cs typeface="Lucida Console"/>
-              </a:rPr>
-              <a:t>add</a:t>
-            </a:r>
-            <a:endParaRPr lang="fr-FR" b="1" dirty="0">
-              <a:latin typeface="Lucida Console"/>
-              <a:cs typeface="Lucida Console"/>
-            </a:endParaRPr>
+              <a:t> du dépôt de votre voisin&gt;</a:t>
+            </a:r>
           </a:p>
         </p:txBody>
       </p:sp>
@@ -11778,8 +11292,8 @@
         </p:nvSpPr>
         <p:spPr>
           <a:xfrm>
-            <a:off x="457200" y="3537523"/>
-            <a:ext cx="8229600" cy="2293558"/>
+            <a:off x="457200" y="3408325"/>
+            <a:ext cx="8229600" cy="3180887"/>
           </a:xfrm>
           <a:prstGeom prst="rect">
             <a:avLst/>
@@ -11797,17 +11311,90 @@
             <a:r>
               <a:rPr lang="fr-FR" sz="1400" dirty="0">
                 <a:solidFill>
-                  <a:schemeClr val="bg1"/>
-                </a:solidFill>
-                <a:latin typeface="Lucida Console"/>
-                <a:cs typeface="Lucida Console"/>
-              </a:rPr>
-              <a:t>$ git </a:t>
+                  <a:srgbClr val="FFFFFF"/>
+                </a:solidFill>
+                <a:latin typeface="Lucida Console"/>
+                <a:cs typeface="Lucida Console"/>
+              </a:rPr>
+              <a:t>$ cd /</a:t>
             </a:r>
             <a:r>
               <a:rPr lang="fr-FR" sz="1400" dirty="0" err="1">
                 <a:solidFill>
-                  <a:schemeClr val="bg1"/>
+                  <a:srgbClr val="FFFFFF"/>
+                </a:solidFill>
+                <a:latin typeface="Lucida Console"/>
+                <a:cs typeface="Lucida Console"/>
+              </a:rPr>
+              <a:t>tmp</a:t>
+            </a:r>
+            <a:endParaRPr lang="fr-FR" sz="1400" dirty="0">
+              <a:solidFill>
+                <a:srgbClr val="FFFFFF"/>
+              </a:solidFill>
+              <a:latin typeface="Lucida Console"/>
+              <a:cs typeface="Lucida Console"/>
+            </a:endParaRPr>
+          </a:p>
+          <a:p>
+            <a:r>
+              <a:rPr lang="fr-FR" sz="1400" dirty="0">
+                <a:solidFill>
+                  <a:srgbClr val="FFFFFF"/>
+                </a:solidFill>
+                <a:latin typeface="Lucida Console"/>
+                <a:cs typeface="Lucida Console"/>
+              </a:rPr>
+              <a:t>$ git clone http://github.com/your_login/burgers-toto.git</a:t>
+            </a:r>
+          </a:p>
+          <a:p>
+            <a:r>
+              <a:rPr lang="fr-FR" sz="1400" dirty="0" err="1">
+                <a:solidFill>
+                  <a:srgbClr val="FFFFFF"/>
+                </a:solidFill>
+                <a:latin typeface="Lucida Console"/>
+                <a:cs typeface="Lucida Console"/>
+              </a:rPr>
+              <a:t>Cloning</a:t>
+            </a:r>
+            <a:r>
+              <a:rPr lang="fr-FR" sz="1400" dirty="0">
+                <a:solidFill>
+                  <a:srgbClr val="FFFFFF"/>
+                </a:solidFill>
+                <a:latin typeface="Lucida Console"/>
+                <a:cs typeface="Lucida Console"/>
+              </a:rPr>
+              <a:t> </a:t>
+            </a:r>
+            <a:r>
+              <a:rPr lang="fr-FR" sz="1400" dirty="0" err="1">
+                <a:solidFill>
+                  <a:srgbClr val="FFFFFF"/>
+                </a:solidFill>
+                <a:latin typeface="Lucida Console"/>
+                <a:cs typeface="Lucida Console"/>
+              </a:rPr>
+              <a:t>into</a:t>
+            </a:r>
+            <a:r>
+              <a:rPr lang="fr-FR" sz="1400" dirty="0">
+                <a:solidFill>
+                  <a:srgbClr val="FFFFFF"/>
+                </a:solidFill>
+                <a:latin typeface="Lucida Console"/>
+                <a:cs typeface="Lucida Console"/>
+              </a:rPr>
+              <a:t> 'burgers-toto'...</a:t>
+            </a:r>
+          </a:p>
+          <a:p>
+            <a:r>
+              <a:rPr lang="fr-FR" sz="1400" dirty="0" err="1">
+                <a:solidFill>
+                  <a:srgbClr val="FFFFFF"/>
                 </a:solidFill>
                 <a:latin typeface="Lucida Console"/>
                 <a:cs typeface="Lucida Console"/>
@@ -11817,7 +11404,27 @@
             <a:r>
               <a:rPr lang="fr-FR" sz="1400" dirty="0">
                 <a:solidFill>
-                  <a:schemeClr val="bg1"/>
+                  <a:srgbClr val="FFFFFF"/>
+                </a:solidFill>
+                <a:latin typeface="Lucida Console"/>
+                <a:cs typeface="Lucida Console"/>
+              </a:rPr>
+              <a:t>: </a:t>
+            </a:r>
+            <a:r>
+              <a:rPr lang="fr-FR" sz="1400" dirty="0" err="1">
+                <a:solidFill>
+                  <a:srgbClr val="FFFFFF"/>
+                </a:solidFill>
+                <a:latin typeface="Lucida Console"/>
+                <a:cs typeface="Lucida Console"/>
+              </a:rPr>
+              <a:t>Counting</a:t>
+            </a:r>
+            <a:r>
+              <a:rPr lang="fr-FR" sz="1400" dirty="0">
+                <a:solidFill>
+                  <a:srgbClr val="FFFFFF"/>
                 </a:solidFill>
                 <a:latin typeface="Lucida Console"/>
                 <a:cs typeface="Lucida Console"/>
@@ -11827,17 +11434,79 @@
             <a:r>
               <a:rPr lang="fr-FR" sz="1400" dirty="0" err="1">
                 <a:solidFill>
-                  <a:schemeClr val="bg1"/>
-                </a:solidFill>
-                <a:latin typeface="Lucida Console"/>
-                <a:cs typeface="Lucida Console"/>
-              </a:rPr>
-              <a:t>add</a:t>
+                  <a:srgbClr val="FFFFFF"/>
+                </a:solidFill>
+                <a:latin typeface="Lucida Console"/>
+                <a:cs typeface="Lucida Console"/>
+              </a:rPr>
+              <a:t>objects</a:t>
             </a:r>
             <a:r>
               <a:rPr lang="fr-FR" sz="1400" dirty="0">
                 <a:solidFill>
-                  <a:schemeClr val="bg1"/>
+                  <a:srgbClr val="FFFFFF"/>
+                </a:solidFill>
+                <a:latin typeface="Lucida Console"/>
+                <a:cs typeface="Lucida Console"/>
+              </a:rPr>
+              <a:t>: 12, </a:t>
+            </a:r>
+            <a:r>
+              <a:rPr lang="fr-FR" sz="1400" dirty="0" err="1">
+                <a:solidFill>
+                  <a:srgbClr val="FFFFFF"/>
+                </a:solidFill>
+                <a:latin typeface="Lucida Console"/>
+                <a:cs typeface="Lucida Console"/>
+              </a:rPr>
+              <a:t>done</a:t>
+            </a:r>
+            <a:r>
+              <a:rPr lang="fr-FR" sz="1400" dirty="0">
+                <a:solidFill>
+                  <a:srgbClr val="FFFFFF"/>
+                </a:solidFill>
+                <a:latin typeface="Lucida Console"/>
+                <a:cs typeface="Lucida Console"/>
+              </a:rPr>
+              <a:t>.</a:t>
+            </a:r>
+          </a:p>
+          <a:p>
+            <a:r>
+              <a:rPr lang="fr-FR" sz="1400" dirty="0" err="1">
+                <a:solidFill>
+                  <a:srgbClr val="FFFFFF"/>
+                </a:solidFill>
+                <a:latin typeface="Lucida Console"/>
+                <a:cs typeface="Lucida Console"/>
+              </a:rPr>
+              <a:t>remote</a:t>
+            </a:r>
+            <a:r>
+              <a:rPr lang="fr-FR" sz="1400" dirty="0">
+                <a:solidFill>
+                  <a:srgbClr val="FFFFFF"/>
+                </a:solidFill>
+                <a:latin typeface="Lucida Console"/>
+                <a:cs typeface="Lucida Console"/>
+              </a:rPr>
+              <a:t>: </a:t>
+            </a:r>
+            <a:r>
+              <a:rPr lang="fr-FR" sz="1400" dirty="0" err="1">
+                <a:solidFill>
+                  <a:srgbClr val="FFFFFF"/>
+                </a:solidFill>
+                <a:latin typeface="Lucida Console"/>
+                <a:cs typeface="Lucida Console"/>
+              </a:rPr>
+              <a:t>Compressing</a:t>
+            </a:r>
+            <a:r>
+              <a:rPr lang="fr-FR" sz="1400" dirty="0">
+                <a:solidFill>
+                  <a:srgbClr val="FFFFFF"/>
                 </a:solidFill>
                 <a:latin typeface="Lucida Console"/>
                 <a:cs typeface="Lucida Console"/>
@@ -11847,22 +11516,208 @@
             <a:r>
               <a:rPr lang="fr-FR" sz="1400" dirty="0" err="1">
                 <a:solidFill>
-                  <a:schemeClr val="bg1"/>
-                </a:solidFill>
-                <a:latin typeface="Lucida Console"/>
-                <a:cs typeface="Lucida Console"/>
-              </a:rPr>
-              <a:t>origin</a:t>
+                  <a:srgbClr val="FFFFFF"/>
+                </a:solidFill>
+                <a:latin typeface="Lucida Console"/>
+                <a:cs typeface="Lucida Console"/>
+              </a:rPr>
+              <a:t>objects</a:t>
             </a:r>
             <a:r>
               <a:rPr lang="fr-FR" sz="1400" dirty="0">
                 <a:solidFill>
-                  <a:schemeClr val="bg1"/>
-                </a:solidFill>
-                <a:latin typeface="Lucida Console"/>
-                <a:cs typeface="Lucida Console"/>
-              </a:rPr>
-              <a:t> http://github.com/your_login/burgers-berrada.git</a:t>
+                  <a:srgbClr val="FFFFFF"/>
+                </a:solidFill>
+                <a:latin typeface="Lucida Console"/>
+                <a:cs typeface="Lucida Console"/>
+              </a:rPr>
+              <a:t>: 100% (9/9), </a:t>
+            </a:r>
+            <a:r>
+              <a:rPr lang="fr-FR" sz="1400" dirty="0" err="1">
+                <a:solidFill>
+                  <a:srgbClr val="FFFFFF"/>
+                </a:solidFill>
+                <a:latin typeface="Lucida Console"/>
+                <a:cs typeface="Lucida Console"/>
+              </a:rPr>
+              <a:t>done</a:t>
+            </a:r>
+            <a:r>
+              <a:rPr lang="fr-FR" sz="1400" dirty="0">
+                <a:solidFill>
+                  <a:srgbClr val="FFFFFF"/>
+                </a:solidFill>
+                <a:latin typeface="Lucida Console"/>
+                <a:cs typeface="Lucida Console"/>
+              </a:rPr>
+              <a:t>.</a:t>
+            </a:r>
+          </a:p>
+          <a:p>
+            <a:r>
+              <a:rPr lang="fr-FR" sz="1400" dirty="0" err="1">
+                <a:solidFill>
+                  <a:srgbClr val="FFFFFF"/>
+                </a:solidFill>
+                <a:latin typeface="Lucida Console"/>
+                <a:cs typeface="Lucida Console"/>
+              </a:rPr>
+              <a:t>remote</a:t>
+            </a:r>
+            <a:r>
+              <a:rPr lang="fr-FR" sz="1400" dirty="0">
+                <a:solidFill>
+                  <a:srgbClr val="FFFFFF"/>
+                </a:solidFill>
+                <a:latin typeface="Lucida Console"/>
+                <a:cs typeface="Lucida Console"/>
+              </a:rPr>
+              <a:t>: Total 12 (delta 0), </a:t>
+            </a:r>
+            <a:r>
+              <a:rPr lang="fr-FR" sz="1400" dirty="0" err="1">
+                <a:solidFill>
+                  <a:srgbClr val="FFFFFF"/>
+                </a:solidFill>
+                <a:latin typeface="Lucida Console"/>
+                <a:cs typeface="Lucida Console"/>
+              </a:rPr>
+              <a:t>reused</a:t>
+            </a:r>
+            <a:r>
+              <a:rPr lang="fr-FR" sz="1400" dirty="0">
+                <a:solidFill>
+                  <a:srgbClr val="FFFFFF"/>
+                </a:solidFill>
+                <a:latin typeface="Lucida Console"/>
+                <a:cs typeface="Lucida Console"/>
+              </a:rPr>
+              <a:t> 0 (delta 0)</a:t>
+            </a:r>
+          </a:p>
+          <a:p>
+            <a:r>
+              <a:rPr lang="fr-FR" sz="1400" dirty="0" err="1">
+                <a:solidFill>
+                  <a:srgbClr val="FFFFFF"/>
+                </a:solidFill>
+                <a:latin typeface="Lucida Console"/>
+                <a:cs typeface="Lucida Console"/>
+              </a:rPr>
+              <a:t>Unpacking</a:t>
+            </a:r>
+            <a:r>
+              <a:rPr lang="fr-FR" sz="1400" dirty="0">
+                <a:solidFill>
+                  <a:srgbClr val="FFFFFF"/>
+                </a:solidFill>
+                <a:latin typeface="Lucida Console"/>
+                <a:cs typeface="Lucida Console"/>
+              </a:rPr>
+              <a:t> </a:t>
+            </a:r>
+            <a:r>
+              <a:rPr lang="fr-FR" sz="1400" dirty="0" err="1">
+                <a:solidFill>
+                  <a:srgbClr val="FFFFFF"/>
+                </a:solidFill>
+                <a:latin typeface="Lucida Console"/>
+                <a:cs typeface="Lucida Console"/>
+              </a:rPr>
+              <a:t>objects</a:t>
+            </a:r>
+            <a:r>
+              <a:rPr lang="fr-FR" sz="1400" dirty="0">
+                <a:solidFill>
+                  <a:srgbClr val="FFFFFF"/>
+                </a:solidFill>
+                <a:latin typeface="Lucida Console"/>
+                <a:cs typeface="Lucida Console"/>
+              </a:rPr>
+              <a:t>: 100% (12/12), </a:t>
+            </a:r>
+            <a:r>
+              <a:rPr lang="fr-FR" sz="1400" dirty="0" err="1">
+                <a:solidFill>
+                  <a:srgbClr val="FFFFFF"/>
+                </a:solidFill>
+                <a:latin typeface="Lucida Console"/>
+                <a:cs typeface="Lucida Console"/>
+              </a:rPr>
+              <a:t>done</a:t>
+            </a:r>
+            <a:r>
+              <a:rPr lang="fr-FR" sz="1400" dirty="0">
+                <a:solidFill>
+                  <a:srgbClr val="FFFFFF"/>
+                </a:solidFill>
+                <a:latin typeface="Lucida Console"/>
+                <a:cs typeface="Lucida Console"/>
+              </a:rPr>
+              <a:t>.</a:t>
+            </a:r>
+          </a:p>
+          <a:p>
+            <a:r>
+              <a:rPr lang="fr-FR" sz="1400" dirty="0" err="1">
+                <a:solidFill>
+                  <a:srgbClr val="FFFFFF"/>
+                </a:solidFill>
+                <a:latin typeface="Lucida Console"/>
+                <a:cs typeface="Lucida Console"/>
+              </a:rPr>
+              <a:t>Checking</a:t>
+            </a:r>
+            <a:r>
+              <a:rPr lang="fr-FR" sz="1400" dirty="0">
+                <a:solidFill>
+                  <a:srgbClr val="FFFFFF"/>
+                </a:solidFill>
+                <a:latin typeface="Lucida Console"/>
+                <a:cs typeface="Lucida Console"/>
+              </a:rPr>
+              <a:t> </a:t>
+            </a:r>
+            <a:r>
+              <a:rPr lang="fr-FR" sz="1400" dirty="0" err="1">
+                <a:solidFill>
+                  <a:srgbClr val="FFFFFF"/>
+                </a:solidFill>
+                <a:latin typeface="Lucida Console"/>
+                <a:cs typeface="Lucida Console"/>
+              </a:rPr>
+              <a:t>connectivity</a:t>
+            </a:r>
+            <a:r>
+              <a:rPr lang="fr-FR" sz="1400" dirty="0">
+                <a:solidFill>
+                  <a:srgbClr val="FFFFFF"/>
+                </a:solidFill>
+                <a:latin typeface="Lucida Console"/>
+                <a:cs typeface="Lucida Console"/>
+              </a:rPr>
+              <a:t>... </a:t>
+            </a:r>
+            <a:r>
+              <a:rPr lang="fr-FR" sz="1400" dirty="0" err="1">
+                <a:solidFill>
+                  <a:srgbClr val="FFFFFF"/>
+                </a:solidFill>
+                <a:latin typeface="Lucida Console"/>
+                <a:cs typeface="Lucida Console"/>
+              </a:rPr>
+              <a:t>done</a:t>
+            </a:r>
+            <a:r>
+              <a:rPr lang="fr-FR" sz="1400" dirty="0">
+                <a:solidFill>
+                  <a:srgbClr val="FFFFFF"/>
+                </a:solidFill>
+                <a:latin typeface="Lucida Console"/>
+                <a:cs typeface="Lucida Console"/>
+              </a:rPr>
+              <a:t>.</a:t>
             </a:r>
           </a:p>
         </p:txBody>
@@ -11870,7 +11725,7 @@
     </p:spTree>
     <p:extLst>
       <p:ext uri="{BB962C8B-B14F-4D97-AF65-F5344CB8AC3E}">
-        <p14:creationId xmlns:p14="http://schemas.microsoft.com/office/powerpoint/2010/main" val="4161535953"/>
+        <p14:creationId xmlns:p14="http://schemas.microsoft.com/office/powerpoint/2010/main" val="2838320801"/>
       </p:ext>
     </p:extLst>
   </p:cSld>
@@ -11910,18 +11765,17 @@
         <p:spPr/>
         <p:txBody>
           <a:bodyPr>
-            <a:noAutofit/>
+            <a:normAutofit/>
           </a:bodyPr>
           <a:lstStyle/>
           <a:p>
-            <a:pPr marL="0" indent="0"/>
-            <a:r>
-              <a:rPr lang="fr-FR" sz="2800" b="1" dirty="0"/>
-              <a:t>Envoyer les révisions </a:t>
-            </a:r>
-            <a:r>
-              <a:rPr lang="fr-FR" sz="2800" dirty="0"/>
-              <a:t>de votre dépôt sur le serveur</a:t>
+            <a:r>
+              <a:rPr lang="fr-FR" dirty="0"/>
+              <a:t>Travailler à </a:t>
+            </a:r>
+            <a:r>
+              <a:rPr lang="fr-FR" b="1" dirty="0"/>
+              <a:t>plusieurs</a:t>
             </a:r>
           </a:p>
         </p:txBody>
@@ -11952,25 +11806,8 @@
               <a:buNone/>
             </a:pPr>
             <a:r>
-              <a:rPr lang="fr-FR" sz="2800" b="1" dirty="0">
-                <a:latin typeface="Lucida Console"/>
-                <a:cs typeface="Lucida Console"/>
-              </a:rPr>
-              <a:t>git push –u </a:t>
-            </a:r>
-            <a:r>
-              <a:rPr lang="fr-FR" sz="2800" b="1" dirty="0" err="1">
-                <a:latin typeface="Lucida Console"/>
-                <a:cs typeface="Lucida Console"/>
-              </a:rPr>
-              <a:t>origin</a:t>
-            </a:r>
-            <a:r>
-              <a:rPr lang="fr-FR" sz="2800" b="1" dirty="0">
-                <a:latin typeface="Lucida Console"/>
-                <a:cs typeface="Lucida Console"/>
-              </a:rPr>
-              <a:t> master</a:t>
+              <a:rPr lang="fr-FR" b="1" dirty="0"/>
+              <a:t>Créer un nouveau burger sur le dépôt de votre voisin et mettez à jour le serveur</a:t>
             </a:r>
           </a:p>
         </p:txBody>
@@ -11983,8 +11820,8 @@
         </p:nvSpPr>
         <p:spPr>
           <a:xfrm>
-            <a:off x="457200" y="2720157"/>
-            <a:ext cx="8229600" cy="3089415"/>
+            <a:off x="457200" y="3408325"/>
+            <a:ext cx="8229600" cy="3180887"/>
           </a:xfrm>
           <a:prstGeom prst="rect">
             <a:avLst/>
@@ -12000,49 +11837,39 @@
           <a:lstStyle/>
           <a:p>
             <a:r>
-              <a:rPr lang="fr-FR" sz="1600" dirty="0">
-                <a:solidFill>
-                  <a:srgbClr val="FFFFFF"/>
-                </a:solidFill>
-                <a:latin typeface="Lucida Console"/>
-                <a:cs typeface="Lucida Console"/>
-              </a:rPr>
-              <a:t>$ git push –u </a:t>
-            </a:r>
-            <a:r>
-              <a:rPr lang="fr-FR" sz="1600" dirty="0" err="1">
-                <a:solidFill>
-                  <a:srgbClr val="FFFFFF"/>
-                </a:solidFill>
-                <a:latin typeface="Lucida Console"/>
-                <a:cs typeface="Lucida Console"/>
-              </a:rPr>
-              <a:t>origin</a:t>
-            </a:r>
-            <a:r>
-              <a:rPr lang="fr-FR" sz="1600" dirty="0">
-                <a:solidFill>
-                  <a:srgbClr val="FFFFFF"/>
-                </a:solidFill>
-                <a:latin typeface="Lucida Console"/>
-                <a:cs typeface="Lucida Console"/>
-              </a:rPr>
-              <a:t> master</a:t>
-            </a:r>
-          </a:p>
-          <a:p>
-            <a:r>
-              <a:rPr lang="fr-FR" sz="1600" dirty="0" err="1">
-                <a:solidFill>
-                  <a:srgbClr val="FFFFFF"/>
-                </a:solidFill>
-                <a:latin typeface="Lucida Console"/>
-                <a:cs typeface="Lucida Console"/>
-              </a:rPr>
-              <a:t>Counting</a:t>
-            </a:r>
-            <a:r>
-              <a:rPr lang="fr-FR" sz="1600" dirty="0">
+              <a:rPr lang="fr-FR" sz="2800" dirty="0">
+                <a:solidFill>
+                  <a:srgbClr val="FFFFFF"/>
+                </a:solidFill>
+                <a:latin typeface="Lucida Console"/>
+                <a:cs typeface="Lucida Console"/>
+              </a:rPr>
+              <a:t>$ cd burgers-voisin</a:t>
+            </a:r>
+          </a:p>
+          <a:p>
+            <a:r>
+              <a:rPr lang="fr-FR" sz="2800" dirty="0">
+                <a:solidFill>
+                  <a:srgbClr val="FFFFFF"/>
+                </a:solidFill>
+                <a:latin typeface="Lucida Console"/>
+                <a:cs typeface="Lucida Console"/>
+              </a:rPr>
+              <a:t>$ git </a:t>
+            </a:r>
+            <a:r>
+              <a:rPr lang="fr-FR" sz="2800" dirty="0" err="1">
+                <a:solidFill>
+                  <a:srgbClr val="FFFFFF"/>
+                </a:solidFill>
+                <a:latin typeface="Lucida Console"/>
+                <a:cs typeface="Lucida Console"/>
+              </a:rPr>
+              <a:t>add</a:t>
+            </a:r>
+            <a:r>
+              <a:rPr lang="fr-FR" sz="2800" dirty="0">
                 <a:solidFill>
                   <a:srgbClr val="FFFFFF"/>
                 </a:solidFill>
@@ -12052,296 +11879,16 @@
               <a:t> </a:t>
             </a:r>
             <a:r>
-              <a:rPr lang="fr-FR" sz="1600" dirty="0" err="1">
-                <a:solidFill>
-                  <a:srgbClr val="FFFFFF"/>
-                </a:solidFill>
-                <a:latin typeface="Lucida Console"/>
-                <a:cs typeface="Lucida Console"/>
-              </a:rPr>
-              <a:t>objects</a:t>
-            </a:r>
-            <a:r>
-              <a:rPr lang="fr-FR" sz="1600" dirty="0">
-                <a:solidFill>
-                  <a:srgbClr val="FFFFFF"/>
-                </a:solidFill>
-                <a:latin typeface="Lucida Console"/>
-                <a:cs typeface="Lucida Console"/>
-              </a:rPr>
-              <a:t>: 12, </a:t>
-            </a:r>
-            <a:r>
-              <a:rPr lang="fr-FR" sz="1600" dirty="0" err="1">
-                <a:solidFill>
-                  <a:srgbClr val="FFFFFF"/>
-                </a:solidFill>
-                <a:latin typeface="Lucida Console"/>
-                <a:cs typeface="Lucida Console"/>
-              </a:rPr>
-              <a:t>done</a:t>
-            </a:r>
-            <a:r>
-              <a:rPr lang="fr-FR" sz="1600" dirty="0">
-                <a:solidFill>
-                  <a:srgbClr val="FFFFFF"/>
-                </a:solidFill>
-                <a:latin typeface="Lucida Console"/>
-                <a:cs typeface="Lucida Console"/>
-              </a:rPr>
-              <a:t>.</a:t>
-            </a:r>
-          </a:p>
-          <a:p>
-            <a:r>
-              <a:rPr lang="fr-FR" sz="1600" dirty="0">
-                <a:solidFill>
-                  <a:srgbClr val="FFFFFF"/>
-                </a:solidFill>
-                <a:latin typeface="Lucida Console"/>
-                <a:cs typeface="Lucida Console"/>
-              </a:rPr>
-              <a:t>Delta compression </a:t>
-            </a:r>
-            <a:r>
-              <a:rPr lang="fr-FR" sz="1600" dirty="0" err="1">
-                <a:solidFill>
-                  <a:srgbClr val="FFFFFF"/>
-                </a:solidFill>
-                <a:latin typeface="Lucida Console"/>
-                <a:cs typeface="Lucida Console"/>
-              </a:rPr>
-              <a:t>using</a:t>
-            </a:r>
-            <a:r>
-              <a:rPr lang="fr-FR" sz="1600" dirty="0">
-                <a:solidFill>
-                  <a:srgbClr val="FFFFFF"/>
-                </a:solidFill>
-                <a:latin typeface="Lucida Console"/>
-                <a:cs typeface="Lucida Console"/>
-              </a:rPr>
-              <a:t> up to 4 threads.</a:t>
-            </a:r>
-          </a:p>
-          <a:p>
-            <a:r>
-              <a:rPr lang="fr-FR" sz="1600" dirty="0" err="1">
-                <a:solidFill>
-                  <a:srgbClr val="FFFFFF"/>
-                </a:solidFill>
-                <a:latin typeface="Lucida Console"/>
-                <a:cs typeface="Lucida Console"/>
-              </a:rPr>
-              <a:t>Compressing</a:t>
-            </a:r>
-            <a:r>
-              <a:rPr lang="fr-FR" sz="1600" dirty="0">
-                <a:solidFill>
-                  <a:srgbClr val="FFFFFF"/>
-                </a:solidFill>
-                <a:latin typeface="Lucida Console"/>
-                <a:cs typeface="Lucida Console"/>
-              </a:rPr>
-              <a:t> </a:t>
-            </a:r>
-            <a:r>
-              <a:rPr lang="fr-FR" sz="1600" dirty="0" err="1">
-                <a:solidFill>
-                  <a:srgbClr val="FFFFFF"/>
-                </a:solidFill>
-                <a:latin typeface="Lucida Console"/>
-                <a:cs typeface="Lucida Console"/>
-              </a:rPr>
-              <a:t>objects</a:t>
-            </a:r>
-            <a:r>
-              <a:rPr lang="fr-FR" sz="1600" dirty="0">
-                <a:solidFill>
-                  <a:srgbClr val="FFFFFF"/>
-                </a:solidFill>
-                <a:latin typeface="Lucida Console"/>
-                <a:cs typeface="Lucida Console"/>
-              </a:rPr>
-              <a:t>: 100% (9/9), </a:t>
-            </a:r>
-            <a:r>
-              <a:rPr lang="fr-FR" sz="1600" dirty="0" err="1">
-                <a:solidFill>
-                  <a:srgbClr val="FFFFFF"/>
-                </a:solidFill>
-                <a:latin typeface="Lucida Console"/>
-                <a:cs typeface="Lucida Console"/>
-              </a:rPr>
-              <a:t>done</a:t>
-            </a:r>
-            <a:r>
-              <a:rPr lang="fr-FR" sz="1600" dirty="0">
-                <a:solidFill>
-                  <a:srgbClr val="FFFFFF"/>
-                </a:solidFill>
-                <a:latin typeface="Lucida Console"/>
-                <a:cs typeface="Lucida Console"/>
-              </a:rPr>
-              <a:t>.</a:t>
-            </a:r>
-          </a:p>
-          <a:p>
-            <a:r>
-              <a:rPr lang="fr-FR" sz="1600" dirty="0" err="1">
-                <a:solidFill>
-                  <a:srgbClr val="FFFFFF"/>
-                </a:solidFill>
-                <a:latin typeface="Lucida Console"/>
-                <a:cs typeface="Lucida Console"/>
-              </a:rPr>
-              <a:t>Writing</a:t>
-            </a:r>
-            <a:r>
-              <a:rPr lang="fr-FR" sz="1600" dirty="0">
-                <a:solidFill>
-                  <a:srgbClr val="FFFFFF"/>
-                </a:solidFill>
-                <a:latin typeface="Lucida Console"/>
-                <a:cs typeface="Lucida Console"/>
-              </a:rPr>
-              <a:t> </a:t>
-            </a:r>
-            <a:r>
-              <a:rPr lang="fr-FR" sz="1600" dirty="0" err="1">
-                <a:solidFill>
-                  <a:srgbClr val="FFFFFF"/>
-                </a:solidFill>
-                <a:latin typeface="Lucida Console"/>
-                <a:cs typeface="Lucida Console"/>
-              </a:rPr>
-              <a:t>objects</a:t>
-            </a:r>
-            <a:r>
-              <a:rPr lang="fr-FR" sz="1600" dirty="0">
-                <a:solidFill>
-                  <a:srgbClr val="FFFFFF"/>
-                </a:solidFill>
-                <a:latin typeface="Lucida Console"/>
-                <a:cs typeface="Lucida Console"/>
-              </a:rPr>
-              <a:t>: 100% (12/12), 1.14 </a:t>
-            </a:r>
-            <a:r>
-              <a:rPr lang="fr-FR" sz="1600" dirty="0" err="1">
-                <a:solidFill>
-                  <a:srgbClr val="FFFFFF"/>
-                </a:solidFill>
-                <a:latin typeface="Lucida Console"/>
-                <a:cs typeface="Lucida Console"/>
-              </a:rPr>
-              <a:t>KiB</a:t>
-            </a:r>
-            <a:r>
-              <a:rPr lang="fr-FR" sz="1600" dirty="0">
-                <a:solidFill>
-                  <a:srgbClr val="FFFFFF"/>
-                </a:solidFill>
-                <a:latin typeface="Lucida Console"/>
-                <a:cs typeface="Lucida Console"/>
-              </a:rPr>
-              <a:t> | 0 bytes/s, </a:t>
-            </a:r>
-            <a:r>
-              <a:rPr lang="fr-FR" sz="1600" dirty="0" err="1">
-                <a:solidFill>
-                  <a:srgbClr val="FFFFFF"/>
-                </a:solidFill>
-                <a:latin typeface="Lucida Console"/>
-                <a:cs typeface="Lucida Console"/>
-              </a:rPr>
-              <a:t>done</a:t>
-            </a:r>
-            <a:r>
-              <a:rPr lang="fr-FR" sz="1600" dirty="0">
-                <a:solidFill>
-                  <a:srgbClr val="FFFFFF"/>
-                </a:solidFill>
-                <a:latin typeface="Lucida Console"/>
-                <a:cs typeface="Lucida Console"/>
-              </a:rPr>
-              <a:t>.</a:t>
-            </a:r>
-          </a:p>
-          <a:p>
-            <a:r>
-              <a:rPr lang="fr-FR" sz="1600" dirty="0">
-                <a:solidFill>
-                  <a:srgbClr val="FFFFFF"/>
-                </a:solidFill>
-                <a:latin typeface="Lucida Console"/>
-                <a:cs typeface="Lucida Console"/>
-              </a:rPr>
-              <a:t>Total 12 (delta 0), </a:t>
-            </a:r>
-            <a:r>
-              <a:rPr lang="fr-FR" sz="1600" dirty="0" err="1">
-                <a:solidFill>
-                  <a:srgbClr val="FFFFFF"/>
-                </a:solidFill>
-                <a:latin typeface="Lucida Console"/>
-                <a:cs typeface="Lucida Console"/>
-              </a:rPr>
-              <a:t>reused</a:t>
-            </a:r>
-            <a:r>
-              <a:rPr lang="fr-FR" sz="1600" dirty="0">
-                <a:solidFill>
-                  <a:srgbClr val="FFFFFF"/>
-                </a:solidFill>
-                <a:latin typeface="Lucida Console"/>
-                <a:cs typeface="Lucida Console"/>
-              </a:rPr>
-              <a:t> 0 (delta 0)</a:t>
-            </a:r>
-          </a:p>
-          <a:p>
-            <a:r>
-              <a:rPr lang="fr-FR" sz="1600" dirty="0">
-                <a:solidFill>
-                  <a:srgbClr val="FFFFFF"/>
-                </a:solidFill>
-                <a:latin typeface="Lucida Console"/>
-                <a:cs typeface="Lucida Console"/>
-              </a:rPr>
-              <a:t>To http://</a:t>
-            </a:r>
-            <a:r>
-              <a:rPr lang="fr-FR" sz="1600" dirty="0" err="1">
-                <a:solidFill>
-                  <a:srgbClr val="FFFFFF"/>
-                </a:solidFill>
-                <a:latin typeface="Lucida Console"/>
-                <a:cs typeface="Lucida Console"/>
-              </a:rPr>
-              <a:t>serv-gitlab.igbmc.u-strasbg.fr</a:t>
-            </a:r>
-            <a:r>
-              <a:rPr lang="fr-FR" sz="1600" dirty="0">
-                <a:solidFill>
-                  <a:srgbClr val="FFFFFF"/>
-                </a:solidFill>
-                <a:latin typeface="Lucida Console"/>
-                <a:cs typeface="Lucida Console"/>
-              </a:rPr>
-              <a:t>/training/burgers-</a:t>
-            </a:r>
-            <a:r>
-              <a:rPr lang="fr-FR" sz="1600" dirty="0" err="1">
-                <a:solidFill>
-                  <a:srgbClr val="FFFFFF"/>
-                </a:solidFill>
-                <a:latin typeface="Lucida Console"/>
-                <a:cs typeface="Lucida Console"/>
-              </a:rPr>
-              <a:t>seilerj.git</a:t>
-            </a:r>
-            <a:endParaRPr lang="fr-FR" sz="1600" dirty="0">
+              <a:rPr lang="fr-FR" sz="2800" dirty="0" err="1">
+                <a:solidFill>
+                  <a:srgbClr val="FFFFFF"/>
+                </a:solidFill>
+                <a:latin typeface="Lucida Console"/>
+                <a:cs typeface="Lucida Console"/>
+              </a:rPr>
+              <a:t>smallburger.txt</a:t>
+            </a:r>
+            <a:endParaRPr lang="fr-FR" sz="2800" dirty="0">
               <a:solidFill>
                 <a:srgbClr val="FFFFFF"/>
               </a:solidFill>
@@ -12351,193 +11898,26 @@
           </a:p>
           <a:p>
             <a:r>
-              <a:rPr lang="fr-FR" sz="1600" dirty="0">
-                <a:solidFill>
-                  <a:srgbClr val="FFFFFF"/>
-                </a:solidFill>
-                <a:latin typeface="Lucida Console"/>
-                <a:cs typeface="Lucida Console"/>
-              </a:rPr>
-              <a:t> * [new </a:t>
-            </a:r>
-            <a:r>
-              <a:rPr lang="fr-FR" sz="1600" dirty="0" err="1">
-                <a:solidFill>
-                  <a:srgbClr val="FFFFFF"/>
-                </a:solidFill>
-                <a:latin typeface="Lucida Console"/>
-                <a:cs typeface="Lucida Console"/>
-              </a:rPr>
-              <a:t>branch</a:t>
-            </a:r>
-            <a:r>
-              <a:rPr lang="fr-FR" sz="1600" dirty="0">
-                <a:solidFill>
-                  <a:srgbClr val="FFFFFF"/>
-                </a:solidFill>
-                <a:latin typeface="Lucida Console"/>
-                <a:cs typeface="Lucida Console"/>
-              </a:rPr>
-              <a:t>]      master -&gt; master</a:t>
-            </a:r>
-          </a:p>
-          <a:p>
-            <a:r>
-              <a:rPr lang="fr-FR" sz="1600" dirty="0" err="1">
-                <a:solidFill>
-                  <a:srgbClr val="FFFFFF"/>
-                </a:solidFill>
-                <a:latin typeface="Lucida Console"/>
-                <a:cs typeface="Lucida Console"/>
-              </a:rPr>
-              <a:t>Branch</a:t>
-            </a:r>
-            <a:r>
-              <a:rPr lang="fr-FR" sz="1600" dirty="0">
-                <a:solidFill>
-                  <a:srgbClr val="FFFFFF"/>
-                </a:solidFill>
-                <a:latin typeface="Lucida Console"/>
-                <a:cs typeface="Lucida Console"/>
-              </a:rPr>
-              <a:t> master set up to </a:t>
-            </a:r>
-            <a:r>
-              <a:rPr lang="fr-FR" sz="1600" dirty="0" err="1">
-                <a:solidFill>
-                  <a:srgbClr val="FFFFFF"/>
-                </a:solidFill>
-                <a:latin typeface="Lucida Console"/>
-                <a:cs typeface="Lucida Console"/>
-              </a:rPr>
-              <a:t>track</a:t>
-            </a:r>
-            <a:r>
-              <a:rPr lang="fr-FR" sz="1600" dirty="0">
-                <a:solidFill>
-                  <a:srgbClr val="FFFFFF"/>
-                </a:solidFill>
-                <a:latin typeface="Lucida Console"/>
-                <a:cs typeface="Lucida Console"/>
-              </a:rPr>
-              <a:t> </a:t>
-            </a:r>
-            <a:r>
-              <a:rPr lang="fr-FR" sz="1600" dirty="0" err="1">
-                <a:solidFill>
-                  <a:srgbClr val="FFFFFF"/>
-                </a:solidFill>
-                <a:latin typeface="Lucida Console"/>
-                <a:cs typeface="Lucida Console"/>
-              </a:rPr>
-              <a:t>remote</a:t>
-            </a:r>
-            <a:r>
-              <a:rPr lang="fr-FR" sz="1600" dirty="0">
-                <a:solidFill>
-                  <a:srgbClr val="FFFFFF"/>
-                </a:solidFill>
-                <a:latin typeface="Lucida Console"/>
-                <a:cs typeface="Lucida Console"/>
-              </a:rPr>
-              <a:t> </a:t>
-            </a:r>
-            <a:r>
-              <a:rPr lang="fr-FR" sz="1600" dirty="0" err="1">
-                <a:solidFill>
-                  <a:srgbClr val="FFFFFF"/>
-                </a:solidFill>
-                <a:latin typeface="Lucida Console"/>
-                <a:cs typeface="Lucida Console"/>
-              </a:rPr>
-              <a:t>branch</a:t>
-            </a:r>
-            <a:r>
-              <a:rPr lang="fr-FR" sz="1600" dirty="0">
-                <a:solidFill>
-                  <a:srgbClr val="FFFFFF"/>
-                </a:solidFill>
-                <a:latin typeface="Lucida Console"/>
-                <a:cs typeface="Lucida Console"/>
-              </a:rPr>
-              <a:t> master </a:t>
-            </a:r>
-            <a:r>
-              <a:rPr lang="fr-FR" sz="1600" dirty="0" err="1">
-                <a:solidFill>
-                  <a:srgbClr val="FFFFFF"/>
-                </a:solidFill>
-                <a:latin typeface="Lucida Console"/>
-                <a:cs typeface="Lucida Console"/>
-              </a:rPr>
-              <a:t>from</a:t>
-            </a:r>
-            <a:r>
-              <a:rPr lang="fr-FR" sz="1600" dirty="0">
-                <a:solidFill>
-                  <a:srgbClr val="FFFFFF"/>
-                </a:solidFill>
-                <a:latin typeface="Lucida Console"/>
-                <a:cs typeface="Lucida Console"/>
-              </a:rPr>
-              <a:t> </a:t>
-            </a:r>
-            <a:r>
-              <a:rPr lang="fr-FR" sz="1600" dirty="0" err="1">
-                <a:solidFill>
-                  <a:srgbClr val="FFFFFF"/>
-                </a:solidFill>
-                <a:latin typeface="Lucida Console"/>
-                <a:cs typeface="Lucida Console"/>
-              </a:rPr>
-              <a:t>origin</a:t>
-            </a:r>
-            <a:r>
-              <a:rPr lang="fr-FR" sz="1600" dirty="0">
-                <a:solidFill>
-                  <a:srgbClr val="FFFFFF"/>
-                </a:solidFill>
-                <a:latin typeface="Lucida Console"/>
-                <a:cs typeface="Lucida Console"/>
-              </a:rPr>
-              <a:t>.</a:t>
-            </a:r>
-          </a:p>
-        </p:txBody>
-      </p:sp>
-      <p:sp>
-        <p:nvSpPr>
-          <p:cNvPr id="4" name="ZoneTexte 3"/>
-          <p:cNvSpPr txBox="1"/>
-          <p:nvPr/>
-        </p:nvSpPr>
-        <p:spPr>
-          <a:xfrm>
-            <a:off x="457200" y="5916233"/>
-            <a:ext cx="5363405" cy="369332"/>
-          </a:xfrm>
-          <a:prstGeom prst="rect">
-            <a:avLst/>
-          </a:prstGeom>
-          <a:noFill/>
-        </p:spPr>
-        <p:txBody>
-          <a:bodyPr wrap="none" rtlCol="0">
-            <a:spAutoFit/>
-          </a:bodyPr>
-          <a:lstStyle/>
-          <a:p>
-            <a:r>
-              <a:rPr lang="fr-FR" dirty="0"/>
-              <a:t>Vous pouvez également « </a:t>
-            </a:r>
-            <a:r>
-              <a:rPr lang="fr-FR" dirty="0" err="1"/>
-              <a:t>pusher</a:t>
-            </a:r>
-            <a:r>
-              <a:rPr lang="fr-FR" dirty="0"/>
-              <a:t> » votre branche bio…</a:t>
+              <a:rPr lang="fr-FR" sz="2800" dirty="0">
+                <a:solidFill>
+                  <a:srgbClr val="FFFFFF"/>
+                </a:solidFill>
+                <a:latin typeface="Lucida Console"/>
+                <a:cs typeface="Lucida Console"/>
+              </a:rPr>
+              <a:t>$ git commit –m “Ajout d’un petit burger“</a:t>
+            </a:r>
+          </a:p>
+          <a:p>
+            <a:r>
+              <a:rPr lang="fr-FR" sz="2800" dirty="0">
+                <a:solidFill>
+                  <a:srgbClr val="FFFFFF"/>
+                </a:solidFill>
+                <a:latin typeface="Lucida Console"/>
+                <a:cs typeface="Lucida Console"/>
+              </a:rPr>
+              <a:t>$ git push</a:t>
             </a:r>
           </a:p>
         </p:txBody>
@@ -12545,7 +11925,7 @@
     </p:spTree>
     <p:extLst>
       <p:ext uri="{BB962C8B-B14F-4D97-AF65-F5344CB8AC3E}">
-        <p14:creationId xmlns:p14="http://schemas.microsoft.com/office/powerpoint/2010/main" val="2163629262"/>
+        <p14:creationId xmlns:p14="http://schemas.microsoft.com/office/powerpoint/2010/main" val="1669476968"/>
       </p:ext>
     </p:extLst>
   </p:cSld>
@@ -12589,67 +11969,102 @@
           </a:bodyPr>
           <a:lstStyle/>
           <a:p>
-            <a:pPr marL="0" indent="0"/>
+            <a:r>
+              <a:rPr lang="fr-FR" dirty="0"/>
+              <a:t>Travailler à </a:t>
+            </a:r>
             <a:r>
               <a:rPr lang="fr-FR" b="1" dirty="0"/>
-              <a:t>Consultez votre dépôt </a:t>
-            </a:r>
-            <a:r>
-              <a:rPr lang="fr-FR" dirty="0"/>
-              <a:t>via </a:t>
-            </a:r>
-            <a:r>
-              <a:rPr lang="fr-FR" dirty="0" err="1"/>
-              <a:t>github</a:t>
-            </a:r>
-            <a:endParaRPr lang="fr-FR" dirty="0"/>
-          </a:p>
-        </p:txBody>
-      </p:sp>
-      <p:pic>
-        <p:nvPicPr>
-          <p:cNvPr id="3" name="Image 2" descr="Commits_at_master_-_training___burgers-seilerj___GitLab.png"/>
-          <p:cNvPicPr>
-            <a:picLocks noChangeAspect="1"/>
-          </p:cNvPicPr>
-          <p:nvPr/>
-        </p:nvPicPr>
-        <p:blipFill>
-          <a:blip r:embed="rId2">
-            <a:extLst>
-              <a:ext uri="{28A0092B-C50C-407E-A947-70E740481C1C}">
-                <a14:useLocalDpi xmlns:a14="http://schemas.microsoft.com/office/drawing/2010/main" val="0"/>
-              </a:ext>
-            </a:extLst>
-          </a:blip>
-          <a:stretch>
-            <a:fillRect/>
-          </a:stretch>
-        </p:blipFill>
+              <a:t>plusieurs</a:t>
+            </a:r>
+          </a:p>
+        </p:txBody>
+      </p:sp>
+      <p:sp>
+        <p:nvSpPr>
+          <p:cNvPr id="3" name="Espace réservé du contenu 2"/>
+          <p:cNvSpPr>
+            <a:spLocks noGrp="1"/>
+          </p:cNvSpPr>
+          <p:nvPr>
+            <p:ph idx="1"/>
+          </p:nvPr>
+        </p:nvSpPr>
         <p:spPr>
           <a:xfrm>
-            <a:off x="936529" y="1584397"/>
-            <a:ext cx="6388934" cy="4633965"/>
+            <a:off x="457200" y="1600200"/>
+            <a:ext cx="8229600" cy="1820701"/>
+          </a:xfrm>
+        </p:spPr>
+        <p:txBody>
+          <a:bodyPr>
+            <a:normAutofit/>
+          </a:bodyPr>
+          <a:lstStyle/>
+          <a:p>
+            <a:pPr marL="0" indent="0">
+              <a:buNone/>
+            </a:pPr>
+            <a:r>
+              <a:rPr lang="fr-FR" b="1" dirty="0"/>
+              <a:t>Mettez à jour votre dépôt local pour récupérer les modifications apportés par votre voisin</a:t>
+            </a:r>
+          </a:p>
+        </p:txBody>
+      </p:sp>
+      <p:sp>
+        <p:nvSpPr>
+          <p:cNvPr id="6" name="ZoneTexte 5"/>
+          <p:cNvSpPr txBox="1"/>
+          <p:nvPr/>
+        </p:nvSpPr>
+        <p:spPr>
+          <a:xfrm>
+            <a:off x="457200" y="3408325"/>
+            <a:ext cx="8229600" cy="3180887"/>
           </a:xfrm>
           <a:prstGeom prst="rect">
             <a:avLst/>
           </a:prstGeom>
-          <a:ln>
-            <a:noFill/>
-          </a:ln>
-          <a:effectLst>
-            <a:outerShdw blurRad="292100" dist="139700" dir="2700000" algn="tl" rotWithShape="0">
-              <a:srgbClr val="333333">
-                <a:alpha val="65000"/>
-              </a:srgbClr>
-            </a:outerShdw>
-          </a:effectLst>
+          <a:solidFill>
+            <a:schemeClr val="tx1"/>
+          </a:solidFill>
         </p:spPr>
-      </p:pic>
+        <p:txBody>
+          <a:bodyPr wrap="square" rtlCol="0">
+            <a:noAutofit/>
+          </a:bodyPr>
+          <a:lstStyle/>
+          <a:p>
+            <a:r>
+              <a:rPr lang="fr-FR" sz="3200" dirty="0">
+                <a:solidFill>
+                  <a:srgbClr val="FFFFFF"/>
+                </a:solidFill>
+                <a:latin typeface="Lucida Console"/>
+                <a:cs typeface="Lucida Console"/>
+              </a:rPr>
+              <a:t>$ cd ../burgers</a:t>
+            </a:r>
+          </a:p>
+          <a:p>
+            <a:r>
+              <a:rPr lang="fr-FR" sz="3200" dirty="0">
+                <a:solidFill>
+                  <a:srgbClr val="FFFFFF"/>
+                </a:solidFill>
+                <a:latin typeface="Lucida Console"/>
+                <a:cs typeface="Lucida Console"/>
+              </a:rPr>
+              <a:t>$ git pull</a:t>
+            </a:r>
+          </a:p>
+        </p:txBody>
+      </p:sp>
     </p:spTree>
     <p:extLst>
       <p:ext uri="{BB962C8B-B14F-4D97-AF65-F5344CB8AC3E}">
-        <p14:creationId xmlns:p14="http://schemas.microsoft.com/office/powerpoint/2010/main" val="401370431"/>
+        <p14:creationId xmlns:p14="http://schemas.microsoft.com/office/powerpoint/2010/main" val="3735198776"/>
       </p:ext>
     </p:extLst>
   </p:cSld>
@@ -12693,15 +12108,15 @@
           </a:bodyPr>
           <a:lstStyle/>
           <a:p>
+            <a:pPr marL="0" indent="0"/>
             <a:r>
               <a:rPr lang="fr-FR" b="1" dirty="0"/>
-              <a:t>Cloner </a:t>
-            </a:r>
-            <a:r>
-              <a:rPr lang="fr-FR" dirty="0"/>
-              <a:t>un dépôt</a:t>
-            </a:r>
-            <a:endParaRPr lang="fr-FR" b="1" dirty="0"/>
+              <a:t>Exercice</a:t>
+            </a:r>
+            <a:endParaRPr lang="fr-FR" b="1" dirty="0">
+              <a:latin typeface="Lucida Console"/>
+              <a:cs typeface="Lucida Console"/>
+            </a:endParaRPr>
           </a:p>
         </p:txBody>
       </p:sp>
@@ -12718,732 +12133,82 @@
         <p:spPr>
           <a:xfrm>
             <a:off x="457200" y="1600200"/>
-            <a:ext cx="8229600" cy="1820701"/>
+            <a:ext cx="8229600" cy="4166092"/>
           </a:xfrm>
         </p:spPr>
         <p:txBody>
           <a:bodyPr>
-            <a:normAutofit fontScale="77500" lnSpcReduction="20000"/>
+            <a:normAutofit/>
           </a:bodyPr>
           <a:lstStyle/>
+          <a:p>
+            <a:r>
+              <a:rPr lang="fr-FR" dirty="0"/>
+              <a:t>Sur votre compte </a:t>
+            </a:r>
+            <a:r>
+              <a:rPr lang="fr-FR" dirty="0" err="1"/>
+              <a:t>github</a:t>
+            </a:r>
+            <a:r>
+              <a:rPr lang="fr-FR" dirty="0"/>
+              <a:t>, faite une pull </a:t>
+            </a:r>
+            <a:r>
+              <a:rPr lang="fr-FR" dirty="0" err="1"/>
+              <a:t>request</a:t>
+            </a:r>
+            <a:r>
+              <a:rPr lang="fr-FR" dirty="0"/>
+              <a:t> de la </a:t>
+            </a:r>
+            <a:r>
+              <a:rPr lang="fr-FR" dirty="0" err="1"/>
+              <a:t>branch</a:t>
+            </a:r>
+            <a:r>
+              <a:rPr lang="fr-FR" dirty="0"/>
+              <a:t> bio</a:t>
+            </a:r>
+          </a:p>
+          <a:p>
+            <a:endParaRPr lang="fr-FR" dirty="0"/>
+          </a:p>
+          <a:p>
+            <a:r>
+              <a:rPr lang="fr-FR" dirty="0"/>
+              <a:t>Valider cette </a:t>
+            </a:r>
+            <a:r>
+              <a:rPr lang="fr-FR" dirty="0" err="1"/>
+              <a:t>request</a:t>
+            </a:r>
+            <a:r>
+              <a:rPr lang="fr-FR" dirty="0"/>
+              <a:t> et faites un commit</a:t>
+            </a:r>
+          </a:p>
+          <a:p>
+            <a:endParaRPr lang="fr-FR" dirty="0"/>
+          </a:p>
+          <a:p>
+            <a:r>
+              <a:rPr lang="fr-FR" dirty="0"/>
+              <a:t>Créer une nouvelle release de votre projet</a:t>
+            </a:r>
+          </a:p>
           <a:p>
             <a:pPr marL="0" indent="0">
               <a:buNone/>
             </a:pPr>
-            <a:r>
-              <a:rPr lang="fr-FR" b="1" dirty="0"/>
-              <a:t>Créer une copie locale du dépôt de votre voisin</a:t>
-            </a:r>
-          </a:p>
-          <a:p>
-            <a:pPr marL="0" indent="0">
-              <a:buNone/>
-            </a:pPr>
-            <a:r>
-              <a:rPr lang="fr-FR" dirty="0"/>
-              <a:t>Placez-vous dans un dossier en dehors de votre dépôt et utilisez la commande</a:t>
-            </a:r>
-          </a:p>
-          <a:p>
-            <a:pPr marL="0" indent="0">
-              <a:buNone/>
-            </a:pPr>
-            <a:r>
-              <a:rPr lang="fr-FR" b="1" dirty="0">
-                <a:latin typeface="Lucida Console"/>
-                <a:cs typeface="Lucida Console"/>
-              </a:rPr>
-              <a:t>git clone &lt;</a:t>
-            </a:r>
-            <a:r>
-              <a:rPr lang="fr-FR" b="1" dirty="0" err="1">
-                <a:latin typeface="Lucida Console"/>
-                <a:cs typeface="Lucida Console"/>
-              </a:rPr>
-              <a:t>addresse</a:t>
-            </a:r>
-            <a:r>
-              <a:rPr lang="fr-FR" b="1" dirty="0">
-                <a:latin typeface="Lucida Console"/>
-                <a:cs typeface="Lucida Console"/>
-              </a:rPr>
-              <a:t> du dépôt de votre voisin&gt;</a:t>
-            </a:r>
-          </a:p>
-        </p:txBody>
-      </p:sp>
-      <p:sp>
-        <p:nvSpPr>
-          <p:cNvPr id="6" name="ZoneTexte 5"/>
-          <p:cNvSpPr txBox="1"/>
-          <p:nvPr/>
-        </p:nvSpPr>
-        <p:spPr>
-          <a:xfrm>
-            <a:off x="457200" y="3408325"/>
-            <a:ext cx="8229600" cy="3180887"/>
-          </a:xfrm>
-          <a:prstGeom prst="rect">
-            <a:avLst/>
-          </a:prstGeom>
-          <a:solidFill>
-            <a:schemeClr val="tx1"/>
-          </a:solidFill>
-        </p:spPr>
-        <p:txBody>
-          <a:bodyPr wrap="square" rtlCol="0">
-            <a:noAutofit/>
-          </a:bodyPr>
-          <a:lstStyle/>
-          <a:p>
-            <a:r>
-              <a:rPr lang="fr-FR" sz="1400" dirty="0">
-                <a:solidFill>
-                  <a:srgbClr val="FFFFFF"/>
-                </a:solidFill>
-                <a:latin typeface="Lucida Console"/>
-                <a:cs typeface="Lucida Console"/>
-              </a:rPr>
-              <a:t>$ cd /</a:t>
-            </a:r>
-            <a:r>
-              <a:rPr lang="fr-FR" sz="1400" dirty="0" err="1">
-                <a:solidFill>
-                  <a:srgbClr val="FFFFFF"/>
-                </a:solidFill>
-                <a:latin typeface="Lucida Console"/>
-                <a:cs typeface="Lucida Console"/>
-              </a:rPr>
-              <a:t>tmp</a:t>
-            </a:r>
-            <a:endParaRPr lang="fr-FR" sz="1400" dirty="0">
-              <a:solidFill>
-                <a:srgbClr val="FFFFFF"/>
-              </a:solidFill>
-              <a:latin typeface="Lucida Console"/>
-              <a:cs typeface="Lucida Console"/>
-            </a:endParaRPr>
-          </a:p>
-          <a:p>
-            <a:r>
-              <a:rPr lang="fr-FR" sz="1400" dirty="0">
-                <a:solidFill>
-                  <a:srgbClr val="FFFFFF"/>
-                </a:solidFill>
-                <a:latin typeface="Lucida Console"/>
-                <a:cs typeface="Lucida Console"/>
-              </a:rPr>
-              <a:t>$ git clone http://github.com/your_login/burgers-toto.git</a:t>
-            </a:r>
-          </a:p>
-          <a:p>
-            <a:r>
-              <a:rPr lang="fr-FR" sz="1400" dirty="0" err="1">
-                <a:solidFill>
-                  <a:srgbClr val="FFFFFF"/>
-                </a:solidFill>
-                <a:latin typeface="Lucida Console"/>
-                <a:cs typeface="Lucida Console"/>
-              </a:rPr>
-              <a:t>Cloning</a:t>
-            </a:r>
-            <a:r>
-              <a:rPr lang="fr-FR" sz="1400" dirty="0">
-                <a:solidFill>
-                  <a:srgbClr val="FFFFFF"/>
-                </a:solidFill>
-                <a:latin typeface="Lucida Console"/>
-                <a:cs typeface="Lucida Console"/>
-              </a:rPr>
-              <a:t> </a:t>
-            </a:r>
-            <a:r>
-              <a:rPr lang="fr-FR" sz="1400" dirty="0" err="1">
-                <a:solidFill>
-                  <a:srgbClr val="FFFFFF"/>
-                </a:solidFill>
-                <a:latin typeface="Lucida Console"/>
-                <a:cs typeface="Lucida Console"/>
-              </a:rPr>
-              <a:t>into</a:t>
-            </a:r>
-            <a:r>
-              <a:rPr lang="fr-FR" sz="1400" dirty="0">
-                <a:solidFill>
-                  <a:srgbClr val="FFFFFF"/>
-                </a:solidFill>
-                <a:latin typeface="Lucida Console"/>
-                <a:cs typeface="Lucida Console"/>
-              </a:rPr>
-              <a:t> 'burgers-toto'...</a:t>
-            </a:r>
-          </a:p>
-          <a:p>
-            <a:r>
-              <a:rPr lang="fr-FR" sz="1400" dirty="0" err="1">
-                <a:solidFill>
-                  <a:srgbClr val="FFFFFF"/>
-                </a:solidFill>
-                <a:latin typeface="Lucida Console"/>
-                <a:cs typeface="Lucida Console"/>
-              </a:rPr>
-              <a:t>remote</a:t>
-            </a:r>
-            <a:r>
-              <a:rPr lang="fr-FR" sz="1400" dirty="0">
-                <a:solidFill>
-                  <a:srgbClr val="FFFFFF"/>
-                </a:solidFill>
-                <a:latin typeface="Lucida Console"/>
-                <a:cs typeface="Lucida Console"/>
-              </a:rPr>
-              <a:t>: </a:t>
-            </a:r>
-            <a:r>
-              <a:rPr lang="fr-FR" sz="1400" dirty="0" err="1">
-                <a:solidFill>
-                  <a:srgbClr val="FFFFFF"/>
-                </a:solidFill>
-                <a:latin typeface="Lucida Console"/>
-                <a:cs typeface="Lucida Console"/>
-              </a:rPr>
-              <a:t>Counting</a:t>
-            </a:r>
-            <a:r>
-              <a:rPr lang="fr-FR" sz="1400" dirty="0">
-                <a:solidFill>
-                  <a:srgbClr val="FFFFFF"/>
-                </a:solidFill>
-                <a:latin typeface="Lucida Console"/>
-                <a:cs typeface="Lucida Console"/>
-              </a:rPr>
-              <a:t> </a:t>
-            </a:r>
-            <a:r>
-              <a:rPr lang="fr-FR" sz="1400" dirty="0" err="1">
-                <a:solidFill>
-                  <a:srgbClr val="FFFFFF"/>
-                </a:solidFill>
-                <a:latin typeface="Lucida Console"/>
-                <a:cs typeface="Lucida Console"/>
-              </a:rPr>
-              <a:t>objects</a:t>
-            </a:r>
-            <a:r>
-              <a:rPr lang="fr-FR" sz="1400" dirty="0">
-                <a:solidFill>
-                  <a:srgbClr val="FFFFFF"/>
-                </a:solidFill>
-                <a:latin typeface="Lucida Console"/>
-                <a:cs typeface="Lucida Console"/>
-              </a:rPr>
-              <a:t>: 12, </a:t>
-            </a:r>
-            <a:r>
-              <a:rPr lang="fr-FR" sz="1400" dirty="0" err="1">
-                <a:solidFill>
-                  <a:srgbClr val="FFFFFF"/>
-                </a:solidFill>
-                <a:latin typeface="Lucida Console"/>
-                <a:cs typeface="Lucida Console"/>
-              </a:rPr>
-              <a:t>done</a:t>
-            </a:r>
-            <a:r>
-              <a:rPr lang="fr-FR" sz="1400" dirty="0">
-                <a:solidFill>
-                  <a:srgbClr val="FFFFFF"/>
-                </a:solidFill>
-                <a:latin typeface="Lucida Console"/>
-                <a:cs typeface="Lucida Console"/>
-              </a:rPr>
-              <a:t>.</a:t>
-            </a:r>
-          </a:p>
-          <a:p>
-            <a:r>
-              <a:rPr lang="fr-FR" sz="1400" dirty="0" err="1">
-                <a:solidFill>
-                  <a:srgbClr val="FFFFFF"/>
-                </a:solidFill>
-                <a:latin typeface="Lucida Console"/>
-                <a:cs typeface="Lucida Console"/>
-              </a:rPr>
-              <a:t>remote</a:t>
-            </a:r>
-            <a:r>
-              <a:rPr lang="fr-FR" sz="1400" dirty="0">
-                <a:solidFill>
-                  <a:srgbClr val="FFFFFF"/>
-                </a:solidFill>
-                <a:latin typeface="Lucida Console"/>
-                <a:cs typeface="Lucida Console"/>
-              </a:rPr>
-              <a:t>: </a:t>
-            </a:r>
-            <a:r>
-              <a:rPr lang="fr-FR" sz="1400" dirty="0" err="1">
-                <a:solidFill>
-                  <a:srgbClr val="FFFFFF"/>
-                </a:solidFill>
-                <a:latin typeface="Lucida Console"/>
-                <a:cs typeface="Lucida Console"/>
-              </a:rPr>
-              <a:t>Compressing</a:t>
-            </a:r>
-            <a:r>
-              <a:rPr lang="fr-FR" sz="1400" dirty="0">
-                <a:solidFill>
-                  <a:srgbClr val="FFFFFF"/>
-                </a:solidFill>
-                <a:latin typeface="Lucida Console"/>
-                <a:cs typeface="Lucida Console"/>
-              </a:rPr>
-              <a:t> </a:t>
-            </a:r>
-            <a:r>
-              <a:rPr lang="fr-FR" sz="1400" dirty="0" err="1">
-                <a:solidFill>
-                  <a:srgbClr val="FFFFFF"/>
-                </a:solidFill>
-                <a:latin typeface="Lucida Console"/>
-                <a:cs typeface="Lucida Console"/>
-              </a:rPr>
-              <a:t>objects</a:t>
-            </a:r>
-            <a:r>
-              <a:rPr lang="fr-FR" sz="1400" dirty="0">
-                <a:solidFill>
-                  <a:srgbClr val="FFFFFF"/>
-                </a:solidFill>
-                <a:latin typeface="Lucida Console"/>
-                <a:cs typeface="Lucida Console"/>
-              </a:rPr>
-              <a:t>: 100% (9/9), </a:t>
-            </a:r>
-            <a:r>
-              <a:rPr lang="fr-FR" sz="1400" dirty="0" err="1">
-                <a:solidFill>
-                  <a:srgbClr val="FFFFFF"/>
-                </a:solidFill>
-                <a:latin typeface="Lucida Console"/>
-                <a:cs typeface="Lucida Console"/>
-              </a:rPr>
-              <a:t>done</a:t>
-            </a:r>
-            <a:r>
-              <a:rPr lang="fr-FR" sz="1400" dirty="0">
-                <a:solidFill>
-                  <a:srgbClr val="FFFFFF"/>
-                </a:solidFill>
-                <a:latin typeface="Lucida Console"/>
-                <a:cs typeface="Lucida Console"/>
-              </a:rPr>
-              <a:t>.</a:t>
-            </a:r>
-          </a:p>
-          <a:p>
-            <a:r>
-              <a:rPr lang="fr-FR" sz="1400" dirty="0" err="1">
-                <a:solidFill>
-                  <a:srgbClr val="FFFFFF"/>
-                </a:solidFill>
-                <a:latin typeface="Lucida Console"/>
-                <a:cs typeface="Lucida Console"/>
-              </a:rPr>
-              <a:t>remote</a:t>
-            </a:r>
-            <a:r>
-              <a:rPr lang="fr-FR" sz="1400" dirty="0">
-                <a:solidFill>
-                  <a:srgbClr val="FFFFFF"/>
-                </a:solidFill>
-                <a:latin typeface="Lucida Console"/>
-                <a:cs typeface="Lucida Console"/>
-              </a:rPr>
-              <a:t>: Total 12 (delta 0), </a:t>
-            </a:r>
-            <a:r>
-              <a:rPr lang="fr-FR" sz="1400" dirty="0" err="1">
-                <a:solidFill>
-                  <a:srgbClr val="FFFFFF"/>
-                </a:solidFill>
-                <a:latin typeface="Lucida Console"/>
-                <a:cs typeface="Lucida Console"/>
-              </a:rPr>
-              <a:t>reused</a:t>
-            </a:r>
-            <a:r>
-              <a:rPr lang="fr-FR" sz="1400" dirty="0">
-                <a:solidFill>
-                  <a:srgbClr val="FFFFFF"/>
-                </a:solidFill>
-                <a:latin typeface="Lucida Console"/>
-                <a:cs typeface="Lucida Console"/>
-              </a:rPr>
-              <a:t> 0 (delta 0)</a:t>
-            </a:r>
-          </a:p>
-          <a:p>
-            <a:r>
-              <a:rPr lang="fr-FR" sz="1400" dirty="0" err="1">
-                <a:solidFill>
-                  <a:srgbClr val="FFFFFF"/>
-                </a:solidFill>
-                <a:latin typeface="Lucida Console"/>
-                <a:cs typeface="Lucida Console"/>
-              </a:rPr>
-              <a:t>Unpacking</a:t>
-            </a:r>
-            <a:r>
-              <a:rPr lang="fr-FR" sz="1400" dirty="0">
-                <a:solidFill>
-                  <a:srgbClr val="FFFFFF"/>
-                </a:solidFill>
-                <a:latin typeface="Lucida Console"/>
-                <a:cs typeface="Lucida Console"/>
-              </a:rPr>
-              <a:t> </a:t>
-            </a:r>
-            <a:r>
-              <a:rPr lang="fr-FR" sz="1400" dirty="0" err="1">
-                <a:solidFill>
-                  <a:srgbClr val="FFFFFF"/>
-                </a:solidFill>
-                <a:latin typeface="Lucida Console"/>
-                <a:cs typeface="Lucida Console"/>
-              </a:rPr>
-              <a:t>objects</a:t>
-            </a:r>
-            <a:r>
-              <a:rPr lang="fr-FR" sz="1400" dirty="0">
-                <a:solidFill>
-                  <a:srgbClr val="FFFFFF"/>
-                </a:solidFill>
-                <a:latin typeface="Lucida Console"/>
-                <a:cs typeface="Lucida Console"/>
-              </a:rPr>
-              <a:t>: 100% (12/12), </a:t>
-            </a:r>
-            <a:r>
-              <a:rPr lang="fr-FR" sz="1400" dirty="0" err="1">
-                <a:solidFill>
-                  <a:srgbClr val="FFFFFF"/>
-                </a:solidFill>
-                <a:latin typeface="Lucida Console"/>
-                <a:cs typeface="Lucida Console"/>
-              </a:rPr>
-              <a:t>done</a:t>
-            </a:r>
-            <a:r>
-              <a:rPr lang="fr-FR" sz="1400" dirty="0">
-                <a:solidFill>
-                  <a:srgbClr val="FFFFFF"/>
-                </a:solidFill>
-                <a:latin typeface="Lucida Console"/>
-                <a:cs typeface="Lucida Console"/>
-              </a:rPr>
-              <a:t>.</a:t>
-            </a:r>
-          </a:p>
-          <a:p>
-            <a:r>
-              <a:rPr lang="fr-FR" sz="1400" dirty="0" err="1">
-                <a:solidFill>
-                  <a:srgbClr val="FFFFFF"/>
-                </a:solidFill>
-                <a:latin typeface="Lucida Console"/>
-                <a:cs typeface="Lucida Console"/>
-              </a:rPr>
-              <a:t>Checking</a:t>
-            </a:r>
-            <a:r>
-              <a:rPr lang="fr-FR" sz="1400" dirty="0">
-                <a:solidFill>
-                  <a:srgbClr val="FFFFFF"/>
-                </a:solidFill>
-                <a:latin typeface="Lucida Console"/>
-                <a:cs typeface="Lucida Console"/>
-              </a:rPr>
-              <a:t> </a:t>
-            </a:r>
-            <a:r>
-              <a:rPr lang="fr-FR" sz="1400" dirty="0" err="1">
-                <a:solidFill>
-                  <a:srgbClr val="FFFFFF"/>
-                </a:solidFill>
-                <a:latin typeface="Lucida Console"/>
-                <a:cs typeface="Lucida Console"/>
-              </a:rPr>
-              <a:t>connectivity</a:t>
-            </a:r>
-            <a:r>
-              <a:rPr lang="fr-FR" sz="1400" dirty="0">
-                <a:solidFill>
-                  <a:srgbClr val="FFFFFF"/>
-                </a:solidFill>
-                <a:latin typeface="Lucida Console"/>
-                <a:cs typeface="Lucida Console"/>
-              </a:rPr>
-              <a:t>... </a:t>
-            </a:r>
-            <a:r>
-              <a:rPr lang="fr-FR" sz="1400" dirty="0" err="1">
-                <a:solidFill>
-                  <a:srgbClr val="FFFFFF"/>
-                </a:solidFill>
-                <a:latin typeface="Lucida Console"/>
-                <a:cs typeface="Lucida Console"/>
-              </a:rPr>
-              <a:t>done</a:t>
-            </a:r>
-            <a:r>
-              <a:rPr lang="fr-FR" sz="1400" dirty="0">
-                <a:solidFill>
-                  <a:srgbClr val="FFFFFF"/>
-                </a:solidFill>
-                <a:latin typeface="Lucida Console"/>
-                <a:cs typeface="Lucida Console"/>
-              </a:rPr>
-              <a:t>.</a:t>
-            </a:r>
+            <a:endParaRPr lang="fr-FR" dirty="0"/>
           </a:p>
         </p:txBody>
       </p:sp>
     </p:spTree>
     <p:extLst>
       <p:ext uri="{BB962C8B-B14F-4D97-AF65-F5344CB8AC3E}">
-        <p14:creationId xmlns:p14="http://schemas.microsoft.com/office/powerpoint/2010/main" val="2838320801"/>
-      </p:ext>
-    </p:extLst>
-  </p:cSld>
-  <p:clrMapOvr>
-    <a:masterClrMapping/>
-  </p:clrMapOvr>
-</p:sld>
-</file>
-
-<file path=ppt/slides/slide39.xml><?xml version="1.0" encoding="utf-8"?>
-<p:sld xmlns:a="http://schemas.openxmlformats.org/drawingml/2006/main" xmlns:r="http://schemas.openxmlformats.org/officeDocument/2006/relationships" xmlns:p="http://schemas.openxmlformats.org/presentationml/2006/main">
-  <p:cSld>
-    <p:spTree>
-      <p:nvGrpSpPr>
-        <p:cNvPr id="1" name=""/>
-        <p:cNvGrpSpPr/>
-        <p:nvPr/>
-      </p:nvGrpSpPr>
-      <p:grpSpPr>
-        <a:xfrm>
-          <a:off x="0" y="0"/>
-          <a:ext cx="0" cy="0"/>
-          <a:chOff x="0" y="0"/>
-          <a:chExt cx="0" cy="0"/>
-        </a:xfrm>
-      </p:grpSpPr>
-      <p:sp>
-        <p:nvSpPr>
-          <p:cNvPr id="2" name="Titre 1"/>
-          <p:cNvSpPr>
-            <a:spLocks noGrp="1"/>
-          </p:cNvSpPr>
-          <p:nvPr>
-            <p:ph type="title"/>
-          </p:nvPr>
-        </p:nvSpPr>
-        <p:spPr/>
-        <p:txBody>
-          <a:bodyPr>
-            <a:normAutofit/>
-          </a:bodyPr>
-          <a:lstStyle/>
-          <a:p>
-            <a:r>
-              <a:rPr lang="fr-FR" dirty="0"/>
-              <a:t>Travailler à </a:t>
-            </a:r>
-            <a:r>
-              <a:rPr lang="fr-FR" b="1" dirty="0"/>
-              <a:t>plusieurs</a:t>
-            </a:r>
-          </a:p>
-        </p:txBody>
-      </p:sp>
-      <p:sp>
-        <p:nvSpPr>
-          <p:cNvPr id="3" name="Espace réservé du contenu 2"/>
-          <p:cNvSpPr>
-            <a:spLocks noGrp="1"/>
-          </p:cNvSpPr>
-          <p:nvPr>
-            <p:ph idx="1"/>
-          </p:nvPr>
-        </p:nvSpPr>
-        <p:spPr>
-          <a:xfrm>
-            <a:off x="457200" y="1600200"/>
-            <a:ext cx="8229600" cy="1820701"/>
-          </a:xfrm>
-        </p:spPr>
-        <p:txBody>
-          <a:bodyPr>
-            <a:normAutofit/>
-          </a:bodyPr>
-          <a:lstStyle/>
-          <a:p>
-            <a:pPr marL="0" indent="0">
-              <a:buNone/>
-            </a:pPr>
-            <a:r>
-              <a:rPr lang="fr-FR" b="1" dirty="0"/>
-              <a:t>Créer un nouveau burger sur le dépôt de votre voisin et mettez à jour le serveur</a:t>
-            </a:r>
-          </a:p>
-        </p:txBody>
-      </p:sp>
-      <p:pic>
-        <p:nvPicPr>
-          <p:cNvPr id="7" name="Image 6" descr="igbmc.png"/>
-          <p:cNvPicPr>
-            <a:picLocks noChangeAspect="1"/>
-          </p:cNvPicPr>
-          <p:nvPr/>
-        </p:nvPicPr>
-        <p:blipFill>
-          <a:blip r:embed="rId2">
-            <a:extLst>
-              <a:ext uri="{28A0092B-C50C-407E-A947-70E740481C1C}">
-                <a14:useLocalDpi xmlns:a14="http://schemas.microsoft.com/office/drawing/2010/main" val="0"/>
-              </a:ext>
-            </a:extLst>
-          </a:blip>
-          <a:stretch>
-            <a:fillRect/>
-          </a:stretch>
-        </p:blipFill>
-        <p:spPr>
-          <a:xfrm>
-            <a:off x="7673453" y="5956347"/>
-            <a:ext cx="1358900" cy="825500"/>
-          </a:xfrm>
-          <a:prstGeom prst="rect">
-            <a:avLst/>
-          </a:prstGeom>
-        </p:spPr>
-      </p:pic>
-      <p:sp>
-        <p:nvSpPr>
-          <p:cNvPr id="6" name="ZoneTexte 5"/>
-          <p:cNvSpPr txBox="1"/>
-          <p:nvPr/>
-        </p:nvSpPr>
-        <p:spPr>
-          <a:xfrm>
-            <a:off x="457200" y="3408325"/>
-            <a:ext cx="8229600" cy="3180887"/>
-          </a:xfrm>
-          <a:prstGeom prst="rect">
-            <a:avLst/>
-          </a:prstGeom>
-          <a:solidFill>
-            <a:schemeClr val="tx1"/>
-          </a:solidFill>
-        </p:spPr>
-        <p:txBody>
-          <a:bodyPr wrap="square" rtlCol="0">
-            <a:noAutofit/>
-          </a:bodyPr>
-          <a:lstStyle/>
-          <a:p>
-            <a:r>
-              <a:rPr lang="fr-FR" sz="2800" dirty="0">
-                <a:solidFill>
-                  <a:srgbClr val="FFFFFF"/>
-                </a:solidFill>
-                <a:latin typeface="Lucida Console"/>
-                <a:cs typeface="Lucida Console"/>
-              </a:rPr>
-              <a:t>$ cd burgers-voisin</a:t>
-            </a:r>
-          </a:p>
-          <a:p>
-            <a:r>
-              <a:rPr lang="fr-FR" sz="2800" dirty="0">
-                <a:solidFill>
-                  <a:srgbClr val="FFFFFF"/>
-                </a:solidFill>
-                <a:latin typeface="Lucida Console"/>
-                <a:cs typeface="Lucida Console"/>
-              </a:rPr>
-              <a:t>$ git </a:t>
-            </a:r>
-            <a:r>
-              <a:rPr lang="fr-FR" sz="2800" dirty="0" err="1">
-                <a:solidFill>
-                  <a:srgbClr val="FFFFFF"/>
-                </a:solidFill>
-                <a:latin typeface="Lucida Console"/>
-                <a:cs typeface="Lucida Console"/>
-              </a:rPr>
-              <a:t>add</a:t>
-            </a:r>
-            <a:r>
-              <a:rPr lang="fr-FR" sz="2800" dirty="0">
-                <a:solidFill>
-                  <a:srgbClr val="FFFFFF"/>
-                </a:solidFill>
-                <a:latin typeface="Lucida Console"/>
-                <a:cs typeface="Lucida Console"/>
-              </a:rPr>
-              <a:t> </a:t>
-            </a:r>
-            <a:r>
-              <a:rPr lang="fr-FR" sz="2800" dirty="0" err="1">
-                <a:solidFill>
-                  <a:srgbClr val="FFFFFF"/>
-                </a:solidFill>
-                <a:latin typeface="Lucida Console"/>
-                <a:cs typeface="Lucida Console"/>
-              </a:rPr>
-              <a:t>smallburger.txt</a:t>
-            </a:r>
-            <a:endParaRPr lang="fr-FR" sz="2800" dirty="0">
-              <a:solidFill>
-                <a:srgbClr val="FFFFFF"/>
-              </a:solidFill>
-              <a:latin typeface="Lucida Console"/>
-              <a:cs typeface="Lucida Console"/>
-            </a:endParaRPr>
-          </a:p>
-          <a:p>
-            <a:r>
-              <a:rPr lang="fr-FR" sz="2800" dirty="0">
-                <a:solidFill>
-                  <a:srgbClr val="FFFFFF"/>
-                </a:solidFill>
-                <a:latin typeface="Lucida Console"/>
-                <a:cs typeface="Lucida Console"/>
-              </a:rPr>
-              <a:t>$ git commit –m “Ajout d’un petit burger“</a:t>
-            </a:r>
-          </a:p>
-          <a:p>
-            <a:r>
-              <a:rPr lang="fr-FR" sz="2800" dirty="0">
-                <a:solidFill>
-                  <a:srgbClr val="FFFFFF"/>
-                </a:solidFill>
-                <a:latin typeface="Lucida Console"/>
-                <a:cs typeface="Lucida Console"/>
-              </a:rPr>
-              <a:t>$ git push</a:t>
-            </a:r>
-          </a:p>
-        </p:txBody>
-      </p:sp>
-    </p:spTree>
-    <p:extLst>
-      <p:ext uri="{BB962C8B-B14F-4D97-AF65-F5344CB8AC3E}">
-        <p14:creationId xmlns:p14="http://schemas.microsoft.com/office/powerpoint/2010/main" val="1669476968"/>
+        <p14:creationId xmlns:p14="http://schemas.microsoft.com/office/powerpoint/2010/main" val="1715249375"/>
       </p:ext>
     </p:extLst>
   </p:cSld>
@@ -13526,213 +12291,6 @@
       </p:sp>
       <p:sp>
         <p:nvSpPr>
-          <p:cNvPr id="6" name="ZoneTexte 5"/>
-          <p:cNvSpPr txBox="1"/>
-          <p:nvPr/>
-        </p:nvSpPr>
-        <p:spPr>
-          <a:xfrm>
-            <a:off x="457200" y="3537523"/>
-            <a:ext cx="8229600" cy="2293558"/>
-          </a:xfrm>
-          <a:prstGeom prst="rect">
-            <a:avLst/>
-          </a:prstGeom>
-          <a:solidFill>
-            <a:schemeClr val="tx1"/>
-          </a:solidFill>
-        </p:spPr>
-        <p:txBody>
-          <a:bodyPr wrap="square" rtlCol="0">
-            <a:noAutofit/>
-          </a:bodyPr>
-          <a:lstStyle/>
-          <a:p>
-            <a:r>
-              <a:rPr lang="fr-FR" sz="2400" dirty="0">
-                <a:solidFill>
-                  <a:srgbClr val="FFFFFF"/>
-                </a:solidFill>
-                <a:latin typeface="Lucida Console"/>
-                <a:cs typeface="Lucida Console"/>
-              </a:rPr>
-              <a:t>$ git commit </a:t>
-            </a:r>
-            <a:r>
-              <a:rPr lang="fr-FR" sz="2400" dirty="0" err="1">
-                <a:solidFill>
-                  <a:srgbClr val="FFFFFF"/>
-                </a:solidFill>
-                <a:latin typeface="Lucida Console"/>
-                <a:cs typeface="Lucida Console"/>
-              </a:rPr>
-              <a:t>doublecheese.txt</a:t>
-            </a:r>
-            <a:r>
-              <a:rPr lang="fr-FR" sz="2400" dirty="0">
-                <a:solidFill>
-                  <a:srgbClr val="FFFFFF"/>
-                </a:solidFill>
-                <a:latin typeface="Lucida Console"/>
-                <a:cs typeface="Lucida Console"/>
-              </a:rPr>
-              <a:t> –m "Création du </a:t>
-            </a:r>
-            <a:r>
-              <a:rPr lang="fr-FR" sz="2400" dirty="0" err="1">
-                <a:solidFill>
-                  <a:srgbClr val="FFFFFF"/>
-                </a:solidFill>
-                <a:latin typeface="Lucida Console"/>
-                <a:cs typeface="Lucida Console"/>
-              </a:rPr>
-              <a:t>doublecheese</a:t>
-            </a:r>
-            <a:r>
-              <a:rPr lang="fr-FR" sz="2400" dirty="0">
-                <a:solidFill>
-                  <a:srgbClr val="FFFFFF"/>
-                </a:solidFill>
-                <a:latin typeface="Lucida Console"/>
-                <a:cs typeface="Lucida Console"/>
-              </a:rPr>
-              <a:t>"</a:t>
-            </a:r>
-          </a:p>
-          <a:p>
-            <a:r>
-              <a:rPr lang="fr-FR" sz="2400" dirty="0">
-                <a:solidFill>
-                  <a:srgbClr val="FFFFFF"/>
-                </a:solidFill>
-                <a:latin typeface="Lucida Console"/>
-                <a:cs typeface="Lucida Console"/>
-              </a:rPr>
-              <a:t>[master (</a:t>
-            </a:r>
-            <a:r>
-              <a:rPr lang="fr-FR" sz="2400" dirty="0" err="1">
-                <a:solidFill>
-                  <a:srgbClr val="FFFFFF"/>
-                </a:solidFill>
-                <a:latin typeface="Lucida Console"/>
-                <a:cs typeface="Lucida Console"/>
-              </a:rPr>
-              <a:t>root</a:t>
-            </a:r>
-            <a:r>
-              <a:rPr lang="fr-FR" sz="2400" dirty="0">
-                <a:solidFill>
-                  <a:srgbClr val="FFFFFF"/>
-                </a:solidFill>
-                <a:latin typeface="Lucida Console"/>
-                <a:cs typeface="Lucida Console"/>
-              </a:rPr>
-              <a:t>-commit) c17b141] Création du </a:t>
-            </a:r>
-            <a:r>
-              <a:rPr lang="fr-FR" sz="2400" dirty="0" err="1">
-                <a:solidFill>
-                  <a:srgbClr val="FFFFFF"/>
-                </a:solidFill>
-                <a:latin typeface="Lucida Console"/>
-                <a:cs typeface="Lucida Console"/>
-              </a:rPr>
-              <a:t>doublecheese</a:t>
-            </a:r>
-            <a:endParaRPr lang="fr-FR" sz="2400" dirty="0">
-              <a:solidFill>
-                <a:srgbClr val="FFFFFF"/>
-              </a:solidFill>
-              <a:latin typeface="Lucida Console"/>
-              <a:cs typeface="Lucida Console"/>
-            </a:endParaRPr>
-          </a:p>
-          <a:p>
-            <a:r>
-              <a:rPr lang="fr-FR" sz="2400" dirty="0">
-                <a:solidFill>
-                  <a:srgbClr val="FFFFFF"/>
-                </a:solidFill>
-                <a:latin typeface="Lucida Console"/>
-                <a:cs typeface="Lucida Console"/>
-              </a:rPr>
-              <a:t> 1 file </a:t>
-            </a:r>
-            <a:r>
-              <a:rPr lang="fr-FR" sz="2400" dirty="0" err="1">
-                <a:solidFill>
-                  <a:srgbClr val="FFFFFF"/>
-                </a:solidFill>
-                <a:latin typeface="Lucida Console"/>
-                <a:cs typeface="Lucida Console"/>
-              </a:rPr>
-              <a:t>changed</a:t>
-            </a:r>
-            <a:r>
-              <a:rPr lang="fr-FR" sz="2400" dirty="0">
-                <a:solidFill>
-                  <a:srgbClr val="FFFFFF"/>
-                </a:solidFill>
-                <a:latin typeface="Lucida Console"/>
-                <a:cs typeface="Lucida Console"/>
-              </a:rPr>
-              <a:t>, 7 insertions(+)</a:t>
-            </a:r>
-          </a:p>
-          <a:p>
-            <a:r>
-              <a:rPr lang="fr-FR" sz="2400" dirty="0">
-                <a:solidFill>
-                  <a:srgbClr val="FFFFFF"/>
-                </a:solidFill>
-                <a:latin typeface="Lucida Console"/>
-                <a:cs typeface="Lucida Console"/>
-              </a:rPr>
-              <a:t> </a:t>
-            </a:r>
-            <a:r>
-              <a:rPr lang="fr-FR" sz="2400" dirty="0" err="1">
-                <a:solidFill>
-                  <a:srgbClr val="FFFFFF"/>
-                </a:solidFill>
-                <a:latin typeface="Lucida Console"/>
-                <a:cs typeface="Lucida Console"/>
-              </a:rPr>
-              <a:t>create</a:t>
-            </a:r>
-            <a:r>
-              <a:rPr lang="fr-FR" sz="2400" dirty="0">
-                <a:solidFill>
-                  <a:srgbClr val="FFFFFF"/>
-                </a:solidFill>
-                <a:latin typeface="Lucida Console"/>
-                <a:cs typeface="Lucida Console"/>
-              </a:rPr>
-              <a:t> mode 100644 </a:t>
-            </a:r>
-            <a:r>
-              <a:rPr lang="fr-FR" sz="2400" dirty="0" err="1">
-                <a:solidFill>
-                  <a:srgbClr val="FFFFFF"/>
-                </a:solidFill>
-                <a:latin typeface="Lucida Console"/>
-                <a:cs typeface="Lucida Console"/>
-              </a:rPr>
-              <a:t>doublecheese.txt</a:t>
-            </a:r>
-            <a:endParaRPr lang="fr-FR" sz="2400" dirty="0">
-              <a:solidFill>
-                <a:srgbClr val="FFFFFF"/>
-              </a:solidFill>
-              <a:latin typeface="Lucida Console"/>
-              <a:cs typeface="Lucida Console"/>
-            </a:endParaRPr>
-          </a:p>
-        </p:txBody>
-      </p:sp>
-      <p:sp>
-        <p:nvSpPr>
           <p:cNvPr id="9" name="Titre 1"/>
           <p:cNvSpPr>
             <a:spLocks noGrp="1"/>
@@ -13768,775 +12326,6 @@
     <p:extLst>
       <p:ext uri="{BB962C8B-B14F-4D97-AF65-F5344CB8AC3E}">
         <p14:creationId xmlns:p14="http://schemas.microsoft.com/office/powerpoint/2010/main" val="2883706967"/>
-      </p:ext>
-    </p:extLst>
-  </p:cSld>
-  <p:clrMapOvr>
-    <a:masterClrMapping/>
-  </p:clrMapOvr>
-</p:sld>
-</file>
-
-<file path=ppt/slides/slide40.xml><?xml version="1.0" encoding="utf-8"?>
-<p:sld xmlns:a="http://schemas.openxmlformats.org/drawingml/2006/main" xmlns:r="http://schemas.openxmlformats.org/officeDocument/2006/relationships" xmlns:p="http://schemas.openxmlformats.org/presentationml/2006/main">
-  <p:cSld>
-    <p:spTree>
-      <p:nvGrpSpPr>
-        <p:cNvPr id="1" name=""/>
-        <p:cNvGrpSpPr/>
-        <p:nvPr/>
-      </p:nvGrpSpPr>
-      <p:grpSpPr>
-        <a:xfrm>
-          <a:off x="0" y="0"/>
-          <a:ext cx="0" cy="0"/>
-          <a:chOff x="0" y="0"/>
-          <a:chExt cx="0" cy="0"/>
-        </a:xfrm>
-      </p:grpSpPr>
-      <p:sp>
-        <p:nvSpPr>
-          <p:cNvPr id="2" name="Titre 1"/>
-          <p:cNvSpPr>
-            <a:spLocks noGrp="1"/>
-          </p:cNvSpPr>
-          <p:nvPr>
-            <p:ph type="title"/>
-          </p:nvPr>
-        </p:nvSpPr>
-        <p:spPr/>
-        <p:txBody>
-          <a:bodyPr>
-            <a:normAutofit/>
-          </a:bodyPr>
-          <a:lstStyle/>
-          <a:p>
-            <a:r>
-              <a:rPr lang="fr-FR" dirty="0"/>
-              <a:t>Travailler à </a:t>
-            </a:r>
-            <a:r>
-              <a:rPr lang="fr-FR" b="1" dirty="0"/>
-              <a:t>plusieurs</a:t>
-            </a:r>
-          </a:p>
-        </p:txBody>
-      </p:sp>
-      <p:sp>
-        <p:nvSpPr>
-          <p:cNvPr id="3" name="Espace réservé du contenu 2"/>
-          <p:cNvSpPr>
-            <a:spLocks noGrp="1"/>
-          </p:cNvSpPr>
-          <p:nvPr>
-            <p:ph idx="1"/>
-          </p:nvPr>
-        </p:nvSpPr>
-        <p:spPr>
-          <a:xfrm>
-            <a:off x="457200" y="1600200"/>
-            <a:ext cx="8229600" cy="1820701"/>
-          </a:xfrm>
-        </p:spPr>
-        <p:txBody>
-          <a:bodyPr>
-            <a:normAutofit/>
-          </a:bodyPr>
-          <a:lstStyle/>
-          <a:p>
-            <a:pPr marL="0" indent="0">
-              <a:buNone/>
-            </a:pPr>
-            <a:r>
-              <a:rPr lang="fr-FR" b="1" dirty="0"/>
-              <a:t>Mettez à jour votre dépôt local pour récupérer les modifications apportés par votre voisin</a:t>
-            </a:r>
-          </a:p>
-        </p:txBody>
-      </p:sp>
-      <p:sp>
-        <p:nvSpPr>
-          <p:cNvPr id="6" name="ZoneTexte 5"/>
-          <p:cNvSpPr txBox="1"/>
-          <p:nvPr/>
-        </p:nvSpPr>
-        <p:spPr>
-          <a:xfrm>
-            <a:off x="457200" y="3408325"/>
-            <a:ext cx="8229600" cy="3180887"/>
-          </a:xfrm>
-          <a:prstGeom prst="rect">
-            <a:avLst/>
-          </a:prstGeom>
-          <a:solidFill>
-            <a:schemeClr val="tx1"/>
-          </a:solidFill>
-        </p:spPr>
-        <p:txBody>
-          <a:bodyPr wrap="square" rtlCol="0">
-            <a:noAutofit/>
-          </a:bodyPr>
-          <a:lstStyle/>
-          <a:p>
-            <a:r>
-              <a:rPr lang="fr-FR" sz="3200" dirty="0">
-                <a:solidFill>
-                  <a:srgbClr val="FFFFFF"/>
-                </a:solidFill>
-                <a:latin typeface="Lucida Console"/>
-                <a:cs typeface="Lucida Console"/>
-              </a:rPr>
-              <a:t>$ cd ../burgers</a:t>
-            </a:r>
-          </a:p>
-          <a:p>
-            <a:r>
-              <a:rPr lang="fr-FR" sz="3200" dirty="0">
-                <a:solidFill>
-                  <a:srgbClr val="FFFFFF"/>
-                </a:solidFill>
-                <a:latin typeface="Lucida Console"/>
-                <a:cs typeface="Lucida Console"/>
-              </a:rPr>
-              <a:t>$ git pull</a:t>
-            </a:r>
-          </a:p>
-        </p:txBody>
-      </p:sp>
-    </p:spTree>
-    <p:extLst>
-      <p:ext uri="{BB962C8B-B14F-4D97-AF65-F5344CB8AC3E}">
-        <p14:creationId xmlns:p14="http://schemas.microsoft.com/office/powerpoint/2010/main" val="3735198776"/>
-      </p:ext>
-    </p:extLst>
-  </p:cSld>
-  <p:clrMapOvr>
-    <a:masterClrMapping/>
-  </p:clrMapOvr>
-</p:sld>
-</file>
-
-<file path=ppt/slides/slide41.xml><?xml version="1.0" encoding="utf-8"?>
-<p:sld xmlns:a="http://schemas.openxmlformats.org/drawingml/2006/main" xmlns:r="http://schemas.openxmlformats.org/officeDocument/2006/relationships" xmlns:p="http://schemas.openxmlformats.org/presentationml/2006/main">
-  <p:cSld>
-    <p:spTree>
-      <p:nvGrpSpPr>
-        <p:cNvPr id="1" name=""/>
-        <p:cNvGrpSpPr/>
-        <p:nvPr/>
-      </p:nvGrpSpPr>
-      <p:grpSpPr>
-        <a:xfrm>
-          <a:off x="0" y="0"/>
-          <a:ext cx="0" cy="0"/>
-          <a:chOff x="0" y="0"/>
-          <a:chExt cx="0" cy="0"/>
-        </a:xfrm>
-      </p:grpSpPr>
-      <p:sp>
-        <p:nvSpPr>
-          <p:cNvPr id="2" name="Titre 1"/>
-          <p:cNvSpPr>
-            <a:spLocks noGrp="1"/>
-          </p:cNvSpPr>
-          <p:nvPr>
-            <p:ph type="title"/>
-          </p:nvPr>
-        </p:nvSpPr>
-        <p:spPr/>
-        <p:txBody>
-          <a:bodyPr>
-            <a:normAutofit/>
-          </a:bodyPr>
-          <a:lstStyle/>
-          <a:p>
-            <a:pPr marL="0" indent="0"/>
-            <a:r>
-              <a:rPr lang="fr-FR" b="1" dirty="0"/>
-              <a:t>Exercice</a:t>
-            </a:r>
-            <a:endParaRPr lang="fr-FR" b="1" dirty="0">
-              <a:latin typeface="Lucida Console"/>
-              <a:cs typeface="Lucida Console"/>
-            </a:endParaRPr>
-          </a:p>
-        </p:txBody>
-      </p:sp>
-      <p:sp>
-        <p:nvSpPr>
-          <p:cNvPr id="3" name="Espace réservé du contenu 2"/>
-          <p:cNvSpPr>
-            <a:spLocks noGrp="1"/>
-          </p:cNvSpPr>
-          <p:nvPr>
-            <p:ph idx="1"/>
-          </p:nvPr>
-        </p:nvSpPr>
-        <p:spPr>
-          <a:xfrm>
-            <a:off x="457200" y="1600200"/>
-            <a:ext cx="8229600" cy="4166092"/>
-          </a:xfrm>
-        </p:spPr>
-        <p:txBody>
-          <a:bodyPr>
-            <a:normAutofit/>
-          </a:bodyPr>
-          <a:lstStyle/>
-          <a:p>
-            <a:r>
-              <a:rPr lang="fr-FR" dirty="0"/>
-              <a:t>Sur votre compte </a:t>
-            </a:r>
-            <a:r>
-              <a:rPr lang="fr-FR" dirty="0" err="1"/>
-              <a:t>github</a:t>
-            </a:r>
-            <a:r>
-              <a:rPr lang="fr-FR" dirty="0"/>
-              <a:t>, faite une pull </a:t>
-            </a:r>
-            <a:r>
-              <a:rPr lang="fr-FR" dirty="0" err="1"/>
-              <a:t>request</a:t>
-            </a:r>
-            <a:r>
-              <a:rPr lang="fr-FR" dirty="0"/>
-              <a:t> de la </a:t>
-            </a:r>
-            <a:r>
-              <a:rPr lang="fr-FR" dirty="0" err="1"/>
-              <a:t>branch</a:t>
-            </a:r>
-            <a:r>
-              <a:rPr lang="fr-FR" dirty="0"/>
-              <a:t> bio</a:t>
-            </a:r>
-          </a:p>
-          <a:p>
-            <a:endParaRPr lang="fr-FR" dirty="0"/>
-          </a:p>
-          <a:p>
-            <a:r>
-              <a:rPr lang="fr-FR" dirty="0"/>
-              <a:t>Valider cette </a:t>
-            </a:r>
-            <a:r>
-              <a:rPr lang="fr-FR" dirty="0" err="1"/>
-              <a:t>request</a:t>
-            </a:r>
-            <a:r>
-              <a:rPr lang="fr-FR" dirty="0"/>
-              <a:t> et faites un commit</a:t>
-            </a:r>
-          </a:p>
-          <a:p>
-            <a:endParaRPr lang="fr-FR" dirty="0"/>
-          </a:p>
-          <a:p>
-            <a:r>
-              <a:rPr lang="fr-FR" dirty="0"/>
-              <a:t>Créer une nouvelle release de votre projet</a:t>
-            </a:r>
-          </a:p>
-          <a:p>
-            <a:pPr marL="0" indent="0">
-              <a:buNone/>
-            </a:pPr>
-            <a:endParaRPr lang="fr-FR" dirty="0"/>
-          </a:p>
-        </p:txBody>
-      </p:sp>
-    </p:spTree>
-    <p:extLst>
-      <p:ext uri="{BB962C8B-B14F-4D97-AF65-F5344CB8AC3E}">
-        <p14:creationId xmlns:p14="http://schemas.microsoft.com/office/powerpoint/2010/main" val="1715249375"/>
-      </p:ext>
-    </p:extLst>
-  </p:cSld>
-  <p:clrMapOvr>
-    <a:masterClrMapping/>
-  </p:clrMapOvr>
-</p:sld>
-</file>
-
-<file path=ppt/slides/slide42.xml><?xml version="1.0" encoding="utf-8"?>
-<p:sld xmlns:a="http://schemas.openxmlformats.org/drawingml/2006/main" xmlns:r="http://schemas.openxmlformats.org/officeDocument/2006/relationships" xmlns:p="http://schemas.openxmlformats.org/presentationml/2006/main">
-  <p:cSld>
-    <p:spTree>
-      <p:nvGrpSpPr>
-        <p:cNvPr id="1" name=""/>
-        <p:cNvGrpSpPr/>
-        <p:nvPr/>
-      </p:nvGrpSpPr>
-      <p:grpSpPr>
-        <a:xfrm>
-          <a:off x="0" y="0"/>
-          <a:ext cx="0" cy="0"/>
-          <a:chOff x="0" y="0"/>
-          <a:chExt cx="0" cy="0"/>
-        </a:xfrm>
-      </p:grpSpPr>
-      <p:sp>
-        <p:nvSpPr>
-          <p:cNvPr id="2" name="Titre 1"/>
-          <p:cNvSpPr>
-            <a:spLocks noGrp="1"/>
-          </p:cNvSpPr>
-          <p:nvPr>
-            <p:ph type="title"/>
-          </p:nvPr>
-        </p:nvSpPr>
-        <p:spPr/>
-        <p:txBody>
-          <a:bodyPr>
-            <a:normAutofit/>
-          </a:bodyPr>
-          <a:lstStyle/>
-          <a:p>
-            <a:r>
-              <a:rPr lang="fr-FR" b="1" dirty="0"/>
-              <a:t>Exercice</a:t>
-            </a:r>
-          </a:p>
-        </p:txBody>
-      </p:sp>
-      <p:sp>
-        <p:nvSpPr>
-          <p:cNvPr id="3" name="Espace réservé du contenu 2"/>
-          <p:cNvSpPr>
-            <a:spLocks noGrp="1"/>
-          </p:cNvSpPr>
-          <p:nvPr>
-            <p:ph idx="1"/>
-          </p:nvPr>
-        </p:nvSpPr>
-        <p:spPr>
-          <a:xfrm>
-            <a:off x="457200" y="1600200"/>
-            <a:ext cx="8229600" cy="4813641"/>
-          </a:xfrm>
-        </p:spPr>
-        <p:txBody>
-          <a:bodyPr>
-            <a:normAutofit fontScale="92500" lnSpcReduction="20000"/>
-          </a:bodyPr>
-          <a:lstStyle/>
-          <a:p>
-            <a:pPr marL="514350" indent="-514350">
-              <a:buFont typeface="+mj-lt"/>
-              <a:buAutoNum type="arabicPeriod"/>
-            </a:pPr>
-            <a:r>
-              <a:rPr lang="fr-FR" dirty="0"/>
-              <a:t>Récupérer une copie locale du dépôt training/pizzas</a:t>
-            </a:r>
-          </a:p>
-          <a:p>
-            <a:pPr marL="514350" indent="-514350">
-              <a:buFont typeface="+mj-lt"/>
-              <a:buAutoNum type="arabicPeriod"/>
-            </a:pPr>
-            <a:r>
-              <a:rPr lang="fr-FR" dirty="0"/>
-              <a:t>Créer une pizza portant votre nom dans une nouvelle révision</a:t>
-            </a:r>
-          </a:p>
-          <a:p>
-            <a:pPr marL="514350" indent="-514350">
-              <a:buFont typeface="+mj-lt"/>
-              <a:buAutoNum type="arabicPeriod"/>
-            </a:pPr>
-            <a:r>
-              <a:rPr lang="fr-FR" dirty="0"/>
-              <a:t>Modifier les ingrédients de la pizza </a:t>
-            </a:r>
-            <a:r>
-              <a:rPr lang="fr-FR" dirty="0" err="1"/>
-              <a:t>reine.txt</a:t>
-            </a:r>
-            <a:r>
-              <a:rPr lang="fr-FR" dirty="0"/>
-              <a:t> et enregistrez une nouvelle révision</a:t>
-            </a:r>
-          </a:p>
-          <a:p>
-            <a:pPr marL="514350" indent="-514350">
-              <a:buFont typeface="+mj-lt"/>
-              <a:buAutoNum type="arabicPeriod"/>
-            </a:pPr>
-            <a:r>
-              <a:rPr lang="fr-FR" dirty="0"/>
-              <a:t>Mettez votre copie locale à jour par rapport au serveur</a:t>
-            </a:r>
-          </a:p>
-          <a:p>
-            <a:pPr marL="514350" indent="-514350">
-              <a:buFont typeface="+mj-lt"/>
-              <a:buAutoNum type="arabicPeriod"/>
-            </a:pPr>
-            <a:r>
-              <a:rPr lang="fr-FR" dirty="0"/>
-              <a:t>Consultez les modifications réalisées par les autres utilisateurs</a:t>
-            </a:r>
-          </a:p>
-          <a:p>
-            <a:pPr marL="514350" indent="-514350">
-              <a:buFont typeface="+mj-lt"/>
-              <a:buAutoNum type="arabicPeriod"/>
-            </a:pPr>
-            <a:r>
-              <a:rPr lang="fr-FR" dirty="0"/>
-              <a:t>Envoyez vos modifications sur le serveur</a:t>
-            </a:r>
-          </a:p>
-        </p:txBody>
-      </p:sp>
-    </p:spTree>
-    <p:extLst>
-      <p:ext uri="{BB962C8B-B14F-4D97-AF65-F5344CB8AC3E}">
-        <p14:creationId xmlns:p14="http://schemas.microsoft.com/office/powerpoint/2010/main" val="2301135477"/>
-      </p:ext>
-    </p:extLst>
-  </p:cSld>
-  <p:clrMapOvr>
-    <a:masterClrMapping/>
-  </p:clrMapOvr>
-</p:sld>
-</file>
-
-<file path=ppt/slides/slide43.xml><?xml version="1.0" encoding="utf-8"?>
-<p:sld xmlns:a="http://schemas.openxmlformats.org/drawingml/2006/main" xmlns:r="http://schemas.openxmlformats.org/officeDocument/2006/relationships" xmlns:p="http://schemas.openxmlformats.org/presentationml/2006/main">
-  <p:cSld>
-    <p:spTree>
-      <p:nvGrpSpPr>
-        <p:cNvPr id="1" name=""/>
-        <p:cNvGrpSpPr/>
-        <p:nvPr/>
-      </p:nvGrpSpPr>
-      <p:grpSpPr>
-        <a:xfrm>
-          <a:off x="0" y="0"/>
-          <a:ext cx="0" cy="0"/>
-          <a:chOff x="0" y="0"/>
-          <a:chExt cx="0" cy="0"/>
-        </a:xfrm>
-      </p:grpSpPr>
-      <p:sp>
-        <p:nvSpPr>
-          <p:cNvPr id="2" name="Titre 1"/>
-          <p:cNvSpPr>
-            <a:spLocks noGrp="1"/>
-          </p:cNvSpPr>
-          <p:nvPr>
-            <p:ph type="title"/>
-          </p:nvPr>
-        </p:nvSpPr>
-        <p:spPr/>
-        <p:txBody>
-          <a:bodyPr>
-            <a:normAutofit/>
-          </a:bodyPr>
-          <a:lstStyle/>
-          <a:p>
-            <a:r>
-              <a:rPr lang="fr-FR" dirty="0"/>
-              <a:t>Exercice</a:t>
-            </a:r>
-            <a:endParaRPr lang="fr-FR" b="1" dirty="0"/>
-          </a:p>
-        </p:txBody>
-      </p:sp>
-      <p:sp>
-        <p:nvSpPr>
-          <p:cNvPr id="3" name="Espace réservé du contenu 2"/>
-          <p:cNvSpPr>
-            <a:spLocks noGrp="1"/>
-          </p:cNvSpPr>
-          <p:nvPr>
-            <p:ph idx="1"/>
-          </p:nvPr>
-        </p:nvSpPr>
-        <p:spPr>
-          <a:xfrm>
-            <a:off x="457200" y="1600200"/>
-            <a:ext cx="8229600" cy="4813641"/>
-          </a:xfrm>
-        </p:spPr>
-        <p:txBody>
-          <a:bodyPr>
-            <a:normAutofit/>
-          </a:bodyPr>
-          <a:lstStyle/>
-          <a:p>
-            <a:pPr marL="514350" indent="-514350">
-              <a:buFont typeface="+mj-lt"/>
-              <a:buAutoNum type="arabicPeriod"/>
-            </a:pPr>
-            <a:r>
-              <a:rPr lang="fr-FR" sz="1800" dirty="0">
-                <a:latin typeface="Lucida Console"/>
-                <a:cs typeface="Lucida Console"/>
-              </a:rPr>
-              <a:t>git clone http://</a:t>
-            </a:r>
-            <a:r>
-              <a:rPr lang="fr-FR" sz="1800" dirty="0" err="1">
-                <a:latin typeface="Lucida Console"/>
-                <a:cs typeface="Lucida Console"/>
-              </a:rPr>
-              <a:t>serv-gitlab.igbmc.u-strasbg.fr</a:t>
-            </a:r>
-            <a:r>
-              <a:rPr lang="fr-FR" sz="1800" dirty="0">
-                <a:latin typeface="Lucida Console"/>
-                <a:cs typeface="Lucida Console"/>
-              </a:rPr>
-              <a:t>/training/pizzas</a:t>
-            </a:r>
-          </a:p>
-          <a:p>
-            <a:pPr marL="514350" indent="-514350">
-              <a:buFont typeface="+mj-lt"/>
-              <a:buAutoNum type="arabicPeriod"/>
-            </a:pPr>
-            <a:r>
-              <a:rPr lang="fr-FR" sz="1800" dirty="0">
-                <a:latin typeface="Lucida Console"/>
-                <a:cs typeface="Lucida Console"/>
-              </a:rPr>
-              <a:t>cd pizzas</a:t>
-            </a:r>
-            <a:br>
-              <a:rPr lang="fr-FR" sz="1800" dirty="0">
-                <a:latin typeface="Lucida Console"/>
-                <a:cs typeface="Lucida Console"/>
-              </a:rPr>
-            </a:br>
-            <a:r>
-              <a:rPr lang="fr-FR" sz="1800" dirty="0" err="1">
-                <a:latin typeface="Lucida Console"/>
-                <a:cs typeface="Lucida Console"/>
-              </a:rPr>
-              <a:t>echo</a:t>
-            </a:r>
-            <a:r>
-              <a:rPr lang="fr-FR" sz="1800" dirty="0">
-                <a:latin typeface="Lucida Console"/>
-                <a:cs typeface="Lucida Console"/>
-              </a:rPr>
-              <a:t> "Sauce tomate\</a:t>
-            </a:r>
-            <a:r>
-              <a:rPr lang="fr-FR" sz="1800" dirty="0" err="1">
-                <a:latin typeface="Lucida Console"/>
-                <a:cs typeface="Lucida Console"/>
-              </a:rPr>
-              <a:t>nMozzarella</a:t>
-            </a:r>
-            <a:r>
-              <a:rPr lang="fr-FR" sz="1800" dirty="0">
-                <a:latin typeface="Lucida Console"/>
-                <a:cs typeface="Lucida Console"/>
-              </a:rPr>
-              <a:t>\</a:t>
-            </a:r>
-            <a:r>
-              <a:rPr lang="fr-FR" sz="1800" dirty="0" err="1">
-                <a:latin typeface="Lucida Console"/>
-                <a:cs typeface="Lucida Console"/>
-              </a:rPr>
-              <a:t>nOlives</a:t>
-            </a:r>
-            <a:r>
-              <a:rPr lang="fr-FR" sz="1800" dirty="0">
-                <a:latin typeface="Lucida Console"/>
-                <a:cs typeface="Lucida Console"/>
-              </a:rPr>
-              <a:t> » &gt; pizza-</a:t>
-            </a:r>
-            <a:r>
-              <a:rPr lang="fr-FR" sz="1800" dirty="0" err="1">
-                <a:latin typeface="Lucida Console"/>
-                <a:cs typeface="Lucida Console"/>
-              </a:rPr>
-              <a:t>julien.txt</a:t>
-            </a:r>
-            <a:br>
-              <a:rPr lang="fr-FR" sz="1800" dirty="0">
-                <a:latin typeface="Lucida Console"/>
-                <a:cs typeface="Lucida Console"/>
-              </a:rPr>
-            </a:br>
-            <a:r>
-              <a:rPr lang="fr-FR" sz="1800" dirty="0">
-                <a:latin typeface="Lucida Console"/>
-                <a:cs typeface="Lucida Console"/>
-              </a:rPr>
-              <a:t>git </a:t>
-            </a:r>
-            <a:r>
-              <a:rPr lang="fr-FR" sz="1800" dirty="0" err="1">
-                <a:latin typeface="Lucida Console"/>
-                <a:cs typeface="Lucida Console"/>
-              </a:rPr>
-              <a:t>add</a:t>
-            </a:r>
-            <a:r>
-              <a:rPr lang="fr-FR" sz="1800" dirty="0">
-                <a:latin typeface="Lucida Console"/>
-                <a:cs typeface="Lucida Console"/>
-              </a:rPr>
-              <a:t> pizza-</a:t>
-            </a:r>
-            <a:r>
-              <a:rPr lang="fr-FR" sz="1800" dirty="0" err="1">
-                <a:latin typeface="Lucida Console"/>
-                <a:cs typeface="Lucida Console"/>
-              </a:rPr>
-              <a:t>julien.txt</a:t>
-            </a:r>
-            <a:br>
-              <a:rPr lang="fr-FR" sz="1800" dirty="0">
-                <a:latin typeface="Lucida Console"/>
-                <a:cs typeface="Lucida Console"/>
-              </a:rPr>
-            </a:br>
-            <a:r>
-              <a:rPr lang="fr-FR" sz="1800" dirty="0">
-                <a:latin typeface="Lucida Console"/>
-                <a:cs typeface="Lucida Console"/>
-              </a:rPr>
-              <a:t>git commit pizza-</a:t>
-            </a:r>
-            <a:r>
-              <a:rPr lang="fr-FR" sz="1800" dirty="0" err="1">
-                <a:latin typeface="Lucida Console"/>
-                <a:cs typeface="Lucida Console"/>
-              </a:rPr>
-              <a:t>julien.txt</a:t>
-            </a:r>
-            <a:r>
-              <a:rPr lang="fr-FR" sz="1800" dirty="0">
-                <a:latin typeface="Lucida Console"/>
-                <a:cs typeface="Lucida Console"/>
-              </a:rPr>
-              <a:t> –m “Ajout pizza Julien“</a:t>
-            </a:r>
-          </a:p>
-          <a:p>
-            <a:pPr marL="514350" indent="-514350">
-              <a:buFont typeface="+mj-lt"/>
-              <a:buAutoNum type="arabicPeriod"/>
-            </a:pPr>
-            <a:r>
-              <a:rPr lang="fr-FR" sz="1800" dirty="0" err="1">
-                <a:latin typeface="Lucida Console"/>
-                <a:cs typeface="Lucida Console"/>
-              </a:rPr>
-              <a:t>echo</a:t>
-            </a:r>
-            <a:r>
-              <a:rPr lang="fr-FR" sz="1800" dirty="0">
-                <a:latin typeface="Lucida Console"/>
-                <a:cs typeface="Lucida Console"/>
-              </a:rPr>
-              <a:t> "\</a:t>
-            </a:r>
-            <a:r>
-              <a:rPr lang="fr-FR" sz="1800" dirty="0" err="1">
-                <a:latin typeface="Lucida Console"/>
-                <a:cs typeface="Lucida Console"/>
-              </a:rPr>
-              <a:t>ncapres</a:t>
-            </a:r>
-            <a:r>
-              <a:rPr lang="fr-FR" sz="1800" dirty="0">
-                <a:latin typeface="Lucida Console"/>
-                <a:cs typeface="Lucida Console"/>
-              </a:rPr>
-              <a:t>" &gt; </a:t>
-            </a:r>
-            <a:r>
-              <a:rPr lang="fr-FR" sz="1800" dirty="0" err="1">
-                <a:latin typeface="Lucida Console"/>
-                <a:cs typeface="Lucida Console"/>
-              </a:rPr>
-              <a:t>reine.txt</a:t>
-            </a:r>
-            <a:br>
-              <a:rPr lang="fr-FR" sz="1800" dirty="0">
-                <a:latin typeface="Lucida Console"/>
-                <a:cs typeface="Lucida Console"/>
-              </a:rPr>
-            </a:br>
-            <a:r>
-              <a:rPr lang="fr-FR" sz="1800" dirty="0">
-                <a:latin typeface="Lucida Console"/>
-                <a:cs typeface="Lucida Console"/>
-              </a:rPr>
-              <a:t>git commit -a –m “Ajout des </a:t>
-            </a:r>
-            <a:r>
-              <a:rPr lang="fr-FR" sz="1800" dirty="0" err="1">
-                <a:latin typeface="Lucida Console"/>
-                <a:cs typeface="Lucida Console"/>
-              </a:rPr>
-              <a:t>capres</a:t>
-            </a:r>
-            <a:r>
-              <a:rPr lang="fr-FR" sz="1800" dirty="0">
-                <a:latin typeface="Lucida Console"/>
-                <a:cs typeface="Lucida Console"/>
-              </a:rPr>
-              <a:t> sur la Reine“</a:t>
-            </a:r>
-          </a:p>
-          <a:p>
-            <a:pPr marL="514350" indent="-514350">
-              <a:buFont typeface="+mj-lt"/>
-              <a:buAutoNum type="arabicPeriod"/>
-            </a:pPr>
-            <a:r>
-              <a:rPr lang="fr-FR" sz="1800" dirty="0">
-                <a:latin typeface="Lucida Console"/>
-                <a:cs typeface="Lucida Console"/>
-              </a:rPr>
-              <a:t>git pull</a:t>
-            </a:r>
-          </a:p>
-          <a:p>
-            <a:pPr marL="514350" indent="-514350">
-              <a:buFont typeface="+mj-lt"/>
-              <a:buAutoNum type="arabicPeriod"/>
-            </a:pPr>
-            <a:r>
-              <a:rPr lang="fr-FR" sz="1800" dirty="0">
-                <a:latin typeface="Lucida Console"/>
-                <a:cs typeface="Lucida Console"/>
-              </a:rPr>
-              <a:t>git log</a:t>
-            </a:r>
-          </a:p>
-          <a:p>
-            <a:pPr marL="514350" indent="-514350">
-              <a:buFont typeface="+mj-lt"/>
-              <a:buAutoNum type="arabicPeriod"/>
-            </a:pPr>
-            <a:r>
-              <a:rPr lang="fr-FR" sz="1800" dirty="0">
-                <a:latin typeface="Lucida Console"/>
-                <a:cs typeface="Lucida Console"/>
-              </a:rPr>
-              <a:t>git push</a:t>
-            </a:r>
-          </a:p>
-        </p:txBody>
-      </p:sp>
-    </p:spTree>
-    <p:extLst>
-      <p:ext uri="{BB962C8B-B14F-4D97-AF65-F5344CB8AC3E}">
-        <p14:creationId xmlns:p14="http://schemas.microsoft.com/office/powerpoint/2010/main" val="1549305161"/>
       </p:ext>
     </p:extLst>
   </p:cSld>
@@ -16598,80 +14387,6 @@
           </a:p>
         </p:txBody>
       </p:sp>
-      <p:sp>
-        <p:nvSpPr>
-          <p:cNvPr id="6" name="ZoneTexte 5"/>
-          <p:cNvSpPr txBox="1"/>
-          <p:nvPr/>
-        </p:nvSpPr>
-        <p:spPr>
-          <a:xfrm>
-            <a:off x="457200" y="3537523"/>
-            <a:ext cx="8229600" cy="2293558"/>
-          </a:xfrm>
-          <a:prstGeom prst="rect">
-            <a:avLst/>
-          </a:prstGeom>
-          <a:solidFill>
-            <a:schemeClr val="tx1"/>
-          </a:solidFill>
-        </p:spPr>
-        <p:txBody>
-          <a:bodyPr wrap="square" rtlCol="0">
-            <a:noAutofit/>
-          </a:bodyPr>
-          <a:lstStyle/>
-          <a:p>
-            <a:r>
-              <a:rPr lang="fr-FR" sz="2000" dirty="0">
-                <a:solidFill>
-                  <a:schemeClr val="bg1"/>
-                </a:solidFill>
-                <a:latin typeface="Lucida Console"/>
-                <a:cs typeface="Lucida Console"/>
-              </a:rPr>
-              <a:t>$ git </a:t>
-            </a:r>
-            <a:r>
-              <a:rPr lang="fr-FR" sz="2000" dirty="0" err="1">
-                <a:solidFill>
-                  <a:schemeClr val="bg1"/>
-                </a:solidFill>
-                <a:latin typeface="Lucida Console"/>
-                <a:cs typeface="Lucida Console"/>
-              </a:rPr>
-              <a:t>add</a:t>
-            </a:r>
-            <a:r>
-              <a:rPr lang="fr-FR" sz="2000" dirty="0">
-                <a:solidFill>
-                  <a:schemeClr val="bg1"/>
-                </a:solidFill>
-                <a:latin typeface="Lucida Console"/>
-                <a:cs typeface="Lucida Console"/>
-              </a:rPr>
-              <a:t> </a:t>
-            </a:r>
-            <a:r>
-              <a:rPr lang="fr-FR" sz="2000" dirty="0" err="1">
-                <a:solidFill>
-                  <a:schemeClr val="bg1"/>
-                </a:solidFill>
-                <a:latin typeface="Lucida Console"/>
-                <a:cs typeface="Lucida Console"/>
-              </a:rPr>
-              <a:t>doublecheese.txt</a:t>
-            </a:r>
-            <a:endParaRPr lang="fr-FR" sz="2000" dirty="0">
-              <a:solidFill>
-                <a:schemeClr val="bg1"/>
-              </a:solidFill>
-              <a:latin typeface="Lucida Console"/>
-              <a:cs typeface="Lucida Console"/>
-            </a:endParaRPr>
-          </a:p>
-        </p:txBody>
-      </p:sp>
     </p:spTree>
     <p:extLst>
       <p:ext uri="{BB962C8B-B14F-4D97-AF65-F5344CB8AC3E}">
@@ -16726,22 +14441,22 @@
         <a:srgbClr val="800080"/>
       </a:folHlink>
     </a:clrScheme>
-    <a:fontScheme name="Bureau">
+    <a:fontScheme name="Corbel">
       <a:majorFont>
-        <a:latin typeface="Calibri"/>
+        <a:latin typeface="Corbel" panose="020B0503020204020204"/>
         <a:ea typeface=""/>
         <a:cs typeface=""/>
-        <a:font script="Jpan" typeface="ＭＳ Ｐゴシック"/>
-        <a:font script="Hang" typeface="맑은 고딕"/>
-        <a:font script="Hans" typeface="宋体"/>
+        <a:font script="Jpan" typeface="HGｺﾞｼｯｸM"/>
+        <a:font script="Hang" typeface="HY엽서L"/>
+        <a:font script="Hans" typeface="华文楷体"/>
         <a:font script="Hant" typeface="新細明體"/>
-        <a:font script="Arab" typeface="Times New Roman"/>
-        <a:font script="Hebr" typeface="Times New Roman"/>
-        <a:font script="Thai" typeface="Angsana New"/>
+        <a:font script="Arab" typeface="Tahoma"/>
+        <a:font script="Hebr" typeface="Miriam"/>
+        <a:font script="Thai" typeface="DilleniaUPC"/>
         <a:font script="Ethi" typeface="Nyala"/>
         <a:font script="Beng" typeface="Vrinda"/>
         <a:font script="Gujr" typeface="Shruti"/>
-        <a:font script="Khmr" typeface="MoolBoran"/>
+        <a:font script="Khmr" typeface="DaunPenh"/>
         <a:font script="Knda" typeface="Tunga"/>
         <a:font script="Guru" typeface="Raavi"/>
         <a:font script="Cans" typeface="Euphemia"/>
@@ -16758,21 +14473,21 @@
         <a:font script="Laoo" typeface="DokChampa"/>
         <a:font script="Sinh" typeface="Iskoola Pota"/>
         <a:font script="Mong" typeface="Mongolian Baiti"/>
-        <a:font script="Viet" typeface="Times New Roman"/>
+        <a:font script="Viet" typeface="Arial"/>
         <a:font script="Uigh" typeface="Microsoft Uighur"/>
         <a:font script="Geor" typeface="Sylfaen"/>
       </a:majorFont>
       <a:minorFont>
-        <a:latin typeface="Calibri"/>
+        <a:latin typeface="Corbel" panose="020B0503020204020204"/>
         <a:ea typeface=""/>
         <a:cs typeface=""/>
-        <a:font script="Jpan" typeface="ＭＳ Ｐゴシック"/>
-        <a:font script="Hang" typeface="맑은 고딕"/>
-        <a:font script="Hans" typeface="宋体"/>
+        <a:font script="Jpan" typeface="HGｺﾞｼｯｸM"/>
+        <a:font script="Hang" typeface="HY엽서L"/>
+        <a:font script="Hans" typeface="华文楷体"/>
         <a:font script="Hant" typeface="新細明體"/>
-        <a:font script="Arab" typeface="Arial"/>
-        <a:font script="Hebr" typeface="Arial"/>
-        <a:font script="Thai" typeface="Cordia New"/>
+        <a:font script="Arab" typeface="Tahoma"/>
+        <a:font script="Hebr" typeface="Miriam"/>
+        <a:font script="Thai" typeface="DilleniaUPC"/>
         <a:font script="Ethi" typeface="Nyala"/>
         <a:font script="Beng" typeface="Vrinda"/>
         <a:font script="Gujr" typeface="Shruti"/>
